--- a/Week 6/Econ144_Lec12.pptx
+++ b/Week 6/Econ144_Lec12.pptx
@@ -1,6 +1,6 @@
 
 <file path=ppt/presentation.xml><?xml version="1.0" encoding="utf-8"?>
-<p:presentation xmlns:a="http://schemas.openxmlformats.org/drawingml/2006/main" xmlns:r="http://schemas.openxmlformats.org/officeDocument/2006/relationships" xmlns:mc="http://schemas.openxmlformats.org/markup-compatibility/2006" xmlns:mv="urn:schemas-microsoft-com:mac:vml" xmlns:p="http://schemas.openxmlformats.org/presentationml/2006/main" mc:Ignorable="mv" mc:PreserveAttributes="mv:*" saveSubsetFonts="1" autoCompressPictures="0">
+<p:presentation xmlns:a="http://schemas.openxmlformats.org/drawingml/2006/main" xmlns:r="http://schemas.openxmlformats.org/officeDocument/2006/relationships" xmlns:p="http://schemas.openxmlformats.org/presentationml/2006/main" saveSubsetFonts="1" autoCompressPictures="0">
   <p:sldMasterIdLst>
     <p:sldMasterId id="2147483648" r:id="rId1"/>
   </p:sldMasterIdLst>
@@ -134,11 +134,31 @@
       </a:defRPr>
     </a:lvl9pPr>
   </p:defaultTextStyle>
+  <p:extLst>
+    <p:ext uri="{EFAFB233-063F-42B5-8137-9DF3F51BA10A}">
+      <p15:sldGuideLst xmlns:p15="http://schemas.microsoft.com/office/powerpoint/2012/main">
+        <p15:guide id="1" orient="horz" pos="2160">
+          <p15:clr>
+            <a:srgbClr val="A4A3A4"/>
+          </p15:clr>
+        </p15:guide>
+        <p15:guide id="2" pos="2880">
+          <p15:clr>
+            <a:srgbClr val="A4A3A4"/>
+          </p15:clr>
+        </p15:guide>
+      </p15:sldGuideLst>
+    </p:ext>
+  </p:extLst>
 </p:presentation>
 </file>
 
+<file path=ppt/revisionInfo.xml><?xml version="1.0" encoding="utf-8"?>
+<p1510:revInfo xmlns:a="http://schemas.openxmlformats.org/drawingml/2006/main" xmlns:r="http://schemas.openxmlformats.org/officeDocument/2006/relationships" xmlns:p1510="http://schemas.microsoft.com/office/powerpoint/2015/10/main"/>
+</file>
+
 <file path=ppt/handoutMasters/handoutMaster1.xml><?xml version="1.0" encoding="utf-8"?>
-<p:handoutMaster xmlns:a="http://schemas.openxmlformats.org/drawingml/2006/main" xmlns:r="http://schemas.openxmlformats.org/officeDocument/2006/relationships" xmlns:mc="http://schemas.openxmlformats.org/markup-compatibility/2006" xmlns:mv="urn:schemas-microsoft-com:mac:vml" xmlns:p="http://schemas.openxmlformats.org/presentationml/2006/main" mc:Ignorable="mv" mc:PreserveAttributes="mv:*">
+<p:handoutMaster xmlns:a="http://schemas.openxmlformats.org/drawingml/2006/main" xmlns:r="http://schemas.openxmlformats.org/officeDocument/2006/relationships" xmlns:p="http://schemas.openxmlformats.org/presentationml/2006/main">
   <p:cSld>
     <p:bg>
       <p:bgRef idx="1001">
@@ -219,7 +239,7 @@
           <a:p>
             <a:fld id="{8B7AF238-90E4-4F44-B76F-1DC1059F79F3}" type="datetimeFigureOut">
               <a:rPr lang="en-US" smtClean="0"/>
-              <a:t>5/19/15</a:t>
+              <a:t>6/5/2018</a:t>
             </a:fld>
             <a:endParaRPr lang="en-US"/>
           </a:p>
@@ -299,7 +319,7 @@
 </file>
 
 <file path=ppt/notesMasters/notesMaster1.xml><?xml version="1.0" encoding="utf-8"?>
-<p:notesMaster xmlns:a="http://schemas.openxmlformats.org/drawingml/2006/main" xmlns:r="http://schemas.openxmlformats.org/officeDocument/2006/relationships" xmlns:mc="http://schemas.openxmlformats.org/markup-compatibility/2006" xmlns:mv="urn:schemas-microsoft-com:mac:vml" xmlns:p="http://schemas.openxmlformats.org/presentationml/2006/main" mc:Ignorable="mv" mc:PreserveAttributes="mv:*">
+<p:notesMaster xmlns:a="http://schemas.openxmlformats.org/drawingml/2006/main" xmlns:r="http://schemas.openxmlformats.org/officeDocument/2006/relationships" xmlns:p="http://schemas.openxmlformats.org/presentationml/2006/main">
   <p:cSld>
     <p:bg>
       <p:bgRef idx="1001">
@@ -380,7 +400,7 @@
           <a:p>
             <a:fld id="{A98D9320-1833-6541-AD58-BF572CE1825C}" type="datetimeFigureOut">
               <a:rPr lang="en-US" smtClean="0"/>
-              <a:t>5/19/15</a:t>
+              <a:t>6/5/2018</a:t>
             </a:fld>
             <a:endParaRPr lang="en-US"/>
           </a:p>
@@ -446,38 +466,37 @@
           <a:p>
             <a:pPr lvl="0"/>
             <a:r>
-              <a:rPr lang="en-US" smtClean="0"/>
+              <a:rPr lang="en-US"/>
               <a:t>Click to edit Master text styles</a:t>
             </a:r>
           </a:p>
           <a:p>
             <a:pPr lvl="1"/>
             <a:r>
-              <a:rPr lang="en-US" smtClean="0"/>
+              <a:rPr lang="en-US"/>
               <a:t>Second level</a:t>
             </a:r>
           </a:p>
           <a:p>
             <a:pPr lvl="2"/>
             <a:r>
-              <a:rPr lang="en-US" smtClean="0"/>
+              <a:rPr lang="en-US"/>
               <a:t>Third level</a:t>
             </a:r>
           </a:p>
           <a:p>
             <a:pPr lvl="3"/>
             <a:r>
-              <a:rPr lang="en-US" smtClean="0"/>
+              <a:rPr lang="en-US"/>
               <a:t>Fourth level</a:t>
             </a:r>
           </a:p>
           <a:p>
             <a:pPr lvl="4"/>
             <a:r>
-              <a:rPr lang="en-US" smtClean="0"/>
+              <a:rPr lang="en-US"/>
               <a:t>Fifth level</a:t>
             </a:r>
-            <a:endParaRPr lang="en-US"/>
           </a:p>
         </p:txBody>
       </p:sp>
@@ -647,7 +666,7 @@
 </file>
 
 <file path=ppt/notesSlides/notesSlide1.xml><?xml version="1.0" encoding="utf-8"?>
-<p:notes xmlns:a="http://schemas.openxmlformats.org/drawingml/2006/main" xmlns:r="http://schemas.openxmlformats.org/officeDocument/2006/relationships" xmlns:mc="http://schemas.openxmlformats.org/markup-compatibility/2006" xmlns:mv="urn:schemas-microsoft-com:mac:vml" xmlns:p="http://schemas.openxmlformats.org/presentationml/2006/main" mc:Ignorable="mv" mc:PreserveAttributes="mv:*">
+<p:notes xmlns:a="http://schemas.openxmlformats.org/drawingml/2006/main" xmlns:r="http://schemas.openxmlformats.org/officeDocument/2006/relationships" xmlns:p="http://schemas.openxmlformats.org/presentationml/2006/main">
   <p:cSld>
     <p:spTree>
       <p:nvGrpSpPr>
@@ -728,7 +747,7 @@
 </file>
 
 <file path=ppt/slideLayouts/slideLayout1.xml><?xml version="1.0" encoding="utf-8"?>
-<p:sldLayout xmlns:a="http://schemas.openxmlformats.org/drawingml/2006/main" xmlns:r="http://schemas.openxmlformats.org/officeDocument/2006/relationships" xmlns:mc="http://schemas.openxmlformats.org/markup-compatibility/2006" xmlns:mv="urn:schemas-microsoft-com:mac:vml" xmlns:p="http://schemas.openxmlformats.org/presentationml/2006/main" mc:Ignorable="mv" mc:PreserveAttributes="mv:*" type="title" preserve="1">
+<p:sldLayout xmlns:a="http://schemas.openxmlformats.org/drawingml/2006/main" xmlns:r="http://schemas.openxmlformats.org/officeDocument/2006/relationships" xmlns:p="http://schemas.openxmlformats.org/presentationml/2006/main" type="title" preserve="1">
   <p:cSld name="Title Slide">
     <p:spTree>
       <p:nvGrpSpPr>
@@ -765,10 +784,9 @@
           <a:lstStyle/>
           <a:p>
             <a:r>
-              <a:rPr lang="en-US" smtClean="0"/>
+              <a:rPr lang="en-US"/>
               <a:t>Click to edit Master title style</a:t>
             </a:r>
-            <a:endParaRPr lang="en-US"/>
           </a:p>
         </p:txBody>
       </p:sp>
@@ -884,10 +902,9 @@
           </a:lstStyle>
           <a:p>
             <a:r>
-              <a:rPr lang="en-US" smtClean="0"/>
+              <a:rPr lang="en-US"/>
               <a:t>Click to edit Master subtitle style</a:t>
             </a:r>
-            <a:endParaRPr lang="en-US"/>
           </a:p>
         </p:txBody>
       </p:sp>
@@ -908,7 +925,7 @@
           <a:p>
             <a:fld id="{F328023F-58E3-784C-BBEA-F27B6D2370AB}" type="datetime1">
               <a:rPr lang="en-US" smtClean="0"/>
-              <a:t>5/19/15</a:t>
+              <a:t>6/5/2018</a:t>
             </a:fld>
             <a:endParaRPr lang="en-US"/>
           </a:p>
@@ -966,7 +983,7 @@
 </file>
 
 <file path=ppt/slideLayouts/slideLayout10.xml><?xml version="1.0" encoding="utf-8"?>
-<p:sldLayout xmlns:a="http://schemas.openxmlformats.org/drawingml/2006/main" xmlns:r="http://schemas.openxmlformats.org/officeDocument/2006/relationships" xmlns:mc="http://schemas.openxmlformats.org/markup-compatibility/2006" xmlns:mv="urn:schemas-microsoft-com:mac:vml" xmlns:p="http://schemas.openxmlformats.org/presentationml/2006/main" mc:Ignorable="mv" mc:PreserveAttributes="mv:*" type="vertTx" preserve="1">
+<p:sldLayout xmlns:a="http://schemas.openxmlformats.org/drawingml/2006/main" xmlns:r="http://schemas.openxmlformats.org/officeDocument/2006/relationships" xmlns:p="http://schemas.openxmlformats.org/presentationml/2006/main" type="vertTx" preserve="1">
   <p:cSld name="Title and Vertical Text">
     <p:spTree>
       <p:nvGrpSpPr>
@@ -998,10 +1015,9 @@
           <a:lstStyle/>
           <a:p>
             <a:r>
-              <a:rPr lang="en-US" smtClean="0"/>
+              <a:rPr lang="en-US"/>
               <a:t>Click to edit Master title style</a:t>
             </a:r>
-            <a:endParaRPr lang="en-US"/>
           </a:p>
         </p:txBody>
       </p:sp>
@@ -1022,38 +1038,37 @@
           <a:p>
             <a:pPr lvl="0"/>
             <a:r>
-              <a:rPr lang="en-US" smtClean="0"/>
+              <a:rPr lang="en-US"/>
               <a:t>Click to edit Master text styles</a:t>
             </a:r>
           </a:p>
           <a:p>
             <a:pPr lvl="1"/>
             <a:r>
-              <a:rPr lang="en-US" smtClean="0"/>
+              <a:rPr lang="en-US"/>
               <a:t>Second level</a:t>
             </a:r>
           </a:p>
           <a:p>
             <a:pPr lvl="2"/>
             <a:r>
-              <a:rPr lang="en-US" smtClean="0"/>
+              <a:rPr lang="en-US"/>
               <a:t>Third level</a:t>
             </a:r>
           </a:p>
           <a:p>
             <a:pPr lvl="3"/>
             <a:r>
-              <a:rPr lang="en-US" smtClean="0"/>
+              <a:rPr lang="en-US"/>
               <a:t>Fourth level</a:t>
             </a:r>
           </a:p>
           <a:p>
             <a:pPr lvl="4"/>
             <a:r>
-              <a:rPr lang="en-US" smtClean="0"/>
+              <a:rPr lang="en-US"/>
               <a:t>Fifth level</a:t>
             </a:r>
-            <a:endParaRPr lang="en-US"/>
           </a:p>
         </p:txBody>
       </p:sp>
@@ -1074,7 +1089,7 @@
           <a:p>
             <a:fld id="{DCCB3601-3AE6-7D4D-96B6-20B96C582F71}" type="datetime1">
               <a:rPr lang="en-US" smtClean="0"/>
-              <a:t>5/19/15</a:t>
+              <a:t>6/5/2018</a:t>
             </a:fld>
             <a:endParaRPr lang="en-US"/>
           </a:p>
@@ -1132,7 +1147,7 @@
 </file>
 
 <file path=ppt/slideLayouts/slideLayout11.xml><?xml version="1.0" encoding="utf-8"?>
-<p:sldLayout xmlns:a="http://schemas.openxmlformats.org/drawingml/2006/main" xmlns:r="http://schemas.openxmlformats.org/officeDocument/2006/relationships" xmlns:mc="http://schemas.openxmlformats.org/markup-compatibility/2006" xmlns:mv="urn:schemas-microsoft-com:mac:vml" xmlns:p="http://schemas.openxmlformats.org/presentationml/2006/main" mc:Ignorable="mv" mc:PreserveAttributes="mv:*" type="vertTitleAndTx" preserve="1">
+<p:sldLayout xmlns:a="http://schemas.openxmlformats.org/drawingml/2006/main" xmlns:r="http://schemas.openxmlformats.org/officeDocument/2006/relationships" xmlns:p="http://schemas.openxmlformats.org/presentationml/2006/main" type="vertTitleAndTx" preserve="1">
   <p:cSld name="Vertical Title and Text">
     <p:spTree>
       <p:nvGrpSpPr>
@@ -1169,10 +1184,9 @@
           <a:lstStyle/>
           <a:p>
             <a:r>
-              <a:rPr lang="en-US" smtClean="0"/>
+              <a:rPr lang="en-US"/>
               <a:t>Click to edit Master title style</a:t>
             </a:r>
-            <a:endParaRPr lang="en-US"/>
           </a:p>
         </p:txBody>
       </p:sp>
@@ -1198,38 +1212,37 @@
           <a:p>
             <a:pPr lvl="0"/>
             <a:r>
-              <a:rPr lang="en-US" smtClean="0"/>
+              <a:rPr lang="en-US"/>
               <a:t>Click to edit Master text styles</a:t>
             </a:r>
           </a:p>
           <a:p>
             <a:pPr lvl="1"/>
             <a:r>
-              <a:rPr lang="en-US" smtClean="0"/>
+              <a:rPr lang="en-US"/>
               <a:t>Second level</a:t>
             </a:r>
           </a:p>
           <a:p>
             <a:pPr lvl="2"/>
             <a:r>
-              <a:rPr lang="en-US" smtClean="0"/>
+              <a:rPr lang="en-US"/>
               <a:t>Third level</a:t>
             </a:r>
           </a:p>
           <a:p>
             <a:pPr lvl="3"/>
             <a:r>
-              <a:rPr lang="en-US" smtClean="0"/>
+              <a:rPr lang="en-US"/>
               <a:t>Fourth level</a:t>
             </a:r>
           </a:p>
           <a:p>
             <a:pPr lvl="4"/>
             <a:r>
-              <a:rPr lang="en-US" smtClean="0"/>
+              <a:rPr lang="en-US"/>
               <a:t>Fifth level</a:t>
             </a:r>
-            <a:endParaRPr lang="en-US"/>
           </a:p>
         </p:txBody>
       </p:sp>
@@ -1250,7 +1263,7 @@
           <a:p>
             <a:fld id="{B518F583-03E9-FA43-8238-FCB34E64BC1F}" type="datetime1">
               <a:rPr lang="en-US" smtClean="0"/>
-              <a:t>5/19/15</a:t>
+              <a:t>6/5/2018</a:t>
             </a:fld>
             <a:endParaRPr lang="en-US"/>
           </a:p>
@@ -1308,7 +1321,7 @@
 </file>
 
 <file path=ppt/slideLayouts/slideLayout2.xml><?xml version="1.0" encoding="utf-8"?>
-<p:sldLayout xmlns:a="http://schemas.openxmlformats.org/drawingml/2006/main" xmlns:r="http://schemas.openxmlformats.org/officeDocument/2006/relationships" xmlns:mc="http://schemas.openxmlformats.org/markup-compatibility/2006" xmlns:mv="urn:schemas-microsoft-com:mac:vml" xmlns:p="http://schemas.openxmlformats.org/presentationml/2006/main" mc:Ignorable="mv" mc:PreserveAttributes="mv:*" type="obj" preserve="1">
+<p:sldLayout xmlns:a="http://schemas.openxmlformats.org/drawingml/2006/main" xmlns:r="http://schemas.openxmlformats.org/officeDocument/2006/relationships" xmlns:p="http://schemas.openxmlformats.org/presentationml/2006/main" type="obj" preserve="1">
   <p:cSld name="Title and Content">
     <p:spTree>
       <p:nvGrpSpPr>
@@ -1340,10 +1353,9 @@
           <a:lstStyle/>
           <a:p>
             <a:r>
-              <a:rPr lang="en-US" smtClean="0"/>
+              <a:rPr lang="en-US"/>
               <a:t>Click to edit Master title style</a:t>
             </a:r>
-            <a:endParaRPr lang="en-US"/>
           </a:p>
         </p:txBody>
       </p:sp>
@@ -1364,38 +1376,37 @@
           <a:p>
             <a:pPr lvl="0"/>
             <a:r>
-              <a:rPr lang="en-US" smtClean="0"/>
+              <a:rPr lang="en-US"/>
               <a:t>Click to edit Master text styles</a:t>
             </a:r>
           </a:p>
           <a:p>
             <a:pPr lvl="1"/>
             <a:r>
-              <a:rPr lang="en-US" smtClean="0"/>
+              <a:rPr lang="en-US"/>
               <a:t>Second level</a:t>
             </a:r>
           </a:p>
           <a:p>
             <a:pPr lvl="2"/>
             <a:r>
-              <a:rPr lang="en-US" smtClean="0"/>
+              <a:rPr lang="en-US"/>
               <a:t>Third level</a:t>
             </a:r>
           </a:p>
           <a:p>
             <a:pPr lvl="3"/>
             <a:r>
-              <a:rPr lang="en-US" smtClean="0"/>
+              <a:rPr lang="en-US"/>
               <a:t>Fourth level</a:t>
             </a:r>
           </a:p>
           <a:p>
             <a:pPr lvl="4"/>
             <a:r>
-              <a:rPr lang="en-US" smtClean="0"/>
+              <a:rPr lang="en-US"/>
               <a:t>Fifth level</a:t>
             </a:r>
-            <a:endParaRPr lang="en-US"/>
           </a:p>
         </p:txBody>
       </p:sp>
@@ -1416,7 +1427,7 @@
           <a:p>
             <a:fld id="{A7EA0382-F55F-FD48-B788-4DD7FE1BA5EE}" type="datetime1">
               <a:rPr lang="en-US" smtClean="0"/>
-              <a:t>5/19/15</a:t>
+              <a:t>6/5/2018</a:t>
             </a:fld>
             <a:endParaRPr lang="en-US"/>
           </a:p>
@@ -1474,7 +1485,7 @@
 </file>
 
 <file path=ppt/slideLayouts/slideLayout3.xml><?xml version="1.0" encoding="utf-8"?>
-<p:sldLayout xmlns:a="http://schemas.openxmlformats.org/drawingml/2006/main" xmlns:r="http://schemas.openxmlformats.org/officeDocument/2006/relationships" xmlns:mc="http://schemas.openxmlformats.org/markup-compatibility/2006" xmlns:mv="urn:schemas-microsoft-com:mac:vml" xmlns:p="http://schemas.openxmlformats.org/presentationml/2006/main" mc:Ignorable="mv" mc:PreserveAttributes="mv:*" type="secHead" preserve="1">
+<p:sldLayout xmlns:a="http://schemas.openxmlformats.org/drawingml/2006/main" xmlns:r="http://schemas.openxmlformats.org/officeDocument/2006/relationships" xmlns:p="http://schemas.openxmlformats.org/presentationml/2006/main" type="secHead" preserve="1">
   <p:cSld name="Section Header">
     <p:spTree>
       <p:nvGrpSpPr>
@@ -1515,10 +1526,9 @@
           </a:lstStyle>
           <a:p>
             <a:r>
-              <a:rPr lang="en-US" smtClean="0"/>
+              <a:rPr lang="en-US"/>
               <a:t>Click to edit Master title style</a:t>
             </a:r>
-            <a:endParaRPr lang="en-US"/>
           </a:p>
         </p:txBody>
       </p:sp>
@@ -1635,7 +1645,7 @@
           <a:p>
             <a:pPr lvl="0"/>
             <a:r>
-              <a:rPr lang="en-US" smtClean="0"/>
+              <a:rPr lang="en-US"/>
               <a:t>Click to edit Master text styles</a:t>
             </a:r>
           </a:p>
@@ -1658,7 +1668,7 @@
           <a:p>
             <a:fld id="{2C873F1E-0AD5-3840-AB75-DDAAECBC5EC3}" type="datetime1">
               <a:rPr lang="en-US" smtClean="0"/>
-              <a:t>5/19/15</a:t>
+              <a:t>6/5/2018</a:t>
             </a:fld>
             <a:endParaRPr lang="en-US"/>
           </a:p>
@@ -1716,7 +1726,7 @@
 </file>
 
 <file path=ppt/slideLayouts/slideLayout4.xml><?xml version="1.0" encoding="utf-8"?>
-<p:sldLayout xmlns:a="http://schemas.openxmlformats.org/drawingml/2006/main" xmlns:r="http://schemas.openxmlformats.org/officeDocument/2006/relationships" xmlns:mc="http://schemas.openxmlformats.org/markup-compatibility/2006" xmlns:mv="urn:schemas-microsoft-com:mac:vml" xmlns:p="http://schemas.openxmlformats.org/presentationml/2006/main" mc:Ignorable="mv" mc:PreserveAttributes="mv:*" type="twoObj" preserve="1">
+<p:sldLayout xmlns:a="http://schemas.openxmlformats.org/drawingml/2006/main" xmlns:r="http://schemas.openxmlformats.org/officeDocument/2006/relationships" xmlns:p="http://schemas.openxmlformats.org/presentationml/2006/main" type="twoObj" preserve="1">
   <p:cSld name="Two Content">
     <p:spTree>
       <p:nvGrpSpPr>
@@ -1748,10 +1758,9 @@
           <a:lstStyle/>
           <a:p>
             <a:r>
-              <a:rPr lang="en-US" smtClean="0"/>
+              <a:rPr lang="en-US"/>
               <a:t>Click to edit Master title style</a:t>
             </a:r>
-            <a:endParaRPr lang="en-US"/>
           </a:p>
         </p:txBody>
       </p:sp>
@@ -1805,38 +1814,37 @@
           <a:p>
             <a:pPr lvl="0"/>
             <a:r>
-              <a:rPr lang="en-US" smtClean="0"/>
+              <a:rPr lang="en-US"/>
               <a:t>Click to edit Master text styles</a:t>
             </a:r>
           </a:p>
           <a:p>
             <a:pPr lvl="1"/>
             <a:r>
-              <a:rPr lang="en-US" smtClean="0"/>
+              <a:rPr lang="en-US"/>
               <a:t>Second level</a:t>
             </a:r>
           </a:p>
           <a:p>
             <a:pPr lvl="2"/>
             <a:r>
-              <a:rPr lang="en-US" smtClean="0"/>
+              <a:rPr lang="en-US"/>
               <a:t>Third level</a:t>
             </a:r>
           </a:p>
           <a:p>
             <a:pPr lvl="3"/>
             <a:r>
-              <a:rPr lang="en-US" smtClean="0"/>
+              <a:rPr lang="en-US"/>
               <a:t>Fourth level</a:t>
             </a:r>
           </a:p>
           <a:p>
             <a:pPr lvl="4"/>
             <a:r>
-              <a:rPr lang="en-US" smtClean="0"/>
+              <a:rPr lang="en-US"/>
               <a:t>Fifth level</a:t>
             </a:r>
-            <a:endParaRPr lang="en-US"/>
           </a:p>
         </p:txBody>
       </p:sp>
@@ -1890,38 +1898,37 @@
           <a:p>
             <a:pPr lvl="0"/>
             <a:r>
-              <a:rPr lang="en-US" smtClean="0"/>
+              <a:rPr lang="en-US"/>
               <a:t>Click to edit Master text styles</a:t>
             </a:r>
           </a:p>
           <a:p>
             <a:pPr lvl="1"/>
             <a:r>
-              <a:rPr lang="en-US" smtClean="0"/>
+              <a:rPr lang="en-US"/>
               <a:t>Second level</a:t>
             </a:r>
           </a:p>
           <a:p>
             <a:pPr lvl="2"/>
             <a:r>
-              <a:rPr lang="en-US" smtClean="0"/>
+              <a:rPr lang="en-US"/>
               <a:t>Third level</a:t>
             </a:r>
           </a:p>
           <a:p>
             <a:pPr lvl="3"/>
             <a:r>
-              <a:rPr lang="en-US" smtClean="0"/>
+              <a:rPr lang="en-US"/>
               <a:t>Fourth level</a:t>
             </a:r>
           </a:p>
           <a:p>
             <a:pPr lvl="4"/>
             <a:r>
-              <a:rPr lang="en-US" smtClean="0"/>
+              <a:rPr lang="en-US"/>
               <a:t>Fifth level</a:t>
             </a:r>
-            <a:endParaRPr lang="en-US"/>
           </a:p>
         </p:txBody>
       </p:sp>
@@ -1942,7 +1949,7 @@
           <a:p>
             <a:fld id="{E3D57947-D179-7A4C-BC0F-7667151DC886}" type="datetime1">
               <a:rPr lang="en-US" smtClean="0"/>
-              <a:t>5/19/15</a:t>
+              <a:t>6/5/2018</a:t>
             </a:fld>
             <a:endParaRPr lang="en-US"/>
           </a:p>
@@ -2000,7 +2007,7 @@
 </file>
 
 <file path=ppt/slideLayouts/slideLayout5.xml><?xml version="1.0" encoding="utf-8"?>
-<p:sldLayout xmlns:a="http://schemas.openxmlformats.org/drawingml/2006/main" xmlns:r="http://schemas.openxmlformats.org/officeDocument/2006/relationships" xmlns:mc="http://schemas.openxmlformats.org/markup-compatibility/2006" xmlns:mv="urn:schemas-microsoft-com:mac:vml" xmlns:p="http://schemas.openxmlformats.org/presentationml/2006/main" mc:Ignorable="mv" mc:PreserveAttributes="mv:*" type="twoTxTwoObj" preserve="1">
+<p:sldLayout xmlns:a="http://schemas.openxmlformats.org/drawingml/2006/main" xmlns:r="http://schemas.openxmlformats.org/officeDocument/2006/relationships" xmlns:p="http://schemas.openxmlformats.org/presentationml/2006/main" type="twoTxTwoObj" preserve="1">
   <p:cSld name="Comparison">
     <p:spTree>
       <p:nvGrpSpPr>
@@ -2036,10 +2043,9 @@
           </a:lstStyle>
           <a:p>
             <a:r>
-              <a:rPr lang="en-US" smtClean="0"/>
+              <a:rPr lang="en-US"/>
               <a:t>Click to edit Master title style</a:t>
             </a:r>
-            <a:endParaRPr lang="en-US"/>
           </a:p>
         </p:txBody>
       </p:sp>
@@ -2102,7 +2108,7 @@
           <a:p>
             <a:pPr lvl="0"/>
             <a:r>
-              <a:rPr lang="en-US" smtClean="0"/>
+              <a:rPr lang="en-US"/>
               <a:t>Click to edit Master text styles</a:t>
             </a:r>
           </a:p>
@@ -2158,38 +2164,37 @@
           <a:p>
             <a:pPr lvl="0"/>
             <a:r>
-              <a:rPr lang="en-US" smtClean="0"/>
+              <a:rPr lang="en-US"/>
               <a:t>Click to edit Master text styles</a:t>
             </a:r>
           </a:p>
           <a:p>
             <a:pPr lvl="1"/>
             <a:r>
-              <a:rPr lang="en-US" smtClean="0"/>
+              <a:rPr lang="en-US"/>
               <a:t>Second level</a:t>
             </a:r>
           </a:p>
           <a:p>
             <a:pPr lvl="2"/>
             <a:r>
-              <a:rPr lang="en-US" smtClean="0"/>
+              <a:rPr lang="en-US"/>
               <a:t>Third level</a:t>
             </a:r>
           </a:p>
           <a:p>
             <a:pPr lvl="3"/>
             <a:r>
-              <a:rPr lang="en-US" smtClean="0"/>
+              <a:rPr lang="en-US"/>
               <a:t>Fourth level</a:t>
             </a:r>
           </a:p>
           <a:p>
             <a:pPr lvl="4"/>
             <a:r>
-              <a:rPr lang="en-US" smtClean="0"/>
+              <a:rPr lang="en-US"/>
               <a:t>Fifth level</a:t>
             </a:r>
-            <a:endParaRPr lang="en-US"/>
           </a:p>
         </p:txBody>
       </p:sp>
@@ -2252,7 +2257,7 @@
           <a:p>
             <a:pPr lvl="0"/>
             <a:r>
-              <a:rPr lang="en-US" smtClean="0"/>
+              <a:rPr lang="en-US"/>
               <a:t>Click to edit Master text styles</a:t>
             </a:r>
           </a:p>
@@ -2308,38 +2313,37 @@
           <a:p>
             <a:pPr lvl="0"/>
             <a:r>
-              <a:rPr lang="en-US" smtClean="0"/>
+              <a:rPr lang="en-US"/>
               <a:t>Click to edit Master text styles</a:t>
             </a:r>
           </a:p>
           <a:p>
             <a:pPr lvl="1"/>
             <a:r>
-              <a:rPr lang="en-US" smtClean="0"/>
+              <a:rPr lang="en-US"/>
               <a:t>Second level</a:t>
             </a:r>
           </a:p>
           <a:p>
             <a:pPr lvl="2"/>
             <a:r>
-              <a:rPr lang="en-US" smtClean="0"/>
+              <a:rPr lang="en-US"/>
               <a:t>Third level</a:t>
             </a:r>
           </a:p>
           <a:p>
             <a:pPr lvl="3"/>
             <a:r>
-              <a:rPr lang="en-US" smtClean="0"/>
+              <a:rPr lang="en-US"/>
               <a:t>Fourth level</a:t>
             </a:r>
           </a:p>
           <a:p>
             <a:pPr lvl="4"/>
             <a:r>
-              <a:rPr lang="en-US" smtClean="0"/>
+              <a:rPr lang="en-US"/>
               <a:t>Fifth level</a:t>
             </a:r>
-            <a:endParaRPr lang="en-US"/>
           </a:p>
         </p:txBody>
       </p:sp>
@@ -2360,7 +2364,7 @@
           <a:p>
             <a:fld id="{51CB780E-4747-374E-A32A-14DFAC8E4721}" type="datetime1">
               <a:rPr lang="en-US" smtClean="0"/>
-              <a:t>5/19/15</a:t>
+              <a:t>6/5/2018</a:t>
             </a:fld>
             <a:endParaRPr lang="en-US"/>
           </a:p>
@@ -2418,7 +2422,7 @@
 </file>
 
 <file path=ppt/slideLayouts/slideLayout6.xml><?xml version="1.0" encoding="utf-8"?>
-<p:sldLayout xmlns:a="http://schemas.openxmlformats.org/drawingml/2006/main" xmlns:r="http://schemas.openxmlformats.org/officeDocument/2006/relationships" xmlns:mc="http://schemas.openxmlformats.org/markup-compatibility/2006" xmlns:mv="urn:schemas-microsoft-com:mac:vml" xmlns:p="http://schemas.openxmlformats.org/presentationml/2006/main" mc:Ignorable="mv" mc:PreserveAttributes="mv:*" type="titleOnly" preserve="1">
+<p:sldLayout xmlns:a="http://schemas.openxmlformats.org/drawingml/2006/main" xmlns:r="http://schemas.openxmlformats.org/officeDocument/2006/relationships" xmlns:p="http://schemas.openxmlformats.org/presentationml/2006/main" type="titleOnly" preserve="1">
   <p:cSld name="Title Only">
     <p:spTree>
       <p:nvGrpSpPr>
@@ -2450,10 +2454,9 @@
           <a:lstStyle/>
           <a:p>
             <a:r>
-              <a:rPr lang="en-US" smtClean="0"/>
+              <a:rPr lang="en-US"/>
               <a:t>Click to edit Master title style</a:t>
             </a:r>
-            <a:endParaRPr lang="en-US"/>
           </a:p>
         </p:txBody>
       </p:sp>
@@ -2474,7 +2477,7 @@
           <a:p>
             <a:fld id="{B17D773B-4E5D-884E-9BEE-3A3FB395BD2D}" type="datetime1">
               <a:rPr lang="en-US" smtClean="0"/>
-              <a:t>5/19/15</a:t>
+              <a:t>6/5/2018</a:t>
             </a:fld>
             <a:endParaRPr lang="en-US"/>
           </a:p>
@@ -2532,7 +2535,7 @@
 </file>
 
 <file path=ppt/slideLayouts/slideLayout7.xml><?xml version="1.0" encoding="utf-8"?>
-<p:sldLayout xmlns:a="http://schemas.openxmlformats.org/drawingml/2006/main" xmlns:r="http://schemas.openxmlformats.org/officeDocument/2006/relationships" xmlns:mc="http://schemas.openxmlformats.org/markup-compatibility/2006" xmlns:mv="urn:schemas-microsoft-com:mac:vml" xmlns:p="http://schemas.openxmlformats.org/presentationml/2006/main" mc:Ignorable="mv" mc:PreserveAttributes="mv:*" type="blank" preserve="1">
+<p:sldLayout xmlns:a="http://schemas.openxmlformats.org/drawingml/2006/main" xmlns:r="http://schemas.openxmlformats.org/officeDocument/2006/relationships" xmlns:p="http://schemas.openxmlformats.org/presentationml/2006/main" type="blank" preserve="1">
   <p:cSld name="Blank">
     <p:spTree>
       <p:nvGrpSpPr>
@@ -2565,7 +2568,7 @@
           <a:p>
             <a:fld id="{F07B06A7-0D27-BE43-ABAB-1567BFAAC4D8}" type="datetime1">
               <a:rPr lang="en-US" smtClean="0"/>
-              <a:t>5/19/15</a:t>
+              <a:t>6/5/2018</a:t>
             </a:fld>
             <a:endParaRPr lang="en-US"/>
           </a:p>
@@ -2623,7 +2626,7 @@
 </file>
 
 <file path=ppt/slideLayouts/slideLayout8.xml><?xml version="1.0" encoding="utf-8"?>
-<p:sldLayout xmlns:a="http://schemas.openxmlformats.org/drawingml/2006/main" xmlns:r="http://schemas.openxmlformats.org/officeDocument/2006/relationships" xmlns:mc="http://schemas.openxmlformats.org/markup-compatibility/2006" xmlns:mv="urn:schemas-microsoft-com:mac:vml" xmlns:p="http://schemas.openxmlformats.org/presentationml/2006/main" mc:Ignorable="mv" mc:PreserveAttributes="mv:*" type="objTx" preserve="1">
+<p:sldLayout xmlns:a="http://schemas.openxmlformats.org/drawingml/2006/main" xmlns:r="http://schemas.openxmlformats.org/officeDocument/2006/relationships" xmlns:p="http://schemas.openxmlformats.org/presentationml/2006/main" type="objTx" preserve="1">
   <p:cSld name="Content with Caption">
     <p:spTree>
       <p:nvGrpSpPr>
@@ -2664,10 +2667,9 @@
           </a:lstStyle>
           <a:p>
             <a:r>
-              <a:rPr lang="en-US" smtClean="0"/>
+              <a:rPr lang="en-US"/>
               <a:t>Click to edit Master title style</a:t>
             </a:r>
-            <a:endParaRPr lang="en-US"/>
           </a:p>
         </p:txBody>
       </p:sp>
@@ -2721,38 +2723,37 @@
           <a:p>
             <a:pPr lvl="0"/>
             <a:r>
-              <a:rPr lang="en-US" smtClean="0"/>
+              <a:rPr lang="en-US"/>
               <a:t>Click to edit Master text styles</a:t>
             </a:r>
           </a:p>
           <a:p>
             <a:pPr lvl="1"/>
             <a:r>
-              <a:rPr lang="en-US" smtClean="0"/>
+              <a:rPr lang="en-US"/>
               <a:t>Second level</a:t>
             </a:r>
           </a:p>
           <a:p>
             <a:pPr lvl="2"/>
             <a:r>
-              <a:rPr lang="en-US" smtClean="0"/>
+              <a:rPr lang="en-US"/>
               <a:t>Third level</a:t>
             </a:r>
           </a:p>
           <a:p>
             <a:pPr lvl="3"/>
             <a:r>
-              <a:rPr lang="en-US" smtClean="0"/>
+              <a:rPr lang="en-US"/>
               <a:t>Fourth level</a:t>
             </a:r>
           </a:p>
           <a:p>
             <a:pPr lvl="4"/>
             <a:r>
-              <a:rPr lang="en-US" smtClean="0"/>
+              <a:rPr lang="en-US"/>
               <a:t>Fifth level</a:t>
             </a:r>
-            <a:endParaRPr lang="en-US"/>
           </a:p>
         </p:txBody>
       </p:sp>
@@ -2815,7 +2816,7 @@
           <a:p>
             <a:pPr lvl="0"/>
             <a:r>
-              <a:rPr lang="en-US" smtClean="0"/>
+              <a:rPr lang="en-US"/>
               <a:t>Click to edit Master text styles</a:t>
             </a:r>
           </a:p>
@@ -2838,7 +2839,7 @@
           <a:p>
             <a:fld id="{59CC7C00-27FE-0146-BB78-3868FB644856}" type="datetime1">
               <a:rPr lang="en-US" smtClean="0"/>
-              <a:t>5/19/15</a:t>
+              <a:t>6/5/2018</a:t>
             </a:fld>
             <a:endParaRPr lang="en-US"/>
           </a:p>
@@ -2896,7 +2897,7 @@
 </file>
 
 <file path=ppt/slideLayouts/slideLayout9.xml><?xml version="1.0" encoding="utf-8"?>
-<p:sldLayout xmlns:a="http://schemas.openxmlformats.org/drawingml/2006/main" xmlns:r="http://schemas.openxmlformats.org/officeDocument/2006/relationships" xmlns:mc="http://schemas.openxmlformats.org/markup-compatibility/2006" xmlns:mv="urn:schemas-microsoft-com:mac:vml" xmlns:p="http://schemas.openxmlformats.org/presentationml/2006/main" mc:Ignorable="mv" mc:PreserveAttributes="mv:*" type="picTx" preserve="1">
+<p:sldLayout xmlns:a="http://schemas.openxmlformats.org/drawingml/2006/main" xmlns:r="http://schemas.openxmlformats.org/officeDocument/2006/relationships" xmlns:p="http://schemas.openxmlformats.org/presentationml/2006/main" type="picTx" preserve="1">
   <p:cSld name="Picture with Caption">
     <p:spTree>
       <p:nvGrpSpPr>
@@ -2937,10 +2938,9 @@
           </a:lstStyle>
           <a:p>
             <a:r>
-              <a:rPr lang="en-US" smtClean="0"/>
+              <a:rPr lang="en-US"/>
               <a:t>Click to edit Master title style</a:t>
             </a:r>
-            <a:endParaRPr lang="en-US"/>
           </a:p>
         </p:txBody>
       </p:sp>
@@ -3064,7 +3064,7 @@
           <a:p>
             <a:pPr lvl="0"/>
             <a:r>
-              <a:rPr lang="en-US" smtClean="0"/>
+              <a:rPr lang="en-US"/>
               <a:t>Click to edit Master text styles</a:t>
             </a:r>
           </a:p>
@@ -3087,7 +3087,7 @@
           <a:p>
             <a:fld id="{71422F02-CE8B-8740-8C29-702911AD3F5C}" type="datetime1">
               <a:rPr lang="en-US" smtClean="0"/>
-              <a:t>5/19/15</a:t>
+              <a:t>6/5/2018</a:t>
             </a:fld>
             <a:endParaRPr lang="en-US"/>
           </a:p>
@@ -3145,7 +3145,7 @@
 </file>
 
 <file path=ppt/slideMasters/slideMaster1.xml><?xml version="1.0" encoding="utf-8"?>
-<p:sldMaster xmlns:a="http://schemas.openxmlformats.org/drawingml/2006/main" xmlns:r="http://schemas.openxmlformats.org/officeDocument/2006/relationships" xmlns:mc="http://schemas.openxmlformats.org/markup-compatibility/2006" xmlns:mv="urn:schemas-microsoft-com:mac:vml" xmlns:p="http://schemas.openxmlformats.org/presentationml/2006/main" mc:Ignorable="mv" mc:PreserveAttributes="mv:*">
+<p:sldMaster xmlns:a="http://schemas.openxmlformats.org/drawingml/2006/main" xmlns:r="http://schemas.openxmlformats.org/officeDocument/2006/relationships" xmlns:p="http://schemas.openxmlformats.org/presentationml/2006/main">
   <p:cSld>
     <p:bg>
       <p:bgRef idx="1001">
@@ -3192,10 +3192,9 @@
           <a:lstStyle/>
           <a:p>
             <a:r>
-              <a:rPr lang="en-US" smtClean="0"/>
+              <a:rPr lang="en-US"/>
               <a:t>Click to edit Master title style</a:t>
             </a:r>
-            <a:endParaRPr lang="en-US"/>
           </a:p>
         </p:txBody>
       </p:sp>
@@ -3226,38 +3225,37 @@
           <a:p>
             <a:pPr lvl="0"/>
             <a:r>
-              <a:rPr lang="en-US" smtClean="0"/>
+              <a:rPr lang="en-US"/>
               <a:t>Click to edit Master text styles</a:t>
             </a:r>
           </a:p>
           <a:p>
             <a:pPr lvl="1"/>
             <a:r>
-              <a:rPr lang="en-US" smtClean="0"/>
+              <a:rPr lang="en-US"/>
               <a:t>Second level</a:t>
             </a:r>
           </a:p>
           <a:p>
             <a:pPr lvl="2"/>
             <a:r>
-              <a:rPr lang="en-US" smtClean="0"/>
+              <a:rPr lang="en-US"/>
               <a:t>Third level</a:t>
             </a:r>
           </a:p>
           <a:p>
             <a:pPr lvl="3"/>
             <a:r>
-              <a:rPr lang="en-US" smtClean="0"/>
+              <a:rPr lang="en-US"/>
               <a:t>Fourth level</a:t>
             </a:r>
           </a:p>
           <a:p>
             <a:pPr lvl="4"/>
             <a:r>
-              <a:rPr lang="en-US" smtClean="0"/>
+              <a:rPr lang="en-US"/>
               <a:t>Fifth level</a:t>
             </a:r>
-            <a:endParaRPr lang="en-US"/>
           </a:p>
         </p:txBody>
       </p:sp>
@@ -3296,7 +3294,7 @@
           <a:p>
             <a:fld id="{E4A18F0A-E967-834D-83DB-08B0653FE7ED}" type="datetime1">
               <a:rPr lang="en-US" smtClean="0"/>
-              <a:t>5/19/15</a:t>
+              <a:t>6/5/2018</a:t>
             </a:fld>
             <a:endParaRPr lang="en-US"/>
           </a:p>
@@ -3652,7 +3650,7 @@
 </file>
 
 <file path=ppt/slides/slide1.xml><?xml version="1.0" encoding="utf-8"?>
-<p:sld xmlns:a="http://schemas.openxmlformats.org/drawingml/2006/main" xmlns:r="http://schemas.openxmlformats.org/officeDocument/2006/relationships" xmlns:mc="http://schemas.openxmlformats.org/markup-compatibility/2006" xmlns:mv="urn:schemas-microsoft-com:mac:vml" xmlns:p="http://schemas.openxmlformats.org/presentationml/2006/main" mc:Ignorable="mv" mc:PreserveAttributes="mv:*">
+<p:sld xmlns:a="http://schemas.openxmlformats.org/drawingml/2006/main" xmlns:r="http://schemas.openxmlformats.org/officeDocument/2006/relationships" xmlns:p="http://schemas.openxmlformats.org/presentationml/2006/main">
   <p:cSld>
     <p:spTree>
       <p:nvGrpSpPr>
@@ -3689,17 +3687,16 @@
           <a:lstStyle/>
           <a:p>
             <a:r>
-              <a:rPr lang="en-US" smtClean="0"/>
+              <a:rPr lang="en-US"/>
               <a:t>Economics 144</a:t>
             </a:r>
             <a:br>
-              <a:rPr lang="en-US" smtClean="0"/>
+              <a:rPr lang="en-US"/>
             </a:br>
             <a:r>
-              <a:rPr lang="en-US" dirty="0" smtClean="0"/>
+              <a:rPr lang="en-US" dirty="0"/>
               <a:t>Economic Forecasting			</a:t>
             </a:r>
-            <a:endParaRPr lang="en-US" dirty="0"/>
           </a:p>
         </p:txBody>
       </p:sp>
@@ -3726,7 +3723,7 @@
           <a:lstStyle/>
           <a:p>
             <a:r>
-              <a:rPr lang="en-US" sz="4571" dirty="0" smtClean="0">
+              <a:rPr lang="en-US" sz="4571" dirty="0">
                 <a:solidFill>
                   <a:schemeClr val="tx1">
                     <a:lumMod val="65000"/>
@@ -3739,7 +3736,7 @@
           </a:p>
           <a:p>
             <a:r>
-              <a:rPr lang="en-US" sz="4571" dirty="0" smtClean="0">
+              <a:rPr lang="en-US" sz="4571" dirty="0">
                 <a:solidFill>
                   <a:schemeClr val="tx1">
                     <a:lumMod val="65000"/>
@@ -3752,7 +3749,7 @@
           </a:p>
           <a:p>
             <a:r>
-              <a:rPr lang="en-US" sz="4571" dirty="0" smtClean="0">
+              <a:rPr lang="en-US" sz="4571" dirty="0">
                 <a:solidFill>
                   <a:schemeClr val="tx1">
                     <a:lumMod val="65000"/>
@@ -3764,7 +3761,7 @@
             </a:r>
           </a:p>
           <a:p>
-            <a:endParaRPr lang="en-US" dirty="0" smtClean="0">
+            <a:endParaRPr lang="en-US" dirty="0">
               <a:solidFill>
                 <a:schemeClr val="tx1">
                   <a:lumMod val="65000"/>
@@ -3775,7 +3772,7 @@
           </a:p>
           <a:p>
             <a:r>
-              <a:rPr lang="en-US" sz="2824" dirty="0" smtClean="0">
+              <a:rPr lang="en-US" sz="2824" dirty="0">
                 <a:solidFill>
                   <a:schemeClr val="tx1">
                     <a:lumMod val="65000"/>
@@ -3785,14 +3782,6 @@
               </a:rPr>
               <a:t>Dr. Randall R. Rojas</a:t>
             </a:r>
-            <a:endParaRPr lang="en-US" sz="2824" dirty="0">
-              <a:solidFill>
-                <a:schemeClr val="tx1">
-                  <a:lumMod val="65000"/>
-                  <a:lumOff val="35000"/>
-                </a:schemeClr>
-              </a:solidFill>
-            </a:endParaRPr>
           </a:p>
         </p:txBody>
       </p:sp>
@@ -3825,18 +3814,11 @@
   <p:clrMapOvr>
     <a:masterClrMapping/>
   </p:clrMapOvr>
-  <p:timing>
-    <p:tnLst>
-      <p:par>
-        <p:cTn id="1" dur="indefinite" restart="never" nodeType="tmRoot"/>
-      </p:par>
-    </p:tnLst>
-  </p:timing>
 </p:sld>
 </file>
 
 <file path=ppt/slides/slide10.xml><?xml version="1.0" encoding="utf-8"?>
-<p:sld xmlns:a="http://schemas.openxmlformats.org/drawingml/2006/main" xmlns:r="http://schemas.openxmlformats.org/officeDocument/2006/relationships" xmlns:mc="http://schemas.openxmlformats.org/markup-compatibility/2006" xmlns:mv="urn:schemas-microsoft-com:mac:vml" xmlns:p="http://schemas.openxmlformats.org/presentationml/2006/main" mc:Ignorable="mv" mc:PreserveAttributes="mv:*">
+<p:sld xmlns:a="http://schemas.openxmlformats.org/drawingml/2006/main" xmlns:r="http://schemas.openxmlformats.org/officeDocument/2006/relationships" xmlns:p="http://schemas.openxmlformats.org/presentationml/2006/main">
   <p:cSld>
     <p:spTree>
       <p:nvGrpSpPr>
@@ -3870,7 +3852,7 @@
           <a:lstStyle/>
           <a:p>
             <a:r>
-              <a:rPr lang="en-US" dirty="0" smtClean="0">
+              <a:rPr lang="en-US" dirty="0">
                 <a:solidFill>
                   <a:schemeClr val="tx2">
                     <a:lumMod val="60000"/>
@@ -3881,7 +3863,7 @@
               <a:t>VAR Example 1</a:t>
             </a:r>
             <a:br>
-              <a:rPr lang="en-US" dirty="0" smtClean="0">
+              <a:rPr lang="en-US" dirty="0">
                 <a:solidFill>
                   <a:schemeClr val="tx2">
                     <a:lumMod val="60000"/>
@@ -3891,7 +3873,7 @@
               </a:rPr>
             </a:br>
             <a:r>
-              <a:rPr lang="en-US" dirty="0" smtClean="0">
+              <a:rPr lang="en-US" dirty="0">
                 <a:solidFill>
                   <a:schemeClr val="tx2">
                     <a:lumMod val="60000"/>
@@ -3901,14 +3883,6 @@
               </a:rPr>
               <a:t>Housing Starts and Completions</a:t>
             </a:r>
-            <a:endParaRPr lang="en-US" dirty="0">
-              <a:solidFill>
-                <a:schemeClr val="tx2">
-                  <a:lumMod val="60000"/>
-                  <a:lumOff val="40000"/>
-                </a:schemeClr>
-              </a:solidFill>
-            </a:endParaRPr>
           </a:p>
         </p:txBody>
       </p:sp>
@@ -3938,7 +3912,7 @@
               <a:buNone/>
             </a:pPr>
             <a:r>
-              <a:rPr lang="en-US" sz="3000" dirty="0" smtClean="0">
+              <a:rPr lang="en-US" sz="3000" dirty="0">
                 <a:solidFill>
                   <a:schemeClr val="accent6">
                     <a:lumMod val="75000"/>
@@ -3950,7 +3924,7 @@
           </a:p>
           <a:p>
             <a:r>
-              <a:rPr lang="en-US" sz="2600" dirty="0" smtClean="0">
+              <a:rPr lang="en-US" sz="2600" dirty="0">
                 <a:solidFill>
                   <a:srgbClr val="B22222"/>
                 </a:solidFill>
@@ -3958,7 +3932,7 @@
               <a:t>Q</a:t>
             </a:r>
             <a:r>
-              <a:rPr lang="en-US" sz="2600" dirty="0" smtClean="0">
+              <a:rPr lang="en-US" sz="2600" dirty="0">
                 <a:solidFill>
                   <a:schemeClr val="tx1">
                     <a:lumMod val="65000"/>
@@ -3974,7 +3948,7 @@
               <a:buNone/>
             </a:pPr>
             <a:r>
-              <a:rPr lang="en-US" sz="1882" dirty="0" err="1" smtClean="0">
+              <a:rPr lang="en-US" sz="1882" dirty="0" err="1">
                 <a:solidFill>
                   <a:srgbClr val="0000FF"/>
                 </a:solidFill>
@@ -3984,7 +3958,7 @@
               <a:t>library(lmtest</a:t>
             </a:r>
             <a:r>
-              <a:rPr lang="en-US" sz="1882" dirty="0" smtClean="0">
+              <a:rPr lang="en-US" sz="1882" dirty="0">
                 <a:solidFill>
                   <a:srgbClr val="0000FF"/>
                 </a:solidFill>
@@ -3999,7 +3973,7 @@
               <a:buNone/>
             </a:pPr>
             <a:r>
-              <a:rPr lang="en-US" sz="1882" dirty="0" err="1" smtClean="0">
+              <a:rPr lang="en-US" sz="1882" dirty="0" err="1">
                 <a:solidFill>
                   <a:srgbClr val="0000FF"/>
                 </a:solidFill>
@@ -4009,7 +3983,7 @@
               <a:t>Grangertest(starts~comps,order</a:t>
             </a:r>
             <a:r>
-              <a:rPr lang="en-US" sz="1882" dirty="0" smtClean="0">
+              <a:rPr lang="en-US" sz="1882" dirty="0">
                 <a:solidFill>
                   <a:srgbClr val="0000FF"/>
                 </a:solidFill>
@@ -4023,7 +3997,7 @@
             <a:pPr>
               <a:buNone/>
             </a:pPr>
-            <a:endParaRPr lang="en-US" sz="1700" dirty="0" smtClean="0">
+            <a:endParaRPr lang="en-US" sz="1700" dirty="0">
               <a:solidFill>
                 <a:srgbClr val="595959"/>
               </a:solidFill>
@@ -4036,7 +4010,7 @@
               <a:buNone/>
             </a:pPr>
             <a:r>
-              <a:rPr lang="en-US" sz="1700" dirty="0" smtClean="0">
+              <a:rPr lang="en-US" sz="1700" dirty="0">
                 <a:solidFill>
                   <a:srgbClr val="595959"/>
                 </a:solidFill>
@@ -4050,7 +4024,7 @@
             <a:pPr>
               <a:buNone/>
             </a:pPr>
-            <a:endParaRPr lang="en-US" sz="1700" dirty="0" smtClean="0">
+            <a:endParaRPr lang="en-US" sz="1700" dirty="0">
               <a:solidFill>
                 <a:srgbClr val="595959"/>
               </a:solidFill>
@@ -4063,7 +4037,7 @@
               <a:buNone/>
             </a:pPr>
             <a:r>
-              <a:rPr lang="en-US" sz="1700" dirty="0" smtClean="0">
+              <a:rPr lang="en-US" sz="1700" dirty="0">
                 <a:solidFill>
                   <a:srgbClr val="595959"/>
                 </a:solidFill>
@@ -4073,7 +4047,7 @@
               <a:t>Model 1: starts ~ </a:t>
             </a:r>
             <a:r>
-              <a:rPr lang="en-US" sz="1700" dirty="0" err="1" smtClean="0">
+              <a:rPr lang="en-US" sz="1700" dirty="0" err="1">
                 <a:solidFill>
                   <a:srgbClr val="595959"/>
                 </a:solidFill>
@@ -4083,7 +4057,7 @@
               <a:t>Lags(starts</a:t>
             </a:r>
             <a:r>
-              <a:rPr lang="en-US" sz="1700" dirty="0" smtClean="0">
+              <a:rPr lang="en-US" sz="1700" dirty="0">
                 <a:solidFill>
                   <a:srgbClr val="595959"/>
                 </a:solidFill>
@@ -4093,7 +4067,7 @@
               <a:t>, 1:4) + </a:t>
             </a:r>
             <a:r>
-              <a:rPr lang="en-US" sz="1700" dirty="0" err="1" smtClean="0">
+              <a:rPr lang="en-US" sz="1700" dirty="0" err="1">
                 <a:solidFill>
                   <a:srgbClr val="595959"/>
                 </a:solidFill>
@@ -4103,7 +4077,7 @@
               <a:t>Lags(comps</a:t>
             </a:r>
             <a:r>
-              <a:rPr lang="en-US" sz="1700" dirty="0" smtClean="0">
+              <a:rPr lang="en-US" sz="1700" dirty="0">
                 <a:solidFill>
                   <a:srgbClr val="595959"/>
                 </a:solidFill>
@@ -4118,7 +4092,7 @@
               <a:buNone/>
             </a:pPr>
             <a:r>
-              <a:rPr lang="en-US" sz="1700" dirty="0" smtClean="0">
+              <a:rPr lang="en-US" sz="1700" dirty="0">
                 <a:solidFill>
                   <a:srgbClr val="595959"/>
                 </a:solidFill>
@@ -4128,7 +4102,7 @@
               <a:t>Model 2: starts ~ </a:t>
             </a:r>
             <a:r>
-              <a:rPr lang="en-US" sz="1700" dirty="0" err="1" smtClean="0">
+              <a:rPr lang="en-US" sz="1700" dirty="0" err="1">
                 <a:solidFill>
                   <a:srgbClr val="595959"/>
                 </a:solidFill>
@@ -4138,7 +4112,7 @@
               <a:t>Lags(starts</a:t>
             </a:r>
             <a:r>
-              <a:rPr lang="en-US" sz="1700" dirty="0" smtClean="0">
+              <a:rPr lang="en-US" sz="1700" dirty="0">
                 <a:solidFill>
                   <a:srgbClr val="595959"/>
                 </a:solidFill>
@@ -4153,7 +4127,7 @@
               <a:buNone/>
             </a:pPr>
             <a:r>
-              <a:rPr lang="en-US" sz="1700" dirty="0" smtClean="0">
+              <a:rPr lang="en-US" sz="1700" dirty="0">
                 <a:solidFill>
                   <a:srgbClr val="595959"/>
                 </a:solidFill>
@@ -4163,7 +4137,7 @@
               <a:t>  </a:t>
             </a:r>
             <a:r>
-              <a:rPr lang="en-US" sz="1700" dirty="0" err="1" smtClean="0">
+              <a:rPr lang="en-US" sz="1700" dirty="0" err="1">
                 <a:solidFill>
                   <a:srgbClr val="595959"/>
                 </a:solidFill>
@@ -4173,7 +4147,7 @@
               <a:t>Res.Df</a:t>
             </a:r>
             <a:r>
-              <a:rPr lang="en-US" sz="1700" dirty="0" smtClean="0">
+              <a:rPr lang="en-US" sz="1700" dirty="0">
                 <a:solidFill>
                   <a:srgbClr val="595959"/>
                 </a:solidFill>
@@ -4183,7 +4157,7 @@
               <a:t> </a:t>
             </a:r>
             <a:r>
-              <a:rPr lang="en-US" sz="1700" dirty="0" err="1" smtClean="0">
+              <a:rPr lang="en-US" sz="1700" dirty="0" err="1">
                 <a:solidFill>
                   <a:srgbClr val="595959"/>
                 </a:solidFill>
@@ -4193,7 +4167,7 @@
               <a:t>Df</a:t>
             </a:r>
             <a:r>
-              <a:rPr lang="en-US" sz="1700" dirty="0" smtClean="0">
+              <a:rPr lang="en-US" sz="1700" dirty="0">
                 <a:solidFill>
                   <a:srgbClr val="595959"/>
                 </a:solidFill>
@@ -4208,7 +4182,7 @@
               <a:buNone/>
             </a:pPr>
             <a:r>
-              <a:rPr lang="en-US" sz="1700" dirty="0" smtClean="0">
+              <a:rPr lang="en-US" sz="1700" dirty="0">
                 <a:solidFill>
                   <a:srgbClr val="595959"/>
                 </a:solidFill>
@@ -4223,7 +4197,7 @@
               <a:buNone/>
             </a:pPr>
             <a:r>
-              <a:rPr lang="en-US" sz="1700" dirty="0" smtClean="0">
+              <a:rPr lang="en-US" sz="1700" dirty="0">
                 <a:solidFill>
                   <a:srgbClr val="595959"/>
                 </a:solidFill>
@@ -4238,7 +4212,7 @@
               <a:buNone/>
             </a:pPr>
             <a:r>
-              <a:rPr lang="en-US" sz="1700" dirty="0" smtClean="0">
+              <a:rPr lang="en-US" sz="1700" dirty="0">
                 <a:solidFill>
                   <a:srgbClr val="595959"/>
                 </a:solidFill>
@@ -4253,7 +4227,7 @@
               <a:buNone/>
             </a:pPr>
             <a:r>
-              <a:rPr lang="en-US" sz="1700" dirty="0" err="1" smtClean="0">
+              <a:rPr lang="en-US" sz="1700" dirty="0" err="1">
                 <a:solidFill>
                   <a:srgbClr val="595959"/>
                 </a:solidFill>
@@ -4263,7 +4237,7 @@
               <a:t>Signif</a:t>
             </a:r>
             <a:r>
-              <a:rPr lang="en-US" sz="1700" dirty="0" smtClean="0">
+              <a:rPr lang="en-US" sz="1700" dirty="0">
                 <a:solidFill>
                   <a:srgbClr val="595959"/>
                 </a:solidFill>
@@ -4272,10 +4246,10 @@
               </a:rPr>
               <a:t>. codes:  0 ‘***’ 0.001 ‘**’ 0.01 ‘*’ 0.05 ‘.’ 0.1 ‘ ’ 1</a:t>
             </a:r>
-            <a:endParaRPr lang="en-US" sz="3600" dirty="0" smtClean="0"/>
-          </a:p>
-          <a:p>
-            <a:endParaRPr lang="en-US" sz="3600" dirty="0" smtClean="0"/>
+            <a:endParaRPr lang="en-US" sz="3600" dirty="0"/>
+          </a:p>
+          <a:p>
+            <a:endParaRPr lang="en-US" sz="3600" dirty="0"/>
           </a:p>
         </p:txBody>
       </p:sp>
@@ -4408,10 +4382,9 @@
           <a:lstStyle/>
           <a:p>
             <a:r>
-              <a:rPr lang="en-US" sz="2400" dirty="0" smtClean="0"/>
+              <a:rPr lang="en-US" sz="2400" dirty="0"/>
               <a:t>R commands</a:t>
             </a:r>
-            <a:endParaRPr lang="en-US" sz="2400" dirty="0"/>
           </a:p>
         </p:txBody>
       </p:sp>
@@ -4423,7 +4396,7 @@
         </p:nvGrpSpPr>
         <p:grpSpPr>
           <a:xfrm>
-            <a:off x="2906891" y="5263445"/>
+            <a:off x="2018862" y="5291403"/>
             <a:ext cx="5351448" cy="649111"/>
             <a:chOff x="3203222" y="5277556"/>
             <a:chExt cx="5351448" cy="649111"/>
@@ -4498,7 +4471,7 @@
             <a:lstStyle/>
             <a:p>
               <a:r>
-                <a:rPr lang="en-US" sz="2800" dirty="0" err="1" smtClean="0">
+                <a:rPr lang="en-US" sz="2800" dirty="0" err="1">
                   <a:solidFill>
                     <a:srgbClr val="B22222"/>
                   </a:solidFill>
@@ -4506,7 +4479,7 @@
                 <a:t>A</a:t>
               </a:r>
               <a:r>
-                <a:rPr lang="en-US" sz="2800" dirty="0" err="1" smtClean="0">
+                <a:rPr lang="en-US" sz="2800" dirty="0" err="1">
                   <a:solidFill>
                     <a:schemeClr val="accent6">
                       <a:lumMod val="75000"/>
@@ -4516,7 +4489,7 @@
                 <a:t>:Fail</a:t>
               </a:r>
               <a:r>
-                <a:rPr lang="en-US" sz="2800" dirty="0" smtClean="0">
+                <a:rPr lang="en-US" sz="2800" dirty="0">
                   <a:solidFill>
                     <a:schemeClr val="accent6">
                       <a:lumMod val="75000"/>
@@ -4526,7 +4499,7 @@
                 <a:t> to reject H</a:t>
               </a:r>
               <a:r>
-                <a:rPr lang="en-US" sz="2800" baseline="-25000" dirty="0" smtClean="0">
+                <a:rPr lang="en-US" sz="2800" baseline="-25000" dirty="0">
                   <a:solidFill>
                     <a:schemeClr val="accent6">
                       <a:lumMod val="75000"/>
@@ -4536,7 +4509,7 @@
                 <a:t>0</a:t>
               </a:r>
               <a:r>
-                <a:rPr lang="en-US" sz="2800" dirty="0" smtClean="0">
+                <a:rPr lang="en-US" sz="2800" dirty="0">
                   <a:solidFill>
                     <a:schemeClr val="accent6">
                       <a:lumMod val="75000"/>
@@ -4546,7 +4519,7 @@
                 <a:t> </a:t>
               </a:r>
               <a:r>
-                <a:rPr lang="en-US" sz="2800" dirty="0" err="1" smtClean="0">
+                <a:rPr lang="en-US" sz="2800" dirty="0" err="1">
                   <a:solidFill>
                     <a:schemeClr val="accent6">
                       <a:lumMod val="75000"/>
@@ -4557,7 +4530,7 @@
                 <a:t></a:t>
               </a:r>
               <a:r>
-                <a:rPr lang="en-US" sz="2800" dirty="0" err="1" smtClean="0">
+                <a:rPr lang="en-US" sz="2800" dirty="0" err="1">
                   <a:solidFill>
                     <a:schemeClr val="accent6">
                       <a:lumMod val="75000"/>
@@ -4567,7 +4540,7 @@
                 <a:t>No</a:t>
               </a:r>
               <a:r>
-                <a:rPr lang="en-US" sz="2800" dirty="0" smtClean="0">
+                <a:rPr lang="en-US" sz="2800" dirty="0">
                   <a:solidFill>
                     <a:schemeClr val="accent6">
                       <a:lumMod val="75000"/>
@@ -4576,13 +4549,6 @@
                 </a:rPr>
                 <a:t>!</a:t>
               </a:r>
-              <a:endParaRPr lang="en-US" sz="2800" dirty="0">
-                <a:solidFill>
-                  <a:schemeClr val="accent6">
-                    <a:lumMod val="75000"/>
-                  </a:schemeClr>
-                </a:solidFill>
-              </a:endParaRPr>
             </a:p>
           </p:txBody>
         </p:sp>
@@ -4610,18 +4576,17 @@
           <a:lstStyle/>
           <a:p>
             <a:r>
-              <a:rPr lang="en-US" sz="2400" dirty="0" smtClean="0"/>
+              <a:rPr lang="en-US" sz="2400" dirty="0"/>
               <a:t>H</a:t>
             </a:r>
             <a:r>
-              <a:rPr lang="en-US" sz="2400" baseline="-25000" dirty="0" smtClean="0"/>
+              <a:rPr lang="en-US" sz="2400" baseline="-25000" dirty="0"/>
               <a:t>0</a:t>
             </a:r>
             <a:r>
-              <a:rPr lang="en-US" sz="2400" dirty="0" smtClean="0"/>
+              <a:rPr lang="en-US" sz="2400" dirty="0"/>
               <a:t>: comps do not cause starts</a:t>
             </a:r>
-            <a:endParaRPr lang="en-US" sz="2400" dirty="0"/>
           </a:p>
         </p:txBody>
       </p:sp>
@@ -4709,7 +4674,7 @@
 </file>
 
 <file path=ppt/slides/slide11.xml><?xml version="1.0" encoding="utf-8"?>
-<p:sld xmlns:a="http://schemas.openxmlformats.org/drawingml/2006/main" xmlns:r="http://schemas.openxmlformats.org/officeDocument/2006/relationships" xmlns:mc="http://schemas.openxmlformats.org/markup-compatibility/2006" xmlns:mv="urn:schemas-microsoft-com:mac:vml" xmlns:p="http://schemas.openxmlformats.org/presentationml/2006/main" mc:Ignorable="mv" mc:PreserveAttributes="mv:*">
+<p:sld xmlns:a="http://schemas.openxmlformats.org/drawingml/2006/main" xmlns:r="http://schemas.openxmlformats.org/officeDocument/2006/relationships" xmlns:p="http://schemas.openxmlformats.org/presentationml/2006/main">
   <p:cSld>
     <p:spTree>
       <p:nvGrpSpPr>
@@ -4743,7 +4708,7 @@
           <a:lstStyle/>
           <a:p>
             <a:r>
-              <a:rPr lang="en-US" dirty="0" smtClean="0">
+              <a:rPr lang="en-US" dirty="0">
                 <a:solidFill>
                   <a:schemeClr val="tx2">
                     <a:lumMod val="60000"/>
@@ -4754,7 +4719,7 @@
               <a:t>VAR Example 1</a:t>
             </a:r>
             <a:br>
-              <a:rPr lang="en-US" dirty="0" smtClean="0">
+              <a:rPr lang="en-US" dirty="0">
                 <a:solidFill>
                   <a:schemeClr val="tx2">
                     <a:lumMod val="60000"/>
@@ -4764,7 +4729,7 @@
               </a:rPr>
             </a:br>
             <a:r>
-              <a:rPr lang="en-US" dirty="0" smtClean="0">
+              <a:rPr lang="en-US" dirty="0">
                 <a:solidFill>
                   <a:schemeClr val="tx2">
                     <a:lumMod val="60000"/>
@@ -4774,14 +4739,6 @@
               </a:rPr>
               <a:t>Housing Starts and Completions</a:t>
             </a:r>
-            <a:endParaRPr lang="en-US" dirty="0">
-              <a:solidFill>
-                <a:schemeClr val="tx2">
-                  <a:lumMod val="60000"/>
-                  <a:lumOff val="40000"/>
-                </a:schemeClr>
-              </a:solidFill>
-            </a:endParaRPr>
           </a:p>
         </p:txBody>
       </p:sp>
@@ -4811,7 +4768,7 @@
               <a:buNone/>
             </a:pPr>
             <a:r>
-              <a:rPr lang="en-US" sz="3000" dirty="0" smtClean="0">
+              <a:rPr lang="en-US" sz="3000" dirty="0">
                 <a:solidFill>
                   <a:schemeClr val="accent6">
                     <a:lumMod val="75000"/>
@@ -4823,7 +4780,7 @@
           </a:p>
           <a:p>
             <a:r>
-              <a:rPr lang="en-US" sz="2600" dirty="0" smtClean="0">
+              <a:rPr lang="en-US" sz="2600" dirty="0">
                 <a:solidFill>
                   <a:srgbClr val="B22222"/>
                 </a:solidFill>
@@ -4831,7 +4788,7 @@
               <a:t>Q</a:t>
             </a:r>
             <a:r>
-              <a:rPr lang="en-US" sz="2600" dirty="0" smtClean="0">
+              <a:rPr lang="en-US" sz="2600" dirty="0">
                 <a:solidFill>
                   <a:schemeClr val="tx1">
                     <a:lumMod val="65000"/>
@@ -4847,7 +4804,7 @@
               <a:buNone/>
             </a:pPr>
             <a:r>
-              <a:rPr lang="en-US" sz="1882" dirty="0" err="1" smtClean="0">
+              <a:rPr lang="en-US" sz="1882" dirty="0" err="1">
                 <a:solidFill>
                   <a:srgbClr val="0000FF"/>
                 </a:solidFill>
@@ -4857,7 +4814,7 @@
               <a:t>library(lmtest</a:t>
             </a:r>
             <a:r>
-              <a:rPr lang="en-US" sz="1882" dirty="0" smtClean="0">
+              <a:rPr lang="en-US" sz="1882" dirty="0">
                 <a:solidFill>
                   <a:srgbClr val="0000FF"/>
                 </a:solidFill>
@@ -4872,7 +4829,7 @@
               <a:buNone/>
             </a:pPr>
             <a:r>
-              <a:rPr lang="en-US" sz="1882" dirty="0" err="1" smtClean="0">
+              <a:rPr lang="en-US" sz="1882" dirty="0" err="1">
                 <a:solidFill>
                   <a:srgbClr val="0000FF"/>
                 </a:solidFill>
@@ -4882,7 +4839,7 @@
               <a:t>grangertest(comps~starts,order</a:t>
             </a:r>
             <a:r>
-              <a:rPr lang="en-US" sz="1882" dirty="0" smtClean="0">
+              <a:rPr lang="en-US" sz="1882" dirty="0">
                 <a:solidFill>
                   <a:srgbClr val="0000FF"/>
                 </a:solidFill>
@@ -4896,7 +4853,7 @@
             <a:pPr>
               <a:buNone/>
             </a:pPr>
-            <a:endParaRPr lang="en-US" sz="1700" dirty="0" smtClean="0">
+            <a:endParaRPr lang="en-US" sz="1700" dirty="0">
               <a:solidFill>
                 <a:srgbClr val="595959"/>
               </a:solidFill>
@@ -4909,7 +4866,7 @@
               <a:buNone/>
             </a:pPr>
             <a:r>
-              <a:rPr lang="en-US" sz="1700" dirty="0" smtClean="0">
+              <a:rPr lang="en-US" sz="1700" dirty="0">
                 <a:solidFill>
                   <a:srgbClr val="595959"/>
                 </a:solidFill>
@@ -4923,7 +4880,7 @@
             <a:pPr>
               <a:buNone/>
             </a:pPr>
-            <a:endParaRPr lang="en-US" sz="1700" dirty="0" smtClean="0">
+            <a:endParaRPr lang="en-US" sz="1700" dirty="0">
               <a:solidFill>
                 <a:srgbClr val="595959"/>
               </a:solidFill>
@@ -4936,7 +4893,7 @@
               <a:buNone/>
             </a:pPr>
             <a:r>
-              <a:rPr lang="en-US" sz="1700" dirty="0" smtClean="0">
+              <a:rPr lang="en-US" sz="1700" dirty="0">
                 <a:solidFill>
                   <a:srgbClr val="595959"/>
                 </a:solidFill>
@@ -4946,7 +4903,7 @@
               <a:t>Model 1: comps ~ </a:t>
             </a:r>
             <a:r>
-              <a:rPr lang="en-US" sz="1700" dirty="0" err="1" smtClean="0">
+              <a:rPr lang="en-US" sz="1700" dirty="0" err="1">
                 <a:solidFill>
                   <a:srgbClr val="595959"/>
                 </a:solidFill>
@@ -4956,7 +4913,7 @@
               <a:t>Lags(comps</a:t>
             </a:r>
             <a:r>
-              <a:rPr lang="en-US" sz="1700" dirty="0" smtClean="0">
+              <a:rPr lang="en-US" sz="1700" dirty="0">
                 <a:solidFill>
                   <a:srgbClr val="595959"/>
                 </a:solidFill>
@@ -4966,7 +4923,7 @@
               <a:t>, 1:4) + </a:t>
             </a:r>
             <a:r>
-              <a:rPr lang="en-US" sz="1700" dirty="0" err="1" smtClean="0">
+              <a:rPr lang="en-US" sz="1700" dirty="0" err="1">
                 <a:solidFill>
                   <a:srgbClr val="595959"/>
                 </a:solidFill>
@@ -4976,7 +4933,7 @@
               <a:t>Lags(starts</a:t>
             </a:r>
             <a:r>
-              <a:rPr lang="en-US" sz="1700" dirty="0" smtClean="0">
+              <a:rPr lang="en-US" sz="1700" dirty="0">
                 <a:solidFill>
                   <a:srgbClr val="595959"/>
                 </a:solidFill>
@@ -4991,7 +4948,7 @@
               <a:buNone/>
             </a:pPr>
             <a:r>
-              <a:rPr lang="en-US" sz="1700" dirty="0" smtClean="0">
+              <a:rPr lang="en-US" sz="1700" dirty="0">
                 <a:solidFill>
                   <a:srgbClr val="595959"/>
                 </a:solidFill>
@@ -5001,7 +4958,7 @@
               <a:t>Model 2: comps ~ </a:t>
             </a:r>
             <a:r>
-              <a:rPr lang="en-US" sz="1700" dirty="0" err="1" smtClean="0">
+              <a:rPr lang="en-US" sz="1700" dirty="0" err="1">
                 <a:solidFill>
                   <a:srgbClr val="595959"/>
                 </a:solidFill>
@@ -5011,7 +4968,7 @@
               <a:t>Lags(comps</a:t>
             </a:r>
             <a:r>
-              <a:rPr lang="en-US" sz="1700" dirty="0" smtClean="0">
+              <a:rPr lang="en-US" sz="1700" dirty="0">
                 <a:solidFill>
                   <a:srgbClr val="595959"/>
                 </a:solidFill>
@@ -5026,7 +4983,7 @@
               <a:buNone/>
             </a:pPr>
             <a:r>
-              <a:rPr lang="en-US" sz="1700" dirty="0" smtClean="0">
+              <a:rPr lang="en-US" sz="1700" dirty="0">
                 <a:solidFill>
                   <a:srgbClr val="595959"/>
                 </a:solidFill>
@@ -5036,7 +4993,7 @@
               <a:t>  </a:t>
             </a:r>
             <a:r>
-              <a:rPr lang="en-US" sz="1700" dirty="0" err="1" smtClean="0">
+              <a:rPr lang="en-US" sz="1700" dirty="0" err="1">
                 <a:solidFill>
                   <a:srgbClr val="595959"/>
                 </a:solidFill>
@@ -5046,7 +5003,7 @@
               <a:t>Res.Df</a:t>
             </a:r>
             <a:r>
-              <a:rPr lang="en-US" sz="1700" dirty="0" smtClean="0">
+              <a:rPr lang="en-US" sz="1700" dirty="0">
                 <a:solidFill>
                   <a:srgbClr val="595959"/>
                 </a:solidFill>
@@ -5056,7 +5013,7 @@
               <a:t> </a:t>
             </a:r>
             <a:r>
-              <a:rPr lang="en-US" sz="1700" dirty="0" err="1" smtClean="0">
+              <a:rPr lang="en-US" sz="1700" dirty="0" err="1">
                 <a:solidFill>
                   <a:srgbClr val="595959"/>
                 </a:solidFill>
@@ -5066,7 +5023,7 @@
               <a:t>Df</a:t>
             </a:r>
             <a:r>
-              <a:rPr lang="en-US" sz="1700" dirty="0" smtClean="0">
+              <a:rPr lang="en-US" sz="1700" dirty="0">
                 <a:solidFill>
                   <a:srgbClr val="595959"/>
                 </a:solidFill>
@@ -5081,7 +5038,7 @@
               <a:buNone/>
             </a:pPr>
             <a:r>
-              <a:rPr lang="en-US" sz="1700" dirty="0" smtClean="0">
+              <a:rPr lang="en-US" sz="1700" dirty="0">
                 <a:solidFill>
                   <a:srgbClr val="595959"/>
                 </a:solidFill>
@@ -5096,7 +5053,7 @@
               <a:buNone/>
             </a:pPr>
             <a:r>
-              <a:rPr lang="en-US" sz="1700" dirty="0" smtClean="0">
+              <a:rPr lang="en-US" sz="1700" dirty="0">
                 <a:solidFill>
                   <a:srgbClr val="595959"/>
                 </a:solidFill>
@@ -5111,7 +5068,7 @@
               <a:buNone/>
             </a:pPr>
             <a:r>
-              <a:rPr lang="en-US" sz="1700" dirty="0" smtClean="0">
+              <a:rPr lang="en-US" sz="1700" dirty="0">
                 <a:solidFill>
                   <a:srgbClr val="595959"/>
                 </a:solidFill>
@@ -5126,7 +5083,7 @@
               <a:buNone/>
             </a:pPr>
             <a:r>
-              <a:rPr lang="en-US" sz="1700" dirty="0" err="1" smtClean="0">
+              <a:rPr lang="en-US" sz="1700" dirty="0" err="1">
                 <a:solidFill>
                   <a:srgbClr val="595959"/>
                 </a:solidFill>
@@ -5136,7 +5093,7 @@
               <a:t>Signif</a:t>
             </a:r>
             <a:r>
-              <a:rPr lang="en-US" sz="1700" dirty="0" smtClean="0">
+              <a:rPr lang="en-US" sz="1700" dirty="0">
                 <a:solidFill>
                   <a:srgbClr val="595959"/>
                 </a:solidFill>
@@ -5150,10 +5107,10 @@
             <a:pPr>
               <a:buNone/>
             </a:pPr>
-            <a:endParaRPr lang="en-US" sz="3600" dirty="0" smtClean="0"/>
-          </a:p>
-          <a:p>
-            <a:endParaRPr lang="en-US" sz="3600" dirty="0" smtClean="0"/>
+            <a:endParaRPr lang="en-US" sz="3600" dirty="0"/>
+          </a:p>
+          <a:p>
+            <a:endParaRPr lang="en-US" sz="3600" dirty="0"/>
           </a:p>
         </p:txBody>
       </p:sp>
@@ -5286,10 +5243,9 @@
           <a:lstStyle/>
           <a:p>
             <a:r>
-              <a:rPr lang="en-US" sz="2400" dirty="0" smtClean="0"/>
+              <a:rPr lang="en-US" sz="2400" dirty="0"/>
               <a:t>R commands</a:t>
             </a:r>
-            <a:endParaRPr lang="en-US" sz="2400" dirty="0"/>
           </a:p>
         </p:txBody>
       </p:sp>
@@ -5376,7 +5332,7 @@
             <a:lstStyle/>
             <a:p>
               <a:r>
-                <a:rPr lang="en-US" sz="2800" dirty="0" smtClean="0">
+                <a:rPr lang="en-US" sz="2800" dirty="0">
                   <a:solidFill>
                     <a:srgbClr val="B22222"/>
                   </a:solidFill>
@@ -5384,7 +5340,7 @@
                 <a:t>A</a:t>
               </a:r>
               <a:r>
-                <a:rPr lang="en-US" sz="2800" dirty="0" smtClean="0">
+                <a:rPr lang="en-US" sz="2800" dirty="0">
                   <a:solidFill>
                     <a:schemeClr val="accent6">
                       <a:lumMod val="75000"/>
@@ -5394,7 +5350,7 @@
                 <a:t>: </a:t>
               </a:r>
               <a:r>
-                <a:rPr lang="en-US" sz="2800" dirty="0" smtClean="0">
+                <a:rPr lang="en-US" sz="2800" dirty="0">
                   <a:solidFill>
                     <a:schemeClr val="accent6">
                       <a:lumMod val="75000"/>
@@ -5405,7 +5361,7 @@
                 <a:t>Reject H</a:t>
               </a:r>
               <a:r>
-                <a:rPr lang="en-US" sz="2800" baseline="-25000" dirty="0" smtClean="0">
+                <a:rPr lang="en-US" sz="2800" baseline="-25000" dirty="0">
                   <a:solidFill>
                     <a:schemeClr val="accent6">
                       <a:lumMod val="75000"/>
@@ -5416,7 +5372,7 @@
                 <a:t>0</a:t>
               </a:r>
               <a:r>
-                <a:rPr lang="en-US" sz="2800" dirty="0" smtClean="0">
+                <a:rPr lang="en-US" sz="2800" dirty="0">
                   <a:solidFill>
                     <a:schemeClr val="accent6">
                       <a:lumMod val="75000"/>
@@ -5427,7 +5383,7 @@
                 <a:t></a:t>
               </a:r>
               <a:r>
-                <a:rPr lang="en-US" sz="2800" dirty="0" smtClean="0">
+                <a:rPr lang="en-US" sz="2800" dirty="0">
                   <a:solidFill>
                     <a:schemeClr val="accent6">
                       <a:lumMod val="75000"/>
@@ -5470,18 +5426,17 @@
           <a:lstStyle/>
           <a:p>
             <a:r>
-              <a:rPr lang="en-US" sz="2400" dirty="0" smtClean="0"/>
+              <a:rPr lang="en-US" sz="2400" dirty="0"/>
               <a:t>H</a:t>
             </a:r>
             <a:r>
-              <a:rPr lang="en-US" sz="2400" baseline="-25000" dirty="0" smtClean="0"/>
+              <a:rPr lang="en-US" sz="2400" baseline="-25000" dirty="0"/>
               <a:t>0</a:t>
             </a:r>
             <a:r>
-              <a:rPr lang="en-US" sz="2400" dirty="0" smtClean="0"/>
+              <a:rPr lang="en-US" sz="2400" dirty="0"/>
               <a:t>: starts do not cause comps</a:t>
             </a:r>
-            <a:endParaRPr lang="en-US" sz="2400" dirty="0"/>
           </a:p>
         </p:txBody>
       </p:sp>
@@ -5569,7 +5524,7 @@
 </file>
 
 <file path=ppt/slides/slide12.xml><?xml version="1.0" encoding="utf-8"?>
-<p:sld xmlns:a="http://schemas.openxmlformats.org/drawingml/2006/main" xmlns:r="http://schemas.openxmlformats.org/officeDocument/2006/relationships" xmlns:mc="http://schemas.openxmlformats.org/markup-compatibility/2006" xmlns:mv="urn:schemas-microsoft-com:mac:vml" xmlns:p="http://schemas.openxmlformats.org/presentationml/2006/main" mc:Ignorable="mv" mc:PreserveAttributes="mv:*">
+<p:sld xmlns:a="http://schemas.openxmlformats.org/drawingml/2006/main" xmlns:r="http://schemas.openxmlformats.org/officeDocument/2006/relationships" xmlns:p="http://schemas.openxmlformats.org/presentationml/2006/main">
   <p:cSld>
     <p:spTree>
       <p:nvGrpSpPr>
@@ -5603,7 +5558,7 @@
           <a:lstStyle/>
           <a:p>
             <a:r>
-              <a:rPr lang="en-US" dirty="0" smtClean="0">
+              <a:rPr lang="en-US" dirty="0">
                 <a:solidFill>
                   <a:schemeClr val="tx2">
                     <a:lumMod val="60000"/>
@@ -5614,7 +5569,7 @@
               <a:t>VAR Example 1</a:t>
             </a:r>
             <a:br>
-              <a:rPr lang="en-US" dirty="0" smtClean="0">
+              <a:rPr lang="en-US" dirty="0">
                 <a:solidFill>
                   <a:schemeClr val="tx2">
                     <a:lumMod val="60000"/>
@@ -5624,7 +5579,7 @@
               </a:rPr>
             </a:br>
             <a:r>
-              <a:rPr lang="en-US" dirty="0" smtClean="0">
+              <a:rPr lang="en-US" dirty="0">
                 <a:solidFill>
                   <a:schemeClr val="tx2">
                     <a:lumMod val="60000"/>
@@ -5648,8 +5603,8 @@
             <p:ph idx="1"/>
           </p:nvPr>
         </p:nvPicPr>
-        <mc:AlternateContent>
-          <mc:Choice xmlns:ma="http://schemas.microsoft.com/office/mac/drawingml/2008/main" Requires="ma">
+        <mc:AlternateContent xmlns:mc="http://schemas.openxmlformats.org/markup-compatibility/2006">
+          <mc:Choice xmlns:ma="http://schemas.microsoft.com/office/mac/drawingml/2008/main" xmlns:mv="urn:schemas-microsoft-com:mac:vml" xmlns="" Requires="ma">
             <p:blipFill>
               <a:blip r:embed="rId2"/>
               <a:srcRect l="4810" t="15464" r="8441" b="22404"/>
@@ -5698,7 +5653,7 @@
           <a:lstStyle/>
           <a:p>
             <a:r>
-              <a:rPr lang="en-US" sz="2400" dirty="0" smtClean="0">
+              <a:rPr lang="en-US" sz="2400" dirty="0">
                 <a:solidFill>
                   <a:schemeClr val="accent6">
                     <a:lumMod val="75000"/>
@@ -5707,13 +5662,6 @@
               </a:rPr>
               <a:t>Residuals</a:t>
             </a:r>
-            <a:endParaRPr lang="en-US" sz="2400" dirty="0">
-              <a:solidFill>
-                <a:schemeClr val="accent6">
-                  <a:lumMod val="75000"/>
-                </a:schemeClr>
-              </a:solidFill>
-            </a:endParaRPr>
           </a:p>
         </p:txBody>
       </p:sp>
@@ -5741,7 +5689,7 @@
           <a:p>
             <a:pPr algn="ctr"/>
             <a:r>
-              <a:rPr lang="en-US" sz="2400" dirty="0" smtClean="0">
+              <a:rPr lang="en-US" sz="2400" dirty="0">
                 <a:solidFill>
                   <a:schemeClr val="accent6">
                     <a:lumMod val="75000"/>
@@ -5754,7 +5702,7 @@
           <a:p>
             <a:pPr algn="ctr"/>
             <a:r>
-              <a:rPr lang="en-US" sz="2400" dirty="0" smtClean="0">
+              <a:rPr lang="en-US" sz="2400" dirty="0">
                 <a:solidFill>
                   <a:schemeClr val="accent6">
                     <a:lumMod val="75000"/>
@@ -5763,13 +5711,6 @@
               </a:rPr>
               <a:t>ACF</a:t>
             </a:r>
-            <a:endParaRPr lang="en-US" sz="2400" dirty="0">
-              <a:solidFill>
-                <a:schemeClr val="accent6">
-                  <a:lumMod val="75000"/>
-                </a:schemeClr>
-              </a:solidFill>
-            </a:endParaRPr>
           </a:p>
         </p:txBody>
       </p:sp>
@@ -5797,7 +5738,7 @@
           <a:p>
             <a:pPr algn="ctr"/>
             <a:r>
-              <a:rPr lang="en-US" sz="2400" dirty="0" smtClean="0">
+              <a:rPr lang="en-US" sz="2400" dirty="0">
                 <a:solidFill>
                   <a:schemeClr val="accent6">
                     <a:lumMod val="75000"/>
@@ -5810,7 +5751,7 @@
           <a:p>
             <a:pPr algn="ctr"/>
             <a:r>
-              <a:rPr lang="en-US" sz="2400" dirty="0" smtClean="0">
+              <a:rPr lang="en-US" sz="2400" dirty="0">
                 <a:solidFill>
                   <a:schemeClr val="accent6">
                     <a:lumMod val="75000"/>
@@ -5819,13 +5760,6 @@
               </a:rPr>
               <a:t>PACF</a:t>
             </a:r>
-            <a:endParaRPr lang="en-US" sz="2400" dirty="0">
-              <a:solidFill>
-                <a:schemeClr val="accent6">
-                  <a:lumMod val="75000"/>
-                </a:schemeClr>
-              </a:solidFill>
-            </a:endParaRPr>
           </a:p>
         </p:txBody>
       </p:sp>
@@ -5858,18 +5792,11 @@
   <p:clrMapOvr>
     <a:masterClrMapping/>
   </p:clrMapOvr>
-  <p:timing>
-    <p:tnLst>
-      <p:par>
-        <p:cTn id="1" dur="indefinite" restart="never" nodeType="tmRoot"/>
-      </p:par>
-    </p:tnLst>
-  </p:timing>
 </p:sld>
 </file>
 
 <file path=ppt/slides/slide13.xml><?xml version="1.0" encoding="utf-8"?>
-<p:sld xmlns:a="http://schemas.openxmlformats.org/drawingml/2006/main" xmlns:r="http://schemas.openxmlformats.org/officeDocument/2006/relationships" xmlns:mc="http://schemas.openxmlformats.org/markup-compatibility/2006" xmlns:mv="urn:schemas-microsoft-com:mac:vml" xmlns:p="http://schemas.openxmlformats.org/presentationml/2006/main" mc:Ignorable="mv" mc:PreserveAttributes="mv:*">
+<p:sld xmlns:a="http://schemas.openxmlformats.org/drawingml/2006/main" xmlns:r="http://schemas.openxmlformats.org/officeDocument/2006/relationships" xmlns:p="http://schemas.openxmlformats.org/presentationml/2006/main">
   <p:cSld>
     <p:spTree>
       <p:nvGrpSpPr>
@@ -5903,7 +5830,7 @@
           <a:lstStyle/>
           <a:p>
             <a:r>
-              <a:rPr lang="en-US" dirty="0" smtClean="0">
+              <a:rPr lang="en-US" dirty="0">
                 <a:solidFill>
                   <a:schemeClr val="tx2">
                     <a:lumMod val="60000"/>
@@ -5914,7 +5841,7 @@
               <a:t>VAR Example 1</a:t>
             </a:r>
             <a:br>
-              <a:rPr lang="en-US" dirty="0" smtClean="0">
+              <a:rPr lang="en-US" dirty="0">
                 <a:solidFill>
                   <a:schemeClr val="tx2">
                     <a:lumMod val="60000"/>
@@ -5924,7 +5851,7 @@
               </a:rPr>
             </a:br>
             <a:r>
-              <a:rPr lang="en-US" dirty="0" smtClean="0">
+              <a:rPr lang="en-US" dirty="0">
                 <a:solidFill>
                   <a:schemeClr val="tx2">
                     <a:lumMod val="60000"/>
@@ -5948,8 +5875,8 @@
             <p:ph idx="1"/>
           </p:nvPr>
         </p:nvPicPr>
-        <mc:AlternateContent>
-          <mc:Choice xmlns:ma="http://schemas.microsoft.com/office/mac/drawingml/2008/main" Requires="ma">
+        <mc:AlternateContent xmlns:mc="http://schemas.openxmlformats.org/markup-compatibility/2006">
+          <mc:Choice xmlns:ma="http://schemas.microsoft.com/office/mac/drawingml/2008/main" xmlns:mv="urn:schemas-microsoft-com:mac:vml" xmlns="" Requires="ma">
             <p:blipFill>
               <a:blip r:embed="rId2"/>
               <a:srcRect l="8441" t="15563" r="9249" b="26184"/>
@@ -5998,24 +5925,19 @@
           <a:lstStyle/>
           <a:p>
             <a:r>
-              <a:rPr lang="en-US" dirty="0" smtClean="0"/>
+              <a:rPr lang="en-US" dirty="0"/>
               <a:t>-Completions</a:t>
             </a:r>
           </a:p>
           <a:p>
             <a:r>
-              <a:rPr lang="en-US" dirty="0" smtClean="0">
+              <a:rPr lang="en-US" dirty="0">
                 <a:solidFill>
                   <a:srgbClr val="0000FF"/>
                 </a:solidFill>
               </a:rPr>
               <a:t>-Fit</a:t>
             </a:r>
-            <a:endParaRPr lang="en-US" dirty="0">
-              <a:solidFill>
-                <a:srgbClr val="0000FF"/>
-              </a:solidFill>
-            </a:endParaRPr>
           </a:p>
         </p:txBody>
       </p:sp>
@@ -6048,18 +5970,11 @@
   <p:clrMapOvr>
     <a:masterClrMapping/>
   </p:clrMapOvr>
-  <p:timing>
-    <p:tnLst>
-      <p:par>
-        <p:cTn id="1" dur="indefinite" restart="never" nodeType="tmRoot"/>
-      </p:par>
-    </p:tnLst>
-  </p:timing>
 </p:sld>
 </file>
 
 <file path=ppt/slides/slide14.xml><?xml version="1.0" encoding="utf-8"?>
-<p:sld xmlns:a="http://schemas.openxmlformats.org/drawingml/2006/main" xmlns:r="http://schemas.openxmlformats.org/officeDocument/2006/relationships" xmlns:mc="http://schemas.openxmlformats.org/markup-compatibility/2006" xmlns:mv="urn:schemas-microsoft-com:mac:vml" xmlns:p="http://schemas.openxmlformats.org/presentationml/2006/main" mc:Ignorable="mv" mc:PreserveAttributes="mv:*">
+<p:sld xmlns:a="http://schemas.openxmlformats.org/drawingml/2006/main" xmlns:r="http://schemas.openxmlformats.org/officeDocument/2006/relationships" xmlns:p="http://schemas.openxmlformats.org/presentationml/2006/main">
   <p:cSld>
     <p:spTree>
       <p:nvGrpSpPr>
@@ -6093,7 +6008,7 @@
           <a:lstStyle/>
           <a:p>
             <a:r>
-              <a:rPr lang="en-US" dirty="0" smtClean="0">
+              <a:rPr lang="en-US" dirty="0">
                 <a:solidFill>
                   <a:schemeClr val="tx2">
                     <a:lumMod val="60000"/>
@@ -6104,7 +6019,7 @@
               <a:t>VAR Example 1</a:t>
             </a:r>
             <a:br>
-              <a:rPr lang="en-US" dirty="0" smtClean="0">
+              <a:rPr lang="en-US" dirty="0">
                 <a:solidFill>
                   <a:schemeClr val="tx2">
                     <a:lumMod val="60000"/>
@@ -6114,7 +6029,7 @@
               </a:rPr>
             </a:br>
             <a:r>
-              <a:rPr lang="en-US" dirty="0" smtClean="0">
+              <a:rPr lang="en-US" dirty="0">
                 <a:solidFill>
                   <a:schemeClr val="tx2">
                     <a:lumMod val="60000"/>
@@ -6138,8 +6053,8 @@
             <p:ph idx="1"/>
           </p:nvPr>
         </p:nvPicPr>
-        <mc:AlternateContent>
-          <mc:Choice xmlns:ma="http://schemas.microsoft.com/office/mac/drawingml/2008/main" Requires="ma">
+        <mc:AlternateContent xmlns:mc="http://schemas.openxmlformats.org/markup-compatibility/2006">
+          <mc:Choice xmlns:ma="http://schemas.microsoft.com/office/mac/drawingml/2008/main" xmlns:mv="urn:schemas-microsoft-com:mac:vml" xmlns="" Requires="ma">
             <p:blipFill>
               <a:blip r:embed="rId2"/>
               <a:srcRect l="8038" t="16088" r="10862" b="24674"/>
@@ -6194,18 +6109,11 @@
   <p:clrMapOvr>
     <a:masterClrMapping/>
   </p:clrMapOvr>
-  <p:timing>
-    <p:tnLst>
-      <p:par>
-        <p:cTn id="1" dur="indefinite" restart="never" nodeType="tmRoot"/>
-      </p:par>
-    </p:tnLst>
-  </p:timing>
 </p:sld>
 </file>
 
 <file path=ppt/slides/slide15.xml><?xml version="1.0" encoding="utf-8"?>
-<p:sld xmlns:a="http://schemas.openxmlformats.org/drawingml/2006/main" xmlns:r="http://schemas.openxmlformats.org/officeDocument/2006/relationships" xmlns:mc="http://schemas.openxmlformats.org/markup-compatibility/2006" xmlns:mv="urn:schemas-microsoft-com:mac:vml" xmlns:p="http://schemas.openxmlformats.org/presentationml/2006/main" mc:Ignorable="mv" mc:PreserveAttributes="mv:*">
+<p:sld xmlns:a="http://schemas.openxmlformats.org/drawingml/2006/main" xmlns:r="http://schemas.openxmlformats.org/officeDocument/2006/relationships" xmlns:p="http://schemas.openxmlformats.org/presentationml/2006/main">
   <p:cSld>
     <p:spTree>
       <p:nvGrpSpPr>
@@ -6239,7 +6147,7 @@
           <a:lstStyle/>
           <a:p>
             <a:r>
-              <a:rPr lang="en-US" dirty="0" smtClean="0">
+              <a:rPr lang="en-US" dirty="0">
                 <a:solidFill>
                   <a:schemeClr val="tx2">
                     <a:lumMod val="60000"/>
@@ -6250,7 +6158,7 @@
               <a:t>VAR Example 1 (</a:t>
             </a:r>
             <a:r>
-              <a:rPr lang="en-US" dirty="0" smtClean="0">
+              <a:rPr lang="en-US" dirty="0">
                 <a:solidFill>
                   <a:schemeClr val="accent6">
                     <a:lumMod val="75000"/>
@@ -6260,7 +6168,7 @@
               <a:t>IRF</a:t>
             </a:r>
             <a:r>
-              <a:rPr lang="en-US" dirty="0" smtClean="0">
+              <a:rPr lang="en-US" dirty="0">
                 <a:solidFill>
                   <a:schemeClr val="tx2">
                     <a:lumMod val="60000"/>
@@ -6271,7 +6179,7 @@
               <a:t>)</a:t>
             </a:r>
             <a:br>
-              <a:rPr lang="en-US" dirty="0" smtClean="0">
+              <a:rPr lang="en-US" dirty="0">
                 <a:solidFill>
                   <a:schemeClr val="tx2">
                     <a:lumMod val="60000"/>
@@ -6281,7 +6189,7 @@
               </a:rPr>
             </a:br>
             <a:r>
-              <a:rPr lang="en-US" dirty="0" smtClean="0">
+              <a:rPr lang="en-US" dirty="0">
                 <a:solidFill>
                   <a:schemeClr val="tx2">
                     <a:lumMod val="60000"/>
@@ -6343,7 +6251,7 @@
           <a:p>
             <a:pPr algn="ctr"/>
             <a:r>
-              <a:rPr lang="en-US" sz="2000" dirty="0" smtClean="0">
+              <a:rPr lang="en-US" sz="2000" dirty="0">
                 <a:solidFill>
                   <a:srgbClr val="6A5ACD"/>
                 </a:solidFill>
@@ -6353,7 +6261,7 @@
           </a:p>
           <a:p>
             <a:r>
-              <a:rPr lang="en-US" sz="2000" dirty="0" smtClean="0">
+              <a:rPr lang="en-US" sz="2000" dirty="0">
                 <a:solidFill>
                   <a:schemeClr val="tx1">
                     <a:lumMod val="65000"/>
@@ -6366,7 +6274,7 @@
           </a:p>
           <a:p>
             <a:r>
-              <a:rPr lang="en-US" sz="2000" dirty="0" smtClean="0">
+              <a:rPr lang="en-US" sz="2000" dirty="0">
                 <a:solidFill>
                   <a:schemeClr val="tx1">
                     <a:lumMod val="65000"/>
@@ -6376,14 +6284,6 @@
               </a:rPr>
               <a:t>Initially a large effect but then decays slowly. </a:t>
             </a:r>
-            <a:endParaRPr lang="en-US" sz="2000" dirty="0">
-              <a:solidFill>
-                <a:schemeClr val="tx1">
-                  <a:lumMod val="65000"/>
-                  <a:lumOff val="35000"/>
-                </a:schemeClr>
-              </a:solidFill>
-            </a:endParaRPr>
           </a:p>
         </p:txBody>
       </p:sp>
@@ -6411,7 +6311,7 @@
           <a:p>
             <a:pPr algn="ctr"/>
             <a:r>
-              <a:rPr lang="en-US" sz="2000" dirty="0" smtClean="0">
+              <a:rPr lang="en-US" sz="2000" dirty="0">
                 <a:solidFill>
                   <a:schemeClr val="accent6">
                     <a:lumMod val="75000"/>
@@ -6423,7 +6323,7 @@
           </a:p>
           <a:p>
             <a:r>
-              <a:rPr lang="en-US" sz="2000" dirty="0" smtClean="0">
+              <a:rPr lang="en-US" sz="2000" dirty="0">
                 <a:solidFill>
                   <a:schemeClr val="tx1">
                     <a:lumMod val="65000"/>
@@ -6436,7 +6336,7 @@
           </a:p>
           <a:p>
             <a:r>
-              <a:rPr lang="en-US" sz="2000" dirty="0" smtClean="0">
+              <a:rPr lang="en-US" sz="2000" dirty="0">
                 <a:solidFill>
                   <a:schemeClr val="tx1">
                     <a:lumMod val="65000"/>
@@ -6449,7 +6349,7 @@
           </a:p>
           <a:p>
             <a:r>
-              <a:rPr lang="en-US" sz="2000" dirty="0" smtClean="0">
+              <a:rPr lang="en-US" sz="2000" dirty="0">
                 <a:solidFill>
                   <a:schemeClr val="tx1">
                     <a:lumMod val="65000"/>
@@ -6459,14 +6359,6 @@
               </a:rPr>
               <a:t>builds up, peaking around 14 months. </a:t>
             </a:r>
-            <a:endParaRPr lang="en-US" sz="2000" dirty="0">
-              <a:solidFill>
-                <a:schemeClr val="tx1">
-                  <a:lumMod val="65000"/>
-                  <a:lumOff val="35000"/>
-                </a:schemeClr>
-              </a:solidFill>
-            </a:endParaRPr>
           </a:p>
         </p:txBody>
       </p:sp>
@@ -6615,10 +6507,9 @@
           <a:lstStyle/>
           <a:p>
             <a:r>
-              <a:rPr lang="en-US" dirty="0" smtClean="0"/>
+              <a:rPr lang="en-US" dirty="0"/>
               <a:t>Effect of starts on comps</a:t>
             </a:r>
-            <a:endParaRPr lang="en-US" dirty="0"/>
           </a:p>
         </p:txBody>
       </p:sp>
@@ -6645,10 +6536,9 @@
           <a:lstStyle/>
           <a:p>
             <a:r>
-              <a:rPr lang="en-US" dirty="0" smtClean="0"/>
+              <a:rPr lang="en-US" dirty="0"/>
               <a:t>Effect of starts on starts</a:t>
             </a:r>
-            <a:endParaRPr lang="en-US" dirty="0"/>
           </a:p>
         </p:txBody>
       </p:sp>
@@ -6681,18 +6571,11 @@
   <p:clrMapOvr>
     <a:masterClrMapping/>
   </p:clrMapOvr>
-  <p:timing>
-    <p:tnLst>
-      <p:par>
-        <p:cTn id="1" dur="indefinite" restart="never" nodeType="tmRoot"/>
-      </p:par>
-    </p:tnLst>
-  </p:timing>
 </p:sld>
 </file>
 
 <file path=ppt/slides/slide16.xml><?xml version="1.0" encoding="utf-8"?>
-<p:sld xmlns:a="http://schemas.openxmlformats.org/drawingml/2006/main" xmlns:r="http://schemas.openxmlformats.org/officeDocument/2006/relationships" xmlns:mc="http://schemas.openxmlformats.org/markup-compatibility/2006" xmlns:mv="urn:schemas-microsoft-com:mac:vml" xmlns:p="http://schemas.openxmlformats.org/presentationml/2006/main" mc:Ignorable="mv" mc:PreserveAttributes="mv:*">
+<p:sld xmlns:a="http://schemas.openxmlformats.org/drawingml/2006/main" xmlns:r="http://schemas.openxmlformats.org/officeDocument/2006/relationships" xmlns:p="http://schemas.openxmlformats.org/presentationml/2006/main">
   <p:cSld>
     <p:spTree>
       <p:nvGrpSpPr>
@@ -6726,7 +6609,7 @@
           <a:lstStyle/>
           <a:p>
             <a:r>
-              <a:rPr lang="en-US" dirty="0" smtClean="0">
+              <a:rPr lang="en-US" dirty="0">
                 <a:solidFill>
                   <a:schemeClr val="tx2">
                     <a:lumMod val="60000"/>
@@ -6737,7 +6620,7 @@
               <a:t>VAR Example 1 (</a:t>
             </a:r>
             <a:r>
-              <a:rPr lang="en-US" dirty="0" smtClean="0">
+              <a:rPr lang="en-US" dirty="0">
                 <a:solidFill>
                   <a:schemeClr val="accent6">
                     <a:lumMod val="75000"/>
@@ -6747,7 +6630,7 @@
               <a:t>IRF</a:t>
             </a:r>
             <a:r>
-              <a:rPr lang="en-US" dirty="0" smtClean="0">
+              <a:rPr lang="en-US" dirty="0">
                 <a:solidFill>
                   <a:schemeClr val="tx2">
                     <a:lumMod val="60000"/>
@@ -6758,7 +6641,7 @@
               <a:t>)</a:t>
             </a:r>
             <a:br>
-              <a:rPr lang="en-US" dirty="0" smtClean="0">
+              <a:rPr lang="en-US" dirty="0">
                 <a:solidFill>
                   <a:schemeClr val="tx2">
                     <a:lumMod val="60000"/>
@@ -6768,7 +6651,7 @@
               </a:rPr>
             </a:br>
             <a:r>
-              <a:rPr lang="en-US" dirty="0" smtClean="0">
+              <a:rPr lang="en-US" dirty="0">
                 <a:solidFill>
                   <a:schemeClr val="tx2">
                     <a:lumMod val="60000"/>
@@ -6830,7 +6713,7 @@
           <a:p>
             <a:pPr algn="ctr"/>
             <a:r>
-              <a:rPr lang="en-US" sz="2000" dirty="0" smtClean="0">
+              <a:rPr lang="en-US" sz="2000" dirty="0">
                 <a:solidFill>
                   <a:srgbClr val="6A5ACD"/>
                 </a:solidFill>
@@ -6840,7 +6723,7 @@
           </a:p>
           <a:p>
             <a:r>
-              <a:rPr lang="en-US" sz="2000" dirty="0" smtClean="0">
+              <a:rPr lang="en-US" sz="2000" dirty="0">
                 <a:solidFill>
                   <a:schemeClr val="tx1">
                     <a:lumMod val="65000"/>
@@ -6853,7 +6736,7 @@
           </a:p>
           <a:p>
             <a:r>
-              <a:rPr lang="en-US" sz="2000" dirty="0" smtClean="0">
+              <a:rPr lang="en-US" sz="2000" dirty="0">
                 <a:solidFill>
                   <a:schemeClr val="tx1">
                     <a:lumMod val="65000"/>
@@ -6863,14 +6746,6 @@
               </a:rPr>
               <a:t>Initially a large effect but then decays slowly. </a:t>
             </a:r>
-            <a:endParaRPr lang="en-US" sz="2000" dirty="0">
-              <a:solidFill>
-                <a:schemeClr val="tx1">
-                  <a:lumMod val="65000"/>
-                  <a:lumOff val="35000"/>
-                </a:schemeClr>
-              </a:solidFill>
-            </a:endParaRPr>
           </a:p>
         </p:txBody>
       </p:sp>
@@ -6898,7 +6773,7 @@
           <a:p>
             <a:pPr algn="ctr"/>
             <a:r>
-              <a:rPr lang="en-US" sz="2000" dirty="0" smtClean="0">
+              <a:rPr lang="en-US" sz="2000" dirty="0">
                 <a:solidFill>
                   <a:schemeClr val="accent6">
                     <a:lumMod val="75000"/>
@@ -6910,7 +6785,7 @@
           </a:p>
           <a:p>
             <a:r>
-              <a:rPr lang="en-US" sz="2000" dirty="0" smtClean="0">
+              <a:rPr lang="en-US" sz="2000" dirty="0">
                 <a:solidFill>
                   <a:schemeClr val="tx1">
                     <a:lumMod val="65000"/>
@@ -6923,7 +6798,7 @@
           </a:p>
           <a:p>
             <a:r>
-              <a:rPr lang="en-US" sz="2000" dirty="0" smtClean="0">
+              <a:rPr lang="en-US" sz="2000" dirty="0">
                 <a:solidFill>
                   <a:schemeClr val="tx1">
                     <a:lumMod val="65000"/>
@@ -6933,14 +6808,6 @@
               </a:rPr>
               <a:t>Initially produces little movement in starts at all times.</a:t>
             </a:r>
-            <a:endParaRPr lang="en-US" sz="2000" dirty="0">
-              <a:solidFill>
-                <a:schemeClr val="tx1">
-                  <a:lumMod val="65000"/>
-                  <a:lumOff val="35000"/>
-                </a:schemeClr>
-              </a:solidFill>
-            </a:endParaRPr>
           </a:p>
         </p:txBody>
       </p:sp>
@@ -6967,10 +6834,9 @@
           <a:lstStyle/>
           <a:p>
             <a:r>
-              <a:rPr lang="en-US" dirty="0" smtClean="0"/>
+              <a:rPr lang="en-US" dirty="0"/>
               <a:t>Effect of comps on comps</a:t>
             </a:r>
-            <a:endParaRPr lang="en-US" dirty="0"/>
           </a:p>
         </p:txBody>
       </p:sp>
@@ -6997,10 +6863,9 @@
           <a:lstStyle/>
           <a:p>
             <a:r>
-              <a:rPr lang="en-US" dirty="0" smtClean="0"/>
+              <a:rPr lang="en-US" dirty="0"/>
               <a:t>Effect of comps on starts</a:t>
             </a:r>
-            <a:endParaRPr lang="en-US" dirty="0"/>
           </a:p>
         </p:txBody>
       </p:sp>
@@ -7109,18 +6974,11 @@
   <p:clrMapOvr>
     <a:masterClrMapping/>
   </p:clrMapOvr>
-  <p:timing>
-    <p:tnLst>
-      <p:par>
-        <p:cTn id="1" dur="indefinite" restart="never" nodeType="tmRoot"/>
-      </p:par>
-    </p:tnLst>
-  </p:timing>
 </p:sld>
 </file>
 
 <file path=ppt/slides/slide17.xml><?xml version="1.0" encoding="utf-8"?>
-<p:sld xmlns:a="http://schemas.openxmlformats.org/drawingml/2006/main" xmlns:r="http://schemas.openxmlformats.org/officeDocument/2006/relationships" xmlns:mc="http://schemas.openxmlformats.org/markup-compatibility/2006" xmlns:mv="urn:schemas-microsoft-com:mac:vml" xmlns:p="http://schemas.openxmlformats.org/presentationml/2006/main" mc:Ignorable="mv" mc:PreserveAttributes="mv:*">
+<p:sld xmlns:a="http://schemas.openxmlformats.org/drawingml/2006/main" xmlns:r="http://schemas.openxmlformats.org/officeDocument/2006/relationships" xmlns:p="http://schemas.openxmlformats.org/presentationml/2006/main">
   <p:cSld>
     <p:spTree>
       <p:nvGrpSpPr>
@@ -7154,7 +7012,7 @@
           <a:lstStyle/>
           <a:p>
             <a:r>
-              <a:rPr lang="en-US" dirty="0" smtClean="0">
+              <a:rPr lang="en-US" dirty="0">
                 <a:solidFill>
                   <a:schemeClr val="tx2">
                     <a:lumMod val="60000"/>
@@ -7162,10 +7020,10 @@
                   </a:schemeClr>
                 </a:solidFill>
               </a:rPr>
-              <a:t>VAR Example</a:t>
-            </a:r>
-            <a:r>
-              <a:rPr lang="en-US" dirty="0" smtClean="0">
+              <a:t>VAR Example 2</a:t>
+            </a:r>
+            <a:br>
+              <a:rPr lang="en-US" dirty="0">
                 <a:solidFill>
                   <a:schemeClr val="tx2">
                     <a:lumMod val="60000"/>
@@ -7173,10 +7031,9 @@
                   </a:schemeClr>
                 </a:solidFill>
               </a:rPr>
-              <a:t> 2</a:t>
-            </a:r>
-            <a:br>
-              <a:rPr lang="en-US" dirty="0" smtClean="0">
+            </a:br>
+            <a:r>
+              <a:rPr lang="en-US" dirty="0">
                 <a:solidFill>
                   <a:schemeClr val="tx2">
                     <a:lumMod val="60000"/>
@@ -7184,28 +7041,7 @@
                   </a:schemeClr>
                 </a:solidFill>
               </a:rPr>
-            </a:br>
-            <a:r>
-              <a:rPr lang="en-US" dirty="0" smtClean="0">
-                <a:solidFill>
-                  <a:schemeClr val="tx2">
-                    <a:lumMod val="60000"/>
-                    <a:lumOff val="40000"/>
-                  </a:schemeClr>
-                </a:solidFill>
-              </a:rPr>
-              <a:t>House Price </a:t>
-            </a:r>
-            <a:r>
-              <a:rPr lang="en-US" dirty="0" smtClean="0">
-                <a:solidFill>
-                  <a:schemeClr val="tx2">
-                    <a:lumMod val="60000"/>
-                    <a:lumOff val="40000"/>
-                  </a:schemeClr>
-                </a:solidFill>
-              </a:rPr>
-              <a:t>Growth in LA &amp; Riverside</a:t>
+              <a:t>House Price Growth in LA &amp; Riverside</a:t>
             </a:r>
             <a:endParaRPr lang="en-US" sz="1556" dirty="0"/>
           </a:p>
@@ -7302,7 +7138,7 @@
           <a:p>
             <a:pPr algn="ctr"/>
             <a:r>
-              <a:rPr lang="en-US" sz="2600" dirty="0" smtClean="0">
+              <a:rPr lang="en-US" sz="2600" dirty="0">
                 <a:solidFill>
                   <a:schemeClr val="tx1">
                     <a:lumMod val="65000"/>
@@ -7316,7 +7152,7 @@
           <a:p>
             <a:pPr algn="ctr"/>
             <a:r>
-              <a:rPr lang="en-US" sz="2600" dirty="0" smtClean="0">
+              <a:rPr lang="en-US" sz="2600" dirty="0">
                 <a:solidFill>
                   <a:schemeClr val="tx1">
                     <a:lumMod val="65000"/>
@@ -7324,27 +7160,8 @@
                   </a:schemeClr>
                 </a:solidFill>
               </a:rPr>
-              <a:t>d</a:t>
-            </a:r>
-            <a:r>
-              <a:rPr lang="en-US" sz="2600" dirty="0" smtClean="0">
-                <a:solidFill>
-                  <a:schemeClr val="tx1">
-                    <a:lumMod val="65000"/>
-                    <a:lumOff val="35000"/>
-                  </a:schemeClr>
-                </a:solidFill>
-              </a:rPr>
-              <a:t>oes LA depend on Riverside?</a:t>
-            </a:r>
-            <a:endParaRPr lang="en-US" sz="2600" dirty="0">
-              <a:solidFill>
-                <a:schemeClr val="tx1">
-                  <a:lumMod val="65000"/>
-                  <a:lumOff val="35000"/>
-                </a:schemeClr>
-              </a:solidFill>
-            </a:endParaRPr>
+              <a:t>does LA depend on Riverside?</a:t>
+            </a:r>
           </a:p>
         </p:txBody>
       </p:sp>
@@ -7371,10 +7188,9 @@
           <a:lstStyle/>
           <a:p>
             <a:r>
-              <a:rPr lang="en-US" sz="2400" dirty="0" smtClean="0"/>
+              <a:rPr lang="en-US" sz="2400" dirty="0"/>
               <a:t>They move together</a:t>
             </a:r>
-            <a:endParaRPr lang="en-US" sz="2400" dirty="0"/>
           </a:p>
         </p:txBody>
       </p:sp>
@@ -7418,18 +7234,11 @@
   <p:clrMapOvr>
     <a:masterClrMapping/>
   </p:clrMapOvr>
-  <p:timing>
-    <p:tnLst>
-      <p:par>
-        <p:cTn id="1" dur="indefinite" restart="never" nodeType="tmRoot"/>
-      </p:par>
-    </p:tnLst>
-  </p:timing>
 </p:sld>
 </file>
 
 <file path=ppt/slides/slide18.xml><?xml version="1.0" encoding="utf-8"?>
-<p:sld xmlns:a="http://schemas.openxmlformats.org/drawingml/2006/main" xmlns:r="http://schemas.openxmlformats.org/officeDocument/2006/relationships" xmlns:mc="http://schemas.openxmlformats.org/markup-compatibility/2006" xmlns:mv="urn:schemas-microsoft-com:mac:vml" xmlns:p="http://schemas.openxmlformats.org/presentationml/2006/main" mc:Ignorable="mv" mc:PreserveAttributes="mv:*">
+<p:sld xmlns:a="http://schemas.openxmlformats.org/drawingml/2006/main" xmlns:r="http://schemas.openxmlformats.org/officeDocument/2006/relationships" xmlns:p="http://schemas.openxmlformats.org/presentationml/2006/main">
   <p:cSld>
     <p:spTree>
       <p:nvGrpSpPr>
@@ -7463,7 +7272,7 @@
           <a:lstStyle/>
           <a:p>
             <a:r>
-              <a:rPr lang="en-US" dirty="0" smtClean="0">
+              <a:rPr lang="en-US" dirty="0">
                 <a:solidFill>
                   <a:schemeClr val="tx2">
                     <a:lumMod val="60000"/>
@@ -7474,7 +7283,7 @@
               <a:t>VAR Example 2</a:t>
             </a:r>
             <a:br>
-              <a:rPr lang="en-US" dirty="0" smtClean="0">
+              <a:rPr lang="en-US" dirty="0">
                 <a:solidFill>
                   <a:schemeClr val="tx2">
                     <a:lumMod val="60000"/>
@@ -7484,7 +7293,7 @@
               </a:rPr>
             </a:br>
             <a:r>
-              <a:rPr lang="en-US" dirty="0" smtClean="0">
+              <a:rPr lang="en-US" dirty="0">
                 <a:solidFill>
                   <a:schemeClr val="tx2">
                     <a:lumMod val="60000"/>
@@ -7516,7 +7325,7 @@
           <a:lstStyle/>
           <a:p>
             <a:r>
-              <a:rPr lang="en-US" dirty="0" smtClean="0">
+              <a:rPr lang="en-US" dirty="0">
                 <a:solidFill>
                   <a:schemeClr val="tx1">
                     <a:lumMod val="65000"/>
@@ -7528,7 +7337,7 @@
             </a:r>
           </a:p>
           <a:p>
-            <a:endParaRPr lang="en-US" dirty="0" smtClean="0">
+            <a:endParaRPr lang="en-US" dirty="0">
               <a:solidFill>
                 <a:schemeClr val="tx1">
                   <a:lumMod val="65000"/>
@@ -7542,7 +7351,7 @@
               <a:buNone/>
             </a:pPr>
             <a:r>
-              <a:rPr lang="en-US" dirty="0" smtClean="0">
+              <a:rPr lang="en-US" dirty="0">
                 <a:solidFill>
                   <a:schemeClr val="tx1">
                     <a:lumMod val="65000"/>
@@ -7557,7 +7366,7 @@
             <a:pPr algn="ctr">
               <a:buNone/>
             </a:pPr>
-            <a:endParaRPr lang="en-US" dirty="0" smtClean="0">
+            <a:endParaRPr lang="en-US" dirty="0">
               <a:solidFill>
                 <a:schemeClr val="tx1">
                   <a:lumMod val="65000"/>
@@ -7571,7 +7380,7 @@
               <a:buNone/>
             </a:pPr>
             <a:r>
-              <a:rPr lang="en-US" dirty="0" smtClean="0">
+              <a:rPr lang="en-US" dirty="0">
                 <a:solidFill>
                   <a:schemeClr val="tx1">
                     <a:lumMod val="65000"/>
@@ -7580,26 +7389,14 @@
                 </a:solidFill>
                 <a:sym typeface="Wingdings"/>
               </a:rPr>
-              <a:t>I</a:t>
-            </a:r>
-            <a:r>
-              <a:rPr lang="en-US" dirty="0" smtClean="0">
-                <a:solidFill>
-                  <a:schemeClr val="tx1">
-                    <a:lumMod val="65000"/>
-                    <a:lumOff val="35000"/>
-                  </a:schemeClr>
-                </a:solidFill>
-                <a:sym typeface="Wingdings"/>
-              </a:rPr>
-              <a:t>ncrease in demand for housing in LA</a:t>
+              <a:t>Increase in demand for housing in LA</a:t>
             </a:r>
           </a:p>
           <a:p>
             <a:pPr algn="ctr">
               <a:buNone/>
             </a:pPr>
-            <a:endParaRPr lang="en-US" dirty="0" smtClean="0">
+            <a:endParaRPr lang="en-US" dirty="0">
               <a:solidFill>
                 <a:schemeClr val="tx1">
                   <a:lumMod val="65000"/>
@@ -7614,7 +7411,7 @@
               <a:buNone/>
             </a:pPr>
             <a:r>
-              <a:rPr lang="en-US" dirty="0" smtClean="0">
+              <a:rPr lang="en-US" dirty="0">
                 <a:solidFill>
                   <a:schemeClr val="tx1">
                     <a:lumMod val="65000"/>
@@ -7630,7 +7427,7 @@
             <a:pPr algn="ctr">
               <a:buNone/>
             </a:pPr>
-            <a:endParaRPr lang="en-US" dirty="0" smtClean="0">
+            <a:endParaRPr lang="en-US" dirty="0">
               <a:solidFill>
                 <a:schemeClr val="tx1">
                   <a:lumMod val="65000"/>
@@ -7645,7 +7442,7 @@
               <a:buNone/>
             </a:pPr>
             <a:r>
-              <a:rPr lang="en-US" dirty="0" smtClean="0">
+              <a:rPr lang="en-US" dirty="0">
                 <a:solidFill>
                   <a:schemeClr val="tx1">
                     <a:lumMod val="65000"/>
@@ -7654,19 +7451,7 @@
                 </a:solidFill>
                 <a:sym typeface="Wingdings"/>
               </a:rPr>
-              <a:t>D</a:t>
-            </a:r>
-            <a:r>
-              <a:rPr lang="en-US" dirty="0" smtClean="0">
-                <a:solidFill>
-                  <a:schemeClr val="tx1">
-                    <a:lumMod val="65000"/>
-                    <a:lumOff val="35000"/>
-                  </a:schemeClr>
-                </a:solidFill>
-                <a:sym typeface="Wingdings"/>
-              </a:rPr>
-              <a:t>emand for houses in Riverside go up</a:t>
+              <a:t>Demand for houses in Riverside go up</a:t>
             </a:r>
             <a:endParaRPr lang="en-US" dirty="0">
               <a:solidFill>
@@ -7846,7 +7631,7 @@
           <a:lstStyle/>
           <a:p>
             <a:r>
-              <a:rPr lang="en-US" sz="2200" dirty="0" smtClean="0">
+              <a:rPr lang="en-US" sz="2200" dirty="0">
                 <a:solidFill>
                   <a:srgbClr val="7B68EE"/>
                 </a:solidFill>
@@ -7854,7 +7639,7 @@
               <a:t>LA Economic Activity </a:t>
             </a:r>
             <a:r>
-              <a:rPr lang="en-US" sz="2200" dirty="0" err="1" smtClean="0">
+              <a:rPr lang="en-US" sz="2200" dirty="0" err="1">
                 <a:solidFill>
                   <a:srgbClr val="7B68EE"/>
                 </a:solidFill>
@@ -7863,7 +7648,7 @@
               <a:t></a:t>
             </a:r>
             <a:r>
-              <a:rPr lang="en-US" sz="2200" dirty="0" smtClean="0">
+              <a:rPr lang="en-US" sz="2200" dirty="0">
                 <a:solidFill>
                   <a:srgbClr val="7B68EE"/>
                 </a:solidFill>
@@ -7902,7 +7687,7 @@
           <a:lstStyle/>
           <a:p>
             <a:r>
-              <a:rPr lang="en-US" sz="2200" dirty="0" smtClean="0">
+              <a:rPr lang="en-US" sz="2200" dirty="0">
                 <a:solidFill>
                   <a:schemeClr val="accent3">
                     <a:lumMod val="75000"/>
@@ -7912,7 +7697,7 @@
               <a:t>Riverside Economic Activity </a:t>
             </a:r>
             <a:r>
-              <a:rPr lang="en-US" sz="2200" dirty="0" err="1" smtClean="0">
+              <a:rPr lang="en-US" sz="2200" dirty="0" err="1">
                 <a:solidFill>
                   <a:schemeClr val="accent3">
                     <a:lumMod val="75000"/>
@@ -7923,7 +7708,7 @@
               <a:t></a:t>
             </a:r>
             <a:r>
-              <a:rPr lang="en-US" sz="2200" dirty="0" smtClean="0">
+              <a:rPr lang="en-US" sz="2200" dirty="0">
                 <a:solidFill>
                   <a:schemeClr val="accent3">
                     <a:lumMod val="75000"/>
@@ -8100,7 +7885,7 @@
 </file>
 
 <file path=ppt/slides/slide19.xml><?xml version="1.0" encoding="utf-8"?>
-<p:sld xmlns:a="http://schemas.openxmlformats.org/drawingml/2006/main" xmlns:r="http://schemas.openxmlformats.org/officeDocument/2006/relationships" xmlns:mc="http://schemas.openxmlformats.org/markup-compatibility/2006" xmlns:mv="urn:schemas-microsoft-com:mac:vml" xmlns:p="http://schemas.openxmlformats.org/presentationml/2006/main" mc:Ignorable="mv" mc:PreserveAttributes="mv:*">
+<p:sld xmlns:a="http://schemas.openxmlformats.org/drawingml/2006/main" xmlns:r="http://schemas.openxmlformats.org/officeDocument/2006/relationships" xmlns:p="http://schemas.openxmlformats.org/presentationml/2006/main">
   <p:cSld>
     <p:spTree>
       <p:nvGrpSpPr>
@@ -8134,7 +7919,7 @@
           <a:lstStyle/>
           <a:p>
             <a:r>
-              <a:rPr lang="en-US" dirty="0" smtClean="0">
+              <a:rPr lang="en-US" dirty="0">
                 <a:solidFill>
                   <a:schemeClr val="tx2">
                     <a:lumMod val="60000"/>
@@ -8145,7 +7930,7 @@
               <a:t>VAR Example 2</a:t>
             </a:r>
             <a:br>
-              <a:rPr lang="en-US" dirty="0" smtClean="0">
+              <a:rPr lang="en-US" dirty="0">
                 <a:solidFill>
                   <a:schemeClr val="tx2">
                     <a:lumMod val="60000"/>
@@ -8155,7 +7940,7 @@
               </a:rPr>
             </a:br>
             <a:r>
-              <a:rPr lang="en-US" dirty="0" smtClean="0">
+              <a:rPr lang="en-US" dirty="0">
                 <a:solidFill>
                   <a:schemeClr val="tx2">
                     <a:lumMod val="60000"/>
@@ -8192,7 +7977,7 @@
           <a:lstStyle/>
           <a:p>
             <a:r>
-              <a:rPr lang="en-US" sz="2800" dirty="0" smtClean="0">
+              <a:rPr lang="en-US" sz="2800" dirty="0">
                 <a:solidFill>
                   <a:schemeClr val="tx1">
                     <a:lumMod val="65000"/>
@@ -8203,7 +7988,7 @@
               <a:t>Let </a:t>
             </a:r>
             <a:r>
-              <a:rPr lang="en-US" sz="2800" dirty="0" smtClean="0">
+              <a:rPr lang="en-US" sz="2800" dirty="0">
                 <a:solidFill>
                   <a:srgbClr val="B22222"/>
                 </a:solidFill>
@@ -8211,7 +7996,7 @@
               <a:t>Y</a:t>
             </a:r>
             <a:r>
-              <a:rPr lang="en-US" sz="2800" dirty="0" smtClean="0">
+              <a:rPr lang="en-US" sz="2800" dirty="0">
                 <a:solidFill>
                   <a:schemeClr val="tx1">
                     <a:lumMod val="65000"/>
@@ -8222,7 +8007,7 @@
               <a:t> = Los Angeles and </a:t>
             </a:r>
             <a:r>
-              <a:rPr lang="en-US" sz="2800" dirty="0" smtClean="0">
+              <a:rPr lang="en-US" sz="2800" dirty="0">
                 <a:solidFill>
                   <a:srgbClr val="3366FF"/>
                 </a:solidFill>
@@ -8230,7 +8015,7 @@
               <a:t>X</a:t>
             </a:r>
             <a:r>
-              <a:rPr lang="en-US" sz="2800" dirty="0" smtClean="0">
+              <a:rPr lang="en-US" sz="2800" dirty="0">
                 <a:solidFill>
                   <a:schemeClr val="tx1">
                     <a:lumMod val="65000"/>
@@ -8243,7 +8028,7 @@
           </a:p>
           <a:p>
             <a:r>
-              <a:rPr lang="en-US" sz="2800" dirty="0" smtClean="0">
+              <a:rPr lang="en-US" sz="2800" dirty="0">
                 <a:solidFill>
                   <a:schemeClr val="tx1">
                     <a:lumMod val="65000"/>
@@ -8255,7 +8040,7 @@
             </a:r>
           </a:p>
           <a:p>
-            <a:endParaRPr lang="en-US" sz="2800" dirty="0" smtClean="0">
+            <a:endParaRPr lang="en-US" sz="2800" dirty="0">
               <a:solidFill>
                 <a:schemeClr val="tx1">
                   <a:lumMod val="65000"/>
@@ -8269,7 +8054,7 @@
               <a:buNone/>
             </a:pPr>
             <a:r>
-              <a:rPr lang="en-US" sz="2800" i="1" dirty="0" err="1" smtClean="0">
+              <a:rPr lang="en-US" sz="2800" i="1" dirty="0" err="1">
                 <a:solidFill>
                   <a:srgbClr val="B22222"/>
                 </a:solidFill>
@@ -8279,7 +8064,7 @@
               <a:t>Y</a:t>
             </a:r>
             <a:r>
-              <a:rPr lang="en-US" sz="2800" i="1" baseline="-25000" dirty="0" err="1" smtClean="0">
+              <a:rPr lang="en-US" sz="2800" i="1" baseline="-25000" dirty="0" err="1">
                 <a:solidFill>
                   <a:srgbClr val="B22222"/>
                 </a:solidFill>
@@ -8289,77 +8074,67 @@
               <a:t>t</a:t>
             </a:r>
             <a:r>
-              <a:rPr lang="en-US" sz="2800" i="1" dirty="0" smtClean="0">
+              <a:rPr lang="en-US" sz="2800" i="1" dirty="0">
                 <a:solidFill>
                   <a:srgbClr val="595959"/>
                 </a:solidFill>
                 <a:latin typeface="Times New Roman"/>
                 <a:cs typeface="Times New Roman"/>
               </a:rPr>
-              <a:t> =</a:t>
-            </a:r>
-            <a:r>
-              <a:rPr lang="en-US" sz="2800" i="1" dirty="0" smtClean="0">
+              <a:t> = c</a:t>
+            </a:r>
+            <a:r>
+              <a:rPr lang="en-US" sz="2800" i="1" baseline="-25000" dirty="0">
                 <a:solidFill>
                   <a:srgbClr val="595959"/>
                 </a:solidFill>
                 <a:latin typeface="Times New Roman"/>
                 <a:cs typeface="Times New Roman"/>
               </a:rPr>
-              <a:t> c</a:t>
-            </a:r>
-            <a:r>
-              <a:rPr lang="en-US" sz="2800" i="1" baseline="-25000" dirty="0" smtClean="0">
+              <a:t>1</a:t>
+            </a:r>
+            <a:r>
+              <a:rPr lang="en-US" sz="2800" i="1" dirty="0">
                 <a:solidFill>
                   <a:srgbClr val="595959"/>
                 </a:solidFill>
                 <a:latin typeface="Times New Roman"/>
                 <a:cs typeface="Times New Roman"/>
               </a:rPr>
-              <a:t>1</a:t>
-            </a:r>
-            <a:r>
-              <a:rPr lang="en-US" sz="2800" i="1" dirty="0" smtClean="0">
+              <a:t>+ α</a:t>
+            </a:r>
+            <a:r>
+              <a:rPr lang="en-US" sz="2800" i="1" baseline="-25000" dirty="0">
                 <a:solidFill>
                   <a:srgbClr val="595959"/>
                 </a:solidFill>
                 <a:latin typeface="Times New Roman"/>
                 <a:cs typeface="Times New Roman"/>
               </a:rPr>
-              <a:t>+ α</a:t>
-            </a:r>
-            <a:r>
-              <a:rPr lang="en-US" sz="2800" i="1" baseline="-25000" dirty="0" smtClean="0">
+              <a:t>11</a:t>
+            </a:r>
+            <a:r>
+              <a:rPr lang="en-US" sz="2800" i="1" dirty="0">
                 <a:solidFill>
                   <a:srgbClr val="595959"/>
                 </a:solidFill>
                 <a:latin typeface="Times New Roman"/>
                 <a:cs typeface="Times New Roman"/>
               </a:rPr>
-              <a:t>11</a:t>
-            </a:r>
-            <a:r>
-              <a:rPr lang="en-US" sz="2800" i="1" dirty="0" smtClean="0">
+              <a:t>Y</a:t>
+            </a:r>
+            <a:r>
+              <a:rPr lang="en-US" sz="2800" i="1" baseline="-25000" dirty="0">
                 <a:solidFill>
                   <a:srgbClr val="595959"/>
                 </a:solidFill>
                 <a:latin typeface="Times New Roman"/>
                 <a:cs typeface="Times New Roman"/>
               </a:rPr>
-              <a:t>Y</a:t>
-            </a:r>
-            <a:r>
-              <a:rPr lang="en-US" sz="2800" i="1" baseline="-25000" dirty="0" smtClean="0">
-                <a:solidFill>
-                  <a:srgbClr val="595959"/>
-                </a:solidFill>
-                <a:latin typeface="Times New Roman"/>
-                <a:cs typeface="Times New Roman"/>
-              </a:rPr>
               <a:t>t</a:t>
             </a:r>
             <a:r>
-              <a:rPr lang="en-US" sz="2800" i="1" baseline="-25000" dirty="0" smtClean="0">
+              <a:rPr lang="en-US" sz="2800" i="1" baseline="-25000" dirty="0">
                 <a:solidFill>
                   <a:schemeClr val="tx1">
                     <a:lumMod val="65000"/>
@@ -8372,7 +8147,7 @@
               <a:t>-1</a:t>
             </a:r>
             <a:r>
-              <a:rPr lang="en-US" sz="2800" i="1" dirty="0" smtClean="0">
+              <a:rPr lang="en-US" sz="2800" i="1" dirty="0">
                 <a:solidFill>
                   <a:srgbClr val="595959"/>
                 </a:solidFill>
@@ -8382,7 +8157,7 @@
               <a:t>+β</a:t>
             </a:r>
             <a:r>
-              <a:rPr lang="en-US" sz="2800" i="1" baseline="-25000" dirty="0" smtClean="0">
+              <a:rPr lang="en-US" sz="2800" i="1" baseline="-25000" dirty="0">
                 <a:solidFill>
                   <a:srgbClr val="595959"/>
                 </a:solidFill>
@@ -8392,7 +8167,7 @@
               <a:t>11</a:t>
             </a:r>
             <a:r>
-              <a:rPr lang="en-US" sz="2800" i="1" dirty="0" smtClean="0">
+              <a:rPr lang="en-US" sz="2800" i="1" dirty="0">
                 <a:solidFill>
                   <a:srgbClr val="595959"/>
                 </a:solidFill>
@@ -8402,7 +8177,7 @@
               <a:t>X</a:t>
             </a:r>
             <a:r>
-              <a:rPr lang="en-US" sz="2800" i="1" baseline="-25000" dirty="0" smtClean="0">
+              <a:rPr lang="en-US" sz="2800" i="1" baseline="-25000" dirty="0">
                 <a:solidFill>
                   <a:srgbClr val="595959"/>
                 </a:solidFill>
@@ -8412,7 +8187,7 @@
               <a:t>t</a:t>
             </a:r>
             <a:r>
-              <a:rPr lang="en-US" sz="2800" i="1" baseline="-25000" dirty="0" smtClean="0">
+              <a:rPr lang="en-US" sz="2800" i="1" baseline="-25000" dirty="0">
                 <a:solidFill>
                   <a:schemeClr val="tx1">
                     <a:lumMod val="65000"/>
@@ -8425,7 +8200,7 @@
               <a:t>-1</a:t>
             </a:r>
             <a:r>
-              <a:rPr lang="en-US" sz="2800" i="1" dirty="0" smtClean="0">
+              <a:rPr lang="en-US" sz="2800" i="1" dirty="0">
                 <a:solidFill>
                   <a:srgbClr val="595959"/>
                 </a:solidFill>
@@ -8435,7 +8210,7 @@
               <a:t>+ε</a:t>
             </a:r>
             <a:r>
-              <a:rPr lang="en-US" sz="2800" i="1" baseline="-25000" dirty="0" smtClean="0">
+              <a:rPr lang="en-US" sz="2800" i="1" baseline="-25000" dirty="0">
                 <a:solidFill>
                   <a:srgbClr val="595959"/>
                 </a:solidFill>
@@ -8450,7 +8225,7 @@
               <a:buNone/>
             </a:pPr>
             <a:r>
-              <a:rPr lang="en-US" sz="2800" i="1" dirty="0" smtClean="0">
+              <a:rPr lang="en-US" sz="2800" i="1" dirty="0">
                 <a:solidFill>
                   <a:srgbClr val="E46C0A"/>
                 </a:solidFill>
@@ -8460,7 +8235,7 @@
               <a:t>	</a:t>
             </a:r>
             <a:r>
-              <a:rPr lang="en-US" sz="2800" i="1" dirty="0" smtClean="0">
+              <a:rPr lang="en-US" sz="2800" i="1" dirty="0">
                 <a:solidFill>
                   <a:srgbClr val="595959"/>
                 </a:solidFill>
@@ -8470,7 +8245,7 @@
               <a:t>= </a:t>
             </a:r>
             <a:r>
-              <a:rPr lang="en-US" sz="2800" i="1" dirty="0" smtClean="0">
+              <a:rPr lang="en-US" sz="2800" i="1" dirty="0">
                 <a:solidFill>
                   <a:srgbClr val="B22222"/>
                 </a:solidFill>
@@ -8480,7 +8255,7 @@
               <a:t>0.25</a:t>
             </a:r>
             <a:r>
-              <a:rPr lang="en-US" sz="2800" i="1" dirty="0" smtClean="0">
+              <a:rPr lang="en-US" sz="2800" i="1" dirty="0">
                 <a:solidFill>
                   <a:srgbClr val="595959"/>
                 </a:solidFill>
@@ -8490,7 +8265,7 @@
               <a:t>+</a:t>
             </a:r>
             <a:r>
-              <a:rPr lang="en-US" sz="2800" i="1" dirty="0" smtClean="0">
+              <a:rPr lang="en-US" sz="2800" i="1" dirty="0">
                 <a:solidFill>
                   <a:srgbClr val="B22222"/>
                 </a:solidFill>
@@ -8500,7 +8275,7 @@
               <a:t>0.79</a:t>
             </a:r>
             <a:r>
-              <a:rPr lang="en-US" sz="2800" i="1" dirty="0" smtClean="0">
+              <a:rPr lang="en-US" sz="2800" i="1" dirty="0">
                 <a:solidFill>
                   <a:srgbClr val="595959"/>
                 </a:solidFill>
@@ -8510,7 +8285,7 @@
               <a:t>Y</a:t>
             </a:r>
             <a:r>
-              <a:rPr lang="en-US" sz="2800" i="1" baseline="-25000" dirty="0" smtClean="0">
+              <a:rPr lang="en-US" sz="2800" i="1" baseline="-25000" dirty="0">
                 <a:solidFill>
                   <a:srgbClr val="595959"/>
                 </a:solidFill>
@@ -8520,7 +8295,7 @@
               <a:t>t</a:t>
             </a:r>
             <a:r>
-              <a:rPr lang="en-US" sz="2800" i="1" baseline="-25000" dirty="0" smtClean="0">
+              <a:rPr lang="en-US" sz="2800" i="1" baseline="-25000" dirty="0">
                 <a:solidFill>
                   <a:schemeClr val="tx1">
                     <a:lumMod val="65000"/>
@@ -8533,7 +8308,7 @@
               <a:t>-1</a:t>
             </a:r>
             <a:r>
-              <a:rPr lang="en-US" sz="2800" i="1" dirty="0" smtClean="0">
+              <a:rPr lang="en-US" sz="2800" i="1" dirty="0">
                 <a:solidFill>
                   <a:srgbClr val="595959"/>
                 </a:solidFill>
@@ -8543,7 +8318,7 @@
               <a:t>+</a:t>
             </a:r>
             <a:r>
-              <a:rPr lang="en-US" sz="2800" i="1" dirty="0" smtClean="0">
+              <a:rPr lang="en-US" sz="2800" i="1" dirty="0">
                 <a:solidFill>
                   <a:srgbClr val="B22222"/>
                 </a:solidFill>
@@ -8553,7 +8328,7 @@
               <a:t>0.04</a:t>
             </a:r>
             <a:r>
-              <a:rPr lang="en-US" sz="2800" i="1" dirty="0" smtClean="0">
+              <a:rPr lang="en-US" sz="2800" i="1" dirty="0">
                 <a:solidFill>
                   <a:srgbClr val="595959"/>
                 </a:solidFill>
@@ -8563,7 +8338,7 @@
               <a:t>X</a:t>
             </a:r>
             <a:r>
-              <a:rPr lang="en-US" sz="2800" i="1" baseline="-25000" dirty="0" smtClean="0">
+              <a:rPr lang="en-US" sz="2800" i="1" baseline="-25000" dirty="0">
                 <a:solidFill>
                   <a:srgbClr val="595959"/>
                 </a:solidFill>
@@ -8573,7 +8348,7 @@
               <a:t>t</a:t>
             </a:r>
             <a:r>
-              <a:rPr lang="en-US" sz="2800" i="1" baseline="-25000" dirty="0" smtClean="0">
+              <a:rPr lang="en-US" sz="2800" i="1" baseline="-25000" dirty="0">
                 <a:solidFill>
                   <a:schemeClr val="tx1">
                     <a:lumMod val="65000"/>
@@ -8583,22 +8358,9 @@
                 <a:latin typeface="Times New Roman"/>
                 <a:cs typeface="Times New Roman"/>
               </a:rPr>
-              <a:t>-</a:t>
-            </a:r>
-            <a:r>
-              <a:rPr lang="en-US" sz="2800" i="1" baseline="-25000" dirty="0" smtClean="0">
-                <a:solidFill>
-                  <a:schemeClr val="tx1">
-                    <a:lumMod val="65000"/>
-                    <a:lumOff val="35000"/>
-                  </a:schemeClr>
-                </a:solidFill>
-                <a:latin typeface="Times New Roman"/>
-                <a:cs typeface="Times New Roman"/>
-              </a:rPr>
-              <a:t>1</a:t>
-            </a:r>
-            <a:endParaRPr lang="en-US" sz="2800" i="1" baseline="-25000" dirty="0" smtClean="0">
+              <a:t>-1</a:t>
+            </a:r>
+            <a:endParaRPr lang="en-US" sz="2800" i="1" baseline="-25000" dirty="0">
               <a:solidFill>
                 <a:srgbClr val="595959"/>
               </a:solidFill>
@@ -8610,7 +8372,7 @@
             <a:pPr>
               <a:buNone/>
             </a:pPr>
-            <a:endParaRPr lang="en-US" sz="2800" i="1" dirty="0" smtClean="0">
+            <a:endParaRPr lang="en-US" sz="2800" i="1" dirty="0">
               <a:solidFill>
                 <a:srgbClr val="595959"/>
               </a:solidFill>
@@ -8623,7 +8385,7 @@
               <a:buNone/>
             </a:pPr>
             <a:r>
-              <a:rPr lang="en-US" sz="2800" i="1" dirty="0" err="1" smtClean="0">
+              <a:rPr lang="en-US" sz="2800" i="1" dirty="0" err="1">
                 <a:solidFill>
                   <a:srgbClr val="3366FF"/>
                 </a:solidFill>
@@ -8633,7 +8395,7 @@
               <a:t>X</a:t>
             </a:r>
             <a:r>
-              <a:rPr lang="en-US" sz="2800" i="1" baseline="-25000" dirty="0" err="1" smtClean="0">
+              <a:rPr lang="en-US" sz="2800" i="1" baseline="-25000" dirty="0" err="1">
                 <a:solidFill>
                   <a:srgbClr val="3366FF"/>
                 </a:solidFill>
@@ -8643,7 +8405,7 @@
               <a:t>t</a:t>
             </a:r>
             <a:r>
-              <a:rPr lang="en-US" sz="2800" i="1" dirty="0" smtClean="0">
+              <a:rPr lang="en-US" sz="2800" i="1" dirty="0">
                 <a:solidFill>
                   <a:srgbClr val="3366FF"/>
                 </a:solidFill>
@@ -8653,77 +8415,67 @@
               <a:t> </a:t>
             </a:r>
             <a:r>
-              <a:rPr lang="en-US" sz="2800" i="1" dirty="0" smtClean="0">
+              <a:rPr lang="en-US" sz="2800" i="1" dirty="0">
                 <a:solidFill>
                   <a:srgbClr val="595959"/>
                 </a:solidFill>
                 <a:latin typeface="Times New Roman"/>
                 <a:cs typeface="Times New Roman"/>
               </a:rPr>
-              <a:t>= </a:t>
-            </a:r>
-            <a:r>
-              <a:rPr lang="en-US" sz="2800" i="1" dirty="0" smtClean="0">
+              <a:t>= c</a:t>
+            </a:r>
+            <a:r>
+              <a:rPr lang="en-US" sz="2800" i="1" baseline="-25000" dirty="0">
                 <a:solidFill>
                   <a:srgbClr val="595959"/>
                 </a:solidFill>
                 <a:latin typeface="Times New Roman"/>
                 <a:cs typeface="Times New Roman"/>
               </a:rPr>
-              <a:t>c</a:t>
-            </a:r>
-            <a:r>
-              <a:rPr lang="en-US" sz="2800" i="1" baseline="-25000" dirty="0" smtClean="0">
+              <a:t>2</a:t>
+            </a:r>
+            <a:r>
+              <a:rPr lang="en-US" sz="2800" i="1" dirty="0">
                 <a:solidFill>
                   <a:srgbClr val="595959"/>
                 </a:solidFill>
                 <a:latin typeface="Times New Roman"/>
                 <a:cs typeface="Times New Roman"/>
               </a:rPr>
-              <a:t>2</a:t>
-            </a:r>
-            <a:r>
-              <a:rPr lang="en-US" sz="2800" i="1" dirty="0" smtClean="0">
+              <a:t>+ α</a:t>
+            </a:r>
+            <a:r>
+              <a:rPr lang="en-US" sz="2800" i="1" baseline="-25000" dirty="0">
                 <a:solidFill>
                   <a:srgbClr val="595959"/>
                 </a:solidFill>
                 <a:latin typeface="Times New Roman"/>
                 <a:cs typeface="Times New Roman"/>
               </a:rPr>
-              <a:t>+ α</a:t>
-            </a:r>
-            <a:r>
-              <a:rPr lang="en-US" sz="2800" i="1" baseline="-25000" dirty="0" smtClean="0">
+              <a:t>21</a:t>
+            </a:r>
+            <a:r>
+              <a:rPr lang="en-US" sz="2800" i="1" dirty="0">
                 <a:solidFill>
                   <a:srgbClr val="595959"/>
                 </a:solidFill>
                 <a:latin typeface="Times New Roman"/>
                 <a:cs typeface="Times New Roman"/>
               </a:rPr>
-              <a:t>21</a:t>
-            </a:r>
-            <a:r>
-              <a:rPr lang="en-US" sz="2800" i="1" dirty="0" smtClean="0">
+              <a:t>Y</a:t>
+            </a:r>
+            <a:r>
+              <a:rPr lang="en-US" sz="2800" i="1" baseline="-25000" dirty="0">
                 <a:solidFill>
                   <a:srgbClr val="595959"/>
                 </a:solidFill>
                 <a:latin typeface="Times New Roman"/>
                 <a:cs typeface="Times New Roman"/>
               </a:rPr>
-              <a:t>Y</a:t>
-            </a:r>
-            <a:r>
-              <a:rPr lang="en-US" sz="2800" i="1" baseline="-25000" dirty="0" smtClean="0">
-                <a:solidFill>
-                  <a:srgbClr val="595959"/>
-                </a:solidFill>
-                <a:latin typeface="Times New Roman"/>
-                <a:cs typeface="Times New Roman"/>
-              </a:rPr>
               <a:t>t</a:t>
             </a:r>
             <a:r>
-              <a:rPr lang="en-US" sz="2800" i="1" baseline="-25000" dirty="0" smtClean="0">
+              <a:rPr lang="en-US" sz="2800" i="1" baseline="-25000" dirty="0">
                 <a:solidFill>
                   <a:schemeClr val="tx1">
                     <a:lumMod val="65000"/>
@@ -8736,57 +8488,47 @@
               <a:t>-1</a:t>
             </a:r>
             <a:r>
-              <a:rPr lang="en-US" sz="2800" i="1" dirty="0" smtClean="0">
+              <a:rPr lang="en-US" sz="2800" i="1" dirty="0">
                 <a:solidFill>
                   <a:srgbClr val="595959"/>
                 </a:solidFill>
                 <a:latin typeface="Times New Roman"/>
                 <a:cs typeface="Times New Roman"/>
               </a:rPr>
-              <a:t>+</a:t>
-            </a:r>
-            <a:r>
-              <a:rPr lang="en-US" sz="2800" i="1" dirty="0" smtClean="0">
+              <a:t>+β</a:t>
+            </a:r>
+            <a:r>
+              <a:rPr lang="en-US" sz="2800" i="1" baseline="-25000" dirty="0">
                 <a:solidFill>
                   <a:srgbClr val="595959"/>
                 </a:solidFill>
                 <a:latin typeface="Times New Roman"/>
                 <a:cs typeface="Times New Roman"/>
               </a:rPr>
-              <a:t>β</a:t>
-            </a:r>
-            <a:r>
-              <a:rPr lang="en-US" sz="2800" i="1" baseline="-25000" dirty="0" smtClean="0">
+              <a:t>21</a:t>
+            </a:r>
+            <a:r>
+              <a:rPr lang="en-US" sz="2800" i="1" dirty="0">
                 <a:solidFill>
                   <a:srgbClr val="595959"/>
                 </a:solidFill>
                 <a:latin typeface="Times New Roman"/>
                 <a:cs typeface="Times New Roman"/>
               </a:rPr>
-              <a:t>21</a:t>
-            </a:r>
-            <a:r>
-              <a:rPr lang="en-US" sz="2800" i="1" dirty="0" smtClean="0">
+              <a:t>X</a:t>
+            </a:r>
+            <a:r>
+              <a:rPr lang="en-US" sz="2800" i="1" baseline="-25000" dirty="0">
                 <a:solidFill>
                   <a:srgbClr val="595959"/>
                 </a:solidFill>
                 <a:latin typeface="Times New Roman"/>
                 <a:cs typeface="Times New Roman"/>
               </a:rPr>
-              <a:t>X</a:t>
-            </a:r>
-            <a:r>
-              <a:rPr lang="en-US" sz="2800" i="1" baseline="-25000" dirty="0" smtClean="0">
-                <a:solidFill>
-                  <a:srgbClr val="595959"/>
-                </a:solidFill>
-                <a:latin typeface="Times New Roman"/>
-                <a:cs typeface="Times New Roman"/>
-              </a:rPr>
               <a:t>t</a:t>
             </a:r>
             <a:r>
-              <a:rPr lang="en-US" sz="2800" i="1" baseline="-25000" dirty="0" smtClean="0">
+              <a:rPr lang="en-US" sz="2800" i="1" baseline="-25000" dirty="0">
                 <a:solidFill>
                   <a:schemeClr val="tx1">
                     <a:lumMod val="65000"/>
@@ -8799,27 +8541,17 @@
               <a:t>-1</a:t>
             </a:r>
             <a:r>
-              <a:rPr lang="en-US" sz="2800" i="1" dirty="0" smtClean="0">
+              <a:rPr lang="en-US" sz="2800" i="1" dirty="0">
                 <a:solidFill>
                   <a:srgbClr val="595959"/>
                 </a:solidFill>
                 <a:latin typeface="Times New Roman"/>
                 <a:cs typeface="Times New Roman"/>
               </a:rPr>
-              <a:t>+</a:t>
-            </a:r>
-            <a:r>
-              <a:rPr lang="en-US" sz="2800" i="1" dirty="0" smtClean="0">
-                <a:solidFill>
-                  <a:srgbClr val="595959"/>
-                </a:solidFill>
-                <a:latin typeface="Times New Roman"/>
-                <a:cs typeface="Times New Roman"/>
-              </a:rPr>
-              <a:t>ε</a:t>
-            </a:r>
-            <a:r>
-              <a:rPr lang="en-US" sz="2800" i="1" baseline="-25000" dirty="0" smtClean="0">
+              <a:t>+ε</a:t>
+            </a:r>
+            <a:r>
+              <a:rPr lang="en-US" sz="2800" i="1" baseline="-25000" dirty="0">
                 <a:solidFill>
                   <a:srgbClr val="595959"/>
                 </a:solidFill>
@@ -8834,7 +8566,7 @@
               <a:buNone/>
             </a:pPr>
             <a:r>
-              <a:rPr lang="en-US" sz="2800" i="1" dirty="0" smtClean="0">
+              <a:rPr lang="en-US" sz="2800" i="1" dirty="0">
                 <a:solidFill>
                   <a:srgbClr val="595959"/>
                 </a:solidFill>
@@ -8844,7 +8576,7 @@
               <a:t>    = </a:t>
             </a:r>
             <a:r>
-              <a:rPr lang="en-US" sz="2800" i="1" dirty="0" smtClean="0">
+              <a:rPr lang="en-US" sz="2800" i="1" dirty="0">
                 <a:solidFill>
                   <a:srgbClr val="3366FF"/>
                 </a:solidFill>
@@ -8854,7 +8586,7 @@
               <a:t>-0.36</a:t>
             </a:r>
             <a:r>
-              <a:rPr lang="en-US" sz="2800" i="1" dirty="0" smtClean="0">
+              <a:rPr lang="en-US" sz="2800" i="1" dirty="0">
                 <a:solidFill>
                   <a:srgbClr val="595959"/>
                 </a:solidFill>
@@ -8864,7 +8596,7 @@
               <a:t>+</a:t>
             </a:r>
             <a:r>
-              <a:rPr lang="en-US" sz="2800" i="1" dirty="0" smtClean="0">
+              <a:rPr lang="en-US" sz="2800" i="1" dirty="0">
                 <a:solidFill>
                   <a:srgbClr val="3366FF"/>
                 </a:solidFill>
@@ -8874,7 +8606,7 @@
               <a:t>0.89</a:t>
             </a:r>
             <a:r>
-              <a:rPr lang="en-US" sz="2800" i="1" dirty="0" smtClean="0">
+              <a:rPr lang="en-US" sz="2800" i="1" dirty="0">
                 <a:solidFill>
                   <a:srgbClr val="595959"/>
                 </a:solidFill>
@@ -8884,7 +8616,7 @@
               <a:t>Y</a:t>
             </a:r>
             <a:r>
-              <a:rPr lang="en-US" sz="2800" i="1" baseline="-25000" dirty="0" smtClean="0">
+              <a:rPr lang="en-US" sz="2800" i="1" baseline="-25000" dirty="0">
                 <a:solidFill>
                   <a:srgbClr val="595959"/>
                 </a:solidFill>
@@ -8894,7 +8626,7 @@
               <a:t>t</a:t>
             </a:r>
             <a:r>
-              <a:rPr lang="en-US" sz="2800" i="1" baseline="-25000" dirty="0" smtClean="0">
+              <a:rPr lang="en-US" sz="2800" i="1" baseline="-25000" dirty="0">
                 <a:solidFill>
                   <a:schemeClr val="tx1">
                     <a:lumMod val="65000"/>
@@ -8907,7 +8639,7 @@
               <a:t>-1</a:t>
             </a:r>
             <a:r>
-              <a:rPr lang="en-US" sz="2800" i="1" dirty="0" smtClean="0">
+              <a:rPr lang="en-US" sz="2800" i="1" dirty="0">
                 <a:solidFill>
                   <a:srgbClr val="595959"/>
                 </a:solidFill>
@@ -8917,7 +8649,7 @@
               <a:t>+</a:t>
             </a:r>
             <a:r>
-              <a:rPr lang="en-US" sz="2800" i="1" dirty="0" smtClean="0">
+              <a:rPr lang="en-US" sz="2800" i="1" dirty="0">
                 <a:solidFill>
                   <a:srgbClr val="3366FF"/>
                 </a:solidFill>
@@ -8927,7 +8659,7 @@
               <a:t>0.05</a:t>
             </a:r>
             <a:r>
-              <a:rPr lang="en-US" sz="2800" i="1" dirty="0" smtClean="0">
+              <a:rPr lang="en-US" sz="2800" i="1" dirty="0">
                 <a:solidFill>
                   <a:srgbClr val="595959"/>
                 </a:solidFill>
@@ -8937,7 +8669,7 @@
               <a:t>X</a:t>
             </a:r>
             <a:r>
-              <a:rPr lang="en-US" sz="2800" i="1" baseline="-25000" dirty="0" smtClean="0">
+              <a:rPr lang="en-US" sz="2800" i="1" baseline="-25000" dirty="0">
                 <a:solidFill>
                   <a:srgbClr val="595959"/>
                 </a:solidFill>
@@ -8947,7 +8679,7 @@
               <a:t>t</a:t>
             </a:r>
             <a:r>
-              <a:rPr lang="en-US" sz="2800" i="1" baseline="-25000" dirty="0" smtClean="0">
+              <a:rPr lang="en-US" sz="2800" i="1" baseline="-25000" dirty="0">
                 <a:solidFill>
                   <a:schemeClr val="tx1">
                     <a:lumMod val="65000"/>
@@ -8957,22 +8689,9 @@
                 <a:latin typeface="Times New Roman"/>
                 <a:cs typeface="Times New Roman"/>
               </a:rPr>
-              <a:t>-</a:t>
-            </a:r>
-            <a:r>
-              <a:rPr lang="en-US" sz="2800" i="1" baseline="-25000" dirty="0" smtClean="0">
-                <a:solidFill>
-                  <a:schemeClr val="tx1">
-                    <a:lumMod val="65000"/>
-                    <a:lumOff val="35000"/>
-                  </a:schemeClr>
-                </a:solidFill>
-                <a:latin typeface="Times New Roman"/>
-                <a:cs typeface="Times New Roman"/>
-              </a:rPr>
-              <a:t>1</a:t>
-            </a:r>
-            <a:endParaRPr lang="en-US" sz="2800" baseline="-25000" dirty="0" smtClean="0"/>
+              <a:t>-1</a:t>
+            </a:r>
+            <a:endParaRPr lang="en-US" sz="2800" baseline="-25000" dirty="0"/>
           </a:p>
           <a:p>
             <a:endParaRPr lang="en-US" sz="2800" baseline="-25000" dirty="0"/>
@@ -9161,7 +8880,7 @@
             <a:lstStyle/>
             <a:p>
               <a:r>
-                <a:rPr lang="en-US" sz="2200" dirty="0" smtClean="0">
+                <a:rPr lang="en-US" sz="2200" dirty="0">
                   <a:solidFill>
                     <a:schemeClr val="accent6">
                       <a:lumMod val="75000"/>
@@ -9171,7 +8890,7 @@
                 <a:t>1% growth in LA </a:t>
               </a:r>
               <a:r>
-                <a:rPr lang="en-US" sz="2200" dirty="0" smtClean="0">
+                <a:rPr lang="en-US" sz="2200" dirty="0">
                   <a:solidFill>
                     <a:schemeClr val="accent6">
                       <a:lumMod val="75000"/>
@@ -9651,7 +9370,7 @@
 </file>
 
 <file path=ppt/slides/slide2.xml><?xml version="1.0" encoding="utf-8"?>
-<p:sld xmlns:a="http://schemas.openxmlformats.org/drawingml/2006/main" xmlns:r="http://schemas.openxmlformats.org/officeDocument/2006/relationships" xmlns:mc="http://schemas.openxmlformats.org/markup-compatibility/2006" xmlns:mv="urn:schemas-microsoft-com:mac:vml" xmlns:p="http://schemas.openxmlformats.org/presentationml/2006/main" mc:Ignorable="mv" mc:PreserveAttributes="mv:*">
+<p:sld xmlns:a="http://schemas.openxmlformats.org/drawingml/2006/main" xmlns:r="http://schemas.openxmlformats.org/officeDocument/2006/relationships" xmlns:p="http://schemas.openxmlformats.org/presentationml/2006/main">
   <p:cSld>
     <p:spTree>
       <p:nvGrpSpPr>
@@ -9683,7 +9402,7 @@
           <a:lstStyle/>
           <a:p>
             <a:r>
-              <a:rPr lang="en-US" dirty="0" smtClean="0">
+              <a:rPr lang="en-US" dirty="0">
                 <a:solidFill>
                   <a:schemeClr val="tx2">
                     <a:lumMod val="60000"/>
@@ -9693,14 +9412,6 @@
               </a:rPr>
               <a:t>Today’s Class </a:t>
             </a:r>
-            <a:endParaRPr lang="en-US" dirty="0">
-              <a:solidFill>
-                <a:schemeClr val="tx2">
-                  <a:lumMod val="60000"/>
-                  <a:lumOff val="40000"/>
-                </a:schemeClr>
-              </a:solidFill>
-            </a:endParaRPr>
           </a:p>
         </p:txBody>
       </p:sp>
@@ -9727,61 +9438,53 @@
           <a:lstStyle/>
           <a:p>
             <a:r>
-              <a:rPr lang="en-US" dirty="0" smtClean="0"/>
+              <a:rPr lang="en-US" dirty="0"/>
               <a:t>Two Examples of</a:t>
             </a:r>
           </a:p>
           <a:p>
             <a:pPr lvl="1"/>
             <a:r>
-              <a:rPr lang="en-US" dirty="0" smtClean="0"/>
+              <a:rPr lang="en-US" dirty="0"/>
               <a:t>Vector </a:t>
             </a:r>
             <a:r>
-              <a:rPr lang="en-US" dirty="0" err="1" smtClean="0"/>
+              <a:rPr lang="en-US" dirty="0" err="1"/>
               <a:t>Autoregressions</a:t>
             </a:r>
             <a:r>
-              <a:rPr lang="en-US" dirty="0" smtClean="0"/>
-              <a:t> (VAR</a:t>
-            </a:r>
-            <a:r>
-              <a:rPr lang="en-US" dirty="0" smtClean="0"/>
-              <a:t>)</a:t>
+              <a:rPr lang="en-US" dirty="0"/>
+              <a:t> (VAR)</a:t>
             </a:r>
           </a:p>
           <a:p>
             <a:pPr lvl="1"/>
             <a:r>
-              <a:rPr lang="en-US" dirty="0" smtClean="0"/>
+              <a:rPr lang="en-US" dirty="0"/>
               <a:t>Predicative Causality (Granger-Causality)</a:t>
             </a:r>
           </a:p>
           <a:p>
             <a:pPr lvl="1"/>
             <a:r>
-              <a:rPr lang="en-US" dirty="0" smtClean="0"/>
-              <a:t>Impulse-Response Functions (IRF</a:t>
-            </a:r>
-            <a:r>
-              <a:rPr lang="en-US" dirty="0" smtClean="0"/>
-              <a:t>)</a:t>
+              <a:rPr lang="en-US" dirty="0"/>
+              <a:t>Impulse-Response Functions (IRF)</a:t>
             </a:r>
           </a:p>
           <a:p>
             <a:pPr>
               <a:buNone/>
             </a:pPr>
-            <a:endParaRPr lang="en-US" sz="3600" dirty="0" smtClean="0"/>
+            <a:endParaRPr lang="en-US" sz="3600" dirty="0"/>
           </a:p>
           <a:p>
             <a:pPr>
               <a:buNone/>
             </a:pPr>
-            <a:endParaRPr lang="en-US" sz="3600" dirty="0" smtClean="0"/>
-          </a:p>
-          <a:p>
-            <a:endParaRPr lang="en-US" sz="3600" dirty="0" smtClean="0"/>
+            <a:endParaRPr lang="en-US" sz="3600" dirty="0"/>
+          </a:p>
+          <a:p>
+            <a:endParaRPr lang="en-US" sz="3600" dirty="0"/>
           </a:p>
         </p:txBody>
       </p:sp>
@@ -9814,18 +9517,11 @@
   <p:clrMapOvr>
     <a:masterClrMapping/>
   </p:clrMapOvr>
-  <p:timing>
-    <p:tnLst>
-      <p:par>
-        <p:cTn id="1" dur="indefinite" restart="never" nodeType="tmRoot"/>
-      </p:par>
-    </p:tnLst>
-  </p:timing>
 </p:sld>
 </file>
 
 <file path=ppt/slides/slide20.xml><?xml version="1.0" encoding="utf-8"?>
-<p:sld xmlns:a="http://schemas.openxmlformats.org/drawingml/2006/main" xmlns:r="http://schemas.openxmlformats.org/officeDocument/2006/relationships" xmlns:mc="http://schemas.openxmlformats.org/markup-compatibility/2006" xmlns:mv="urn:schemas-microsoft-com:mac:vml" xmlns:p="http://schemas.openxmlformats.org/presentationml/2006/main" mc:Ignorable="mv" mc:PreserveAttributes="mv:*">
+<p:sld xmlns:a="http://schemas.openxmlformats.org/drawingml/2006/main" xmlns:r="http://schemas.openxmlformats.org/officeDocument/2006/relationships" xmlns:p="http://schemas.openxmlformats.org/presentationml/2006/main">
   <p:cSld>
     <p:spTree>
       <p:nvGrpSpPr>
@@ -9859,7 +9555,7 @@
           <a:lstStyle/>
           <a:p>
             <a:r>
-              <a:rPr lang="en-US" dirty="0" smtClean="0">
+              <a:rPr lang="en-US" dirty="0">
                 <a:solidFill>
                   <a:schemeClr val="tx2">
                     <a:lumMod val="60000"/>
@@ -9870,7 +9566,7 @@
               <a:t>VAR Example 2</a:t>
             </a:r>
             <a:br>
-              <a:rPr lang="en-US" dirty="0" smtClean="0">
+              <a:rPr lang="en-US" dirty="0">
                 <a:solidFill>
                   <a:schemeClr val="tx2">
                     <a:lumMod val="60000"/>
@@ -9880,7 +9576,7 @@
               </a:rPr>
             </a:br>
             <a:r>
-              <a:rPr lang="en-US" dirty="0" smtClean="0">
+              <a:rPr lang="en-US" dirty="0">
                 <a:solidFill>
                   <a:schemeClr val="tx2">
                     <a:lumMod val="60000"/>
@@ -10032,18 +9728,13 @@
             <a:lstStyle/>
             <a:p>
               <a:r>
-                <a:rPr lang="en-US" sz="2200" dirty="0" smtClean="0">
+                <a:rPr lang="en-US" sz="2200" dirty="0">
                   <a:solidFill>
                     <a:srgbClr val="B22222"/>
                   </a:solidFill>
                 </a:rPr>
                 <a:t>Preferred Model = VAR(1)</a:t>
               </a:r>
-              <a:endParaRPr lang="en-US" sz="2200" dirty="0">
-                <a:solidFill>
-                  <a:srgbClr val="B22222"/>
-                </a:solidFill>
-              </a:endParaRPr>
             </a:p>
           </p:txBody>
         </p:sp>
@@ -10132,7 +9823,7 @@
 </file>
 
 <file path=ppt/slides/slide21.xml><?xml version="1.0" encoding="utf-8"?>
-<p:sld xmlns:a="http://schemas.openxmlformats.org/drawingml/2006/main" xmlns:r="http://schemas.openxmlformats.org/officeDocument/2006/relationships" xmlns:mc="http://schemas.openxmlformats.org/markup-compatibility/2006" xmlns:mv="urn:schemas-microsoft-com:mac:vml" xmlns:p="http://schemas.openxmlformats.org/presentationml/2006/main" mc:Ignorable="mv" mc:PreserveAttributes="mv:*">
+<p:sld xmlns:a="http://schemas.openxmlformats.org/drawingml/2006/main" xmlns:r="http://schemas.openxmlformats.org/officeDocument/2006/relationships" xmlns:p="http://schemas.openxmlformats.org/presentationml/2006/main">
   <p:cSld>
     <p:spTree>
       <p:nvGrpSpPr>
@@ -10166,7 +9857,7 @@
           <a:lstStyle/>
           <a:p>
             <a:r>
-              <a:rPr lang="en-US" dirty="0" smtClean="0">
+              <a:rPr lang="en-US" dirty="0">
                 <a:solidFill>
                   <a:schemeClr val="tx2">
                     <a:lumMod val="60000"/>
@@ -10177,7 +9868,7 @@
               <a:t>VAR Example 2</a:t>
             </a:r>
             <a:br>
-              <a:rPr lang="en-US" dirty="0" smtClean="0">
+              <a:rPr lang="en-US" dirty="0">
                 <a:solidFill>
                   <a:schemeClr val="tx2">
                     <a:lumMod val="60000"/>
@@ -10187,7 +9878,7 @@
               </a:rPr>
             </a:br>
             <a:r>
-              <a:rPr lang="en-US" dirty="0" smtClean="0">
+              <a:rPr lang="en-US" dirty="0">
                 <a:solidFill>
                   <a:schemeClr val="tx2">
                     <a:lumMod val="60000"/>
@@ -10283,18 +9974,13 @@
           <a:lstStyle/>
           <a:p>
             <a:r>
-              <a:rPr lang="en-US" sz="2800" dirty="0" smtClean="0">
+              <a:rPr lang="en-US" sz="2800" dirty="0">
                 <a:solidFill>
                   <a:srgbClr val="7B68EE"/>
                 </a:solidFill>
               </a:rPr>
               <a:t>Granger Causality Test</a:t>
             </a:r>
-            <a:endParaRPr lang="en-US" sz="2800" dirty="0">
-              <a:solidFill>
-                <a:srgbClr val="7B68EE"/>
-              </a:solidFill>
-            </a:endParaRPr>
           </a:p>
         </p:txBody>
       </p:sp>
@@ -10335,19 +10021,19 @@
             <a:lstStyle/>
             <a:p>
               <a:r>
-                <a:rPr lang="en-US" dirty="0" smtClean="0"/>
+                <a:rPr lang="en-US" dirty="0"/>
                 <a:t>H</a:t>
               </a:r>
               <a:r>
-                <a:rPr lang="en-US" baseline="-25000" dirty="0" smtClean="0"/>
+                <a:rPr lang="en-US" baseline="-25000" dirty="0"/>
                 <a:t>0</a:t>
               </a:r>
               <a:r>
-                <a:rPr lang="en-US" dirty="0" smtClean="0"/>
+                <a:rPr lang="en-US" dirty="0"/>
                 <a:t>: Riverside has no effect on LA  (</a:t>
               </a:r>
               <a:r>
-                <a:rPr lang="en-US" dirty="0" smtClean="0">
+                <a:rPr lang="en-US" dirty="0">
                   <a:solidFill>
                     <a:srgbClr val="B22222"/>
                   </a:solidFill>
@@ -10355,7 +10041,7 @@
                 <a:t>β</a:t>
               </a:r>
               <a:r>
-                <a:rPr lang="en-US" baseline="-25000" dirty="0" smtClean="0">
+                <a:rPr lang="en-US" baseline="-25000" dirty="0">
                   <a:solidFill>
                     <a:srgbClr val="B22222"/>
                   </a:solidFill>
@@ -10363,7 +10049,7 @@
                 <a:t>11</a:t>
               </a:r>
               <a:r>
-                <a:rPr lang="en-US" dirty="0" smtClean="0">
+                <a:rPr lang="en-US" dirty="0">
                   <a:solidFill>
                     <a:srgbClr val="B22222"/>
                   </a:solidFill>
@@ -10371,32 +10057,31 @@
                 <a:t>=0</a:t>
               </a:r>
               <a:r>
-                <a:rPr lang="en-US" dirty="0" smtClean="0"/>
+                <a:rPr lang="en-US" dirty="0"/>
                 <a:t>)</a:t>
               </a:r>
             </a:p>
             <a:p>
               <a:r>
-                <a:rPr lang="en-US" dirty="0" err="1" smtClean="0">
+                <a:rPr lang="en-US" dirty="0" err="1">
                   <a:sym typeface="Wingdings"/>
                 </a:rPr>
                 <a:t></a:t>
               </a:r>
               <a:r>
-                <a:rPr lang="en-US" dirty="0" smtClean="0">
+                <a:rPr lang="en-US" dirty="0">
                   <a:sym typeface="Wingdings"/>
                 </a:rPr>
                 <a:t> </a:t>
               </a:r>
               <a:r>
-                <a:rPr lang="en-US" dirty="0" smtClean="0"/>
+                <a:rPr lang="en-US" dirty="0"/>
                 <a:t>Fail to reject H</a:t>
               </a:r>
               <a:r>
-                <a:rPr lang="en-US" baseline="-25000" dirty="0" smtClean="0"/>
+                <a:rPr lang="en-US" baseline="-25000" dirty="0"/>
                 <a:t>0</a:t>
               </a:r>
-              <a:endParaRPr lang="en-US" baseline="-25000" dirty="0"/>
             </a:p>
           </p:txBody>
         </p:sp>
@@ -10476,19 +10161,19 @@
             <a:lstStyle/>
             <a:p>
               <a:r>
-                <a:rPr lang="en-US" dirty="0" smtClean="0"/>
+                <a:rPr lang="en-US" dirty="0"/>
                 <a:t>H</a:t>
               </a:r>
               <a:r>
-                <a:rPr lang="en-US" baseline="-25000" dirty="0" smtClean="0"/>
+                <a:rPr lang="en-US" baseline="-25000" dirty="0"/>
                 <a:t>0</a:t>
               </a:r>
               <a:r>
-                <a:rPr lang="en-US" dirty="0" smtClean="0"/>
+                <a:rPr lang="en-US" dirty="0"/>
                 <a:t>: LA has no effect on Riverside  (</a:t>
               </a:r>
               <a:r>
-                <a:rPr lang="en-US" dirty="0" smtClean="0">
+                <a:rPr lang="en-US" dirty="0">
                   <a:solidFill>
                     <a:srgbClr val="3366FF"/>
                   </a:solidFill>
@@ -10496,7 +10181,7 @@
                 <a:t>α</a:t>
               </a:r>
               <a:r>
-                <a:rPr lang="en-US" baseline="-25000" dirty="0" smtClean="0">
+                <a:rPr lang="en-US" baseline="-25000" dirty="0">
                   <a:solidFill>
                     <a:srgbClr val="3366FF"/>
                   </a:solidFill>
@@ -10504,7 +10189,7 @@
                 <a:t>21</a:t>
               </a:r>
               <a:r>
-                <a:rPr lang="en-US" dirty="0" smtClean="0">
+                <a:rPr lang="en-US" dirty="0">
                   <a:solidFill>
                     <a:srgbClr val="3366FF"/>
                   </a:solidFill>
@@ -10512,38 +10197,31 @@
                 <a:t>=0</a:t>
               </a:r>
               <a:r>
-                <a:rPr lang="en-US" dirty="0" smtClean="0"/>
+                <a:rPr lang="en-US" dirty="0"/>
                 <a:t>)</a:t>
               </a:r>
             </a:p>
             <a:p>
               <a:r>
-                <a:rPr lang="en-US" dirty="0" err="1" smtClean="0">
+                <a:rPr lang="en-US" dirty="0" err="1">
                   <a:sym typeface="Wingdings"/>
                 </a:rPr>
                 <a:t></a:t>
               </a:r>
               <a:r>
-                <a:rPr lang="en-US" dirty="0" smtClean="0">
+                <a:rPr lang="en-US" dirty="0">
                   <a:sym typeface="Wingdings"/>
                 </a:rPr>
-                <a:t> </a:t>
+                <a:t> R</a:t>
               </a:r>
               <a:r>
-                <a:rPr lang="en-US" dirty="0" smtClean="0">
-                  <a:sym typeface="Wingdings"/>
-                </a:rPr>
-                <a:t>R</a:t>
-              </a:r>
-              <a:r>
-                <a:rPr lang="en-US" dirty="0" smtClean="0"/>
+                <a:rPr lang="en-US" dirty="0"/>
                 <a:t>eject H</a:t>
               </a:r>
               <a:r>
-                <a:rPr lang="en-US" baseline="-25000" dirty="0" smtClean="0"/>
+                <a:rPr lang="en-US" baseline="-25000" dirty="0"/>
                 <a:t>0</a:t>
               </a:r>
-              <a:endParaRPr lang="en-US" baseline="-25000" dirty="0" smtClean="0"/>
             </a:p>
           </p:txBody>
         </p:sp>
@@ -10620,18 +10298,13 @@
           <a:lstStyle/>
           <a:p>
             <a:r>
-              <a:rPr lang="en-US" sz="2800" dirty="0" smtClean="0">
+              <a:rPr lang="en-US" sz="2800" dirty="0">
                 <a:solidFill>
                   <a:srgbClr val="595959"/>
                 </a:solidFill>
               </a:rPr>
               <a:t>LA Market is useful in predicting the Riverside Market</a:t>
             </a:r>
-            <a:endParaRPr lang="en-US" sz="2800" dirty="0">
-              <a:solidFill>
-                <a:srgbClr val="595959"/>
-              </a:solidFill>
-            </a:endParaRPr>
           </a:p>
         </p:txBody>
       </p:sp>
@@ -10669,7 +10342,7 @@
           <a:lstStyle/>
           <a:p>
             <a:r>
-              <a:rPr lang="en-US" sz="2400" dirty="0" smtClean="0">
+              <a:rPr lang="en-US" sz="2400" dirty="0">
                 <a:solidFill>
                   <a:schemeClr val="tx1">
                     <a:lumMod val="65000"/>
@@ -10677,27 +10350,8 @@
                   </a:schemeClr>
                 </a:solidFill>
               </a:rPr>
-              <a:t>LA does Granger-Cause </a:t>
-            </a:r>
-            <a:r>
-              <a:rPr lang="en-US" sz="2400" dirty="0" smtClean="0">
-                <a:solidFill>
-                  <a:schemeClr val="tx1">
-                    <a:lumMod val="65000"/>
-                    <a:lumOff val="35000"/>
-                  </a:schemeClr>
-                </a:solidFill>
-              </a:rPr>
-              <a:t>Riverside</a:t>
-            </a:r>
-            <a:endParaRPr lang="en-US" sz="2400" dirty="0" smtClean="0">
-              <a:solidFill>
-                <a:schemeClr val="tx1">
-                  <a:lumMod val="65000"/>
-                  <a:lumOff val="35000"/>
-                </a:schemeClr>
-              </a:solidFill>
-            </a:endParaRPr>
+              <a:t>LA does Granger-Cause Riverside</a:t>
+            </a:r>
           </a:p>
         </p:txBody>
       </p:sp>
@@ -10924,7 +10578,7 @@
 </file>
 
 <file path=ppt/slides/slide22.xml><?xml version="1.0" encoding="utf-8"?>
-<p:sld xmlns:a="http://schemas.openxmlformats.org/drawingml/2006/main" xmlns:r="http://schemas.openxmlformats.org/officeDocument/2006/relationships" xmlns:mc="http://schemas.openxmlformats.org/markup-compatibility/2006" xmlns:mv="urn:schemas-microsoft-com:mac:vml" xmlns:p="http://schemas.openxmlformats.org/presentationml/2006/main" mc:Ignorable="mv" mc:PreserveAttributes="mv:*">
+<p:sld xmlns:a="http://schemas.openxmlformats.org/drawingml/2006/main" xmlns:r="http://schemas.openxmlformats.org/officeDocument/2006/relationships" xmlns:p="http://schemas.openxmlformats.org/presentationml/2006/main">
   <p:cSld>
     <p:spTree>
       <p:nvGrpSpPr>
@@ -11020,7 +10674,7 @@
           <a:lstStyle/>
           <a:p>
             <a:r>
-              <a:rPr lang="en-US" sz="1600" dirty="0" smtClean="0">
+              <a:rPr lang="en-US" sz="1600" dirty="0">
                 <a:solidFill>
                   <a:schemeClr val="accent6">
                     <a:lumMod val="75000"/>
@@ -11032,7 +10686,7 @@
           </a:p>
           <a:p>
             <a:r>
-              <a:rPr lang="en-US" sz="1600" dirty="0" smtClean="0">
+              <a:rPr lang="en-US" sz="1600" dirty="0">
                 <a:solidFill>
                   <a:schemeClr val="accent6">
                     <a:lumMod val="75000"/>
@@ -11041,13 +10695,6 @@
               </a:rPr>
               <a:t>shock in the Riverside market</a:t>
             </a:r>
-            <a:endParaRPr lang="en-US" sz="1600" dirty="0">
-              <a:solidFill>
-                <a:schemeClr val="accent6">
-                  <a:lumMod val="75000"/>
-                </a:schemeClr>
-              </a:solidFill>
-            </a:endParaRPr>
           </a:p>
         </p:txBody>
       </p:sp>
@@ -11074,44 +10721,23 @@
           <a:lstStyle/>
           <a:p>
             <a:r>
-              <a:rPr lang="en-US" sz="1600" dirty="0" smtClean="0">
+              <a:rPr lang="en-US" sz="1600" dirty="0">
                 <a:solidFill>
                   <a:srgbClr val="3366FF"/>
                 </a:solidFill>
               </a:rPr>
-              <a:t>Riverside </a:t>
-            </a:r>
-            <a:r>
-              <a:rPr lang="en-US" sz="1600" dirty="0" smtClean="0">
+              <a:t>Riverside market effect from</a:t>
+            </a:r>
+          </a:p>
+          <a:p>
+            <a:r>
+              <a:rPr lang="en-US" sz="1600" dirty="0">
                 <a:solidFill>
                   <a:srgbClr val="3366FF"/>
                 </a:solidFill>
               </a:rPr>
-              <a:t>m</a:t>
-            </a:r>
-            <a:r>
-              <a:rPr lang="en-US" sz="1600" dirty="0" smtClean="0">
-                <a:solidFill>
-                  <a:srgbClr val="3366FF"/>
-                </a:solidFill>
-              </a:rPr>
-              <a:t>arket effect from</a:t>
-            </a:r>
-          </a:p>
-          <a:p>
-            <a:r>
-              <a:rPr lang="en-US" sz="1600" dirty="0" smtClean="0">
-                <a:solidFill>
-                  <a:srgbClr val="3366FF"/>
-                </a:solidFill>
-              </a:rPr>
               <a:t>a shock in the LA market</a:t>
             </a:r>
-            <a:endParaRPr lang="en-US" sz="1600" dirty="0">
-              <a:solidFill>
-                <a:srgbClr val="3366FF"/>
-              </a:solidFill>
-            </a:endParaRPr>
           </a:p>
         </p:txBody>
       </p:sp>
@@ -11138,26 +10764,13 @@
           <a:lstStyle/>
           <a:p>
             <a:r>
-              <a:rPr lang="en-US" dirty="0" smtClean="0">
+              <a:rPr lang="en-US" dirty="0">
                 <a:solidFill>
                   <a:srgbClr val="3366FF"/>
                 </a:solidFill>
               </a:rPr>
-              <a:t>L</a:t>
-            </a:r>
-            <a:r>
-              <a:rPr lang="en-US" dirty="0" smtClean="0">
-                <a:solidFill>
-                  <a:srgbClr val="3366FF"/>
-                </a:solidFill>
-              </a:rPr>
-              <a:t>arge</a:t>
-            </a:r>
-            <a:endParaRPr lang="en-US" dirty="0">
-              <a:solidFill>
-                <a:srgbClr val="3366FF"/>
-              </a:solidFill>
-            </a:endParaRPr>
+              <a:t>Large</a:t>
+            </a:r>
           </a:p>
         </p:txBody>
       </p:sp>
@@ -11255,7 +10868,7 @@
           <a:lstStyle/>
           <a:p>
             <a:r>
-              <a:rPr lang="en-US" dirty="0" smtClean="0">
+              <a:rPr lang="en-US" dirty="0">
                 <a:solidFill>
                   <a:schemeClr val="accent6">
                     <a:lumMod val="75000"/>
@@ -11264,13 +10877,6 @@
               </a:rPr>
               <a:t>Small</a:t>
             </a:r>
-            <a:endParaRPr lang="en-US" dirty="0">
-              <a:solidFill>
-                <a:schemeClr val="accent6">
-                  <a:lumMod val="75000"/>
-                </a:schemeClr>
-              </a:solidFill>
-            </a:endParaRPr>
           </a:p>
         </p:txBody>
       </p:sp>
@@ -11315,7 +10921,7 @@
               <a:defRPr/>
             </a:pPr>
             <a:r>
-              <a:rPr kumimoji="0" lang="en-US" sz="4400" b="0" i="0" u="none" strike="noStrike" kern="1200" cap="none" spc="0" normalizeH="0" baseline="0" noProof="0" dirty="0" smtClean="0">
+              <a:rPr kumimoji="0" lang="en-US" sz="4400" b="0" i="0" u="none" strike="noStrike" kern="1200" cap="none" spc="0" normalizeH="0" baseline="0" noProof="0" dirty="0">
                 <a:ln>
                   <a:noFill/>
                 </a:ln>
@@ -11335,7 +10941,7 @@
               <a:t>Impulse-Response</a:t>
             </a:r>
             <a:r>
-              <a:rPr kumimoji="0" lang="en-US" sz="4400" b="0" i="0" u="none" strike="noStrike" kern="1200" cap="none" spc="0" normalizeH="0" noProof="0" dirty="0" smtClean="0">
+              <a:rPr kumimoji="0" lang="en-US" sz="4400" b="0" i="0" u="none" strike="noStrike" kern="1200" cap="none" spc="0" normalizeH="0" noProof="0" dirty="0">
                 <a:ln>
                   <a:noFill/>
                 </a:ln>
@@ -11376,18 +10982,11 @@
   <p:clrMapOvr>
     <a:masterClrMapping/>
   </p:clrMapOvr>
-  <p:timing>
-    <p:tnLst>
-      <p:par>
-        <p:cTn id="1" dur="indefinite" restart="never" nodeType="tmRoot"/>
-      </p:par>
-    </p:tnLst>
-  </p:timing>
 </p:sld>
 </file>
 
 <file path=ppt/slides/slide23.xml><?xml version="1.0" encoding="utf-8"?>
-<p:sld xmlns:a="http://schemas.openxmlformats.org/drawingml/2006/main" xmlns:r="http://schemas.openxmlformats.org/officeDocument/2006/relationships" xmlns:mc="http://schemas.openxmlformats.org/markup-compatibility/2006" xmlns:mv="urn:schemas-microsoft-com:mac:vml" xmlns:p="http://schemas.openxmlformats.org/presentationml/2006/main" mc:Ignorable="mv" mc:PreserveAttributes="mv:*">
+<p:sld xmlns:a="http://schemas.openxmlformats.org/drawingml/2006/main" xmlns:r="http://schemas.openxmlformats.org/officeDocument/2006/relationships" xmlns:p="http://schemas.openxmlformats.org/presentationml/2006/main">
   <p:cSld>
     <p:spTree>
       <p:nvGrpSpPr>
@@ -11468,8 +11067,8 @@
           </p:cNvPicPr>
           <p:nvPr/>
         </p:nvPicPr>
-        <mc:AlternateContent>
-          <mc:Choice xmlns:ma="http://schemas.microsoft.com/office/mac/drawingml/2008/main" Requires="ma">
+        <mc:AlternateContent xmlns:mc="http://schemas.openxmlformats.org/markup-compatibility/2006">
+          <mc:Choice xmlns:ma="http://schemas.microsoft.com/office/mac/drawingml/2008/main" xmlns:mv="urn:schemas-microsoft-com:mac:vml" xmlns="" Requires="ma">
             <p:blipFill>
               <a:blip r:embed="rId3"/>
               <a:stretch>
@@ -11511,8 +11110,8 @@
           </p:cNvPicPr>
           <p:nvPr/>
         </p:nvPicPr>
-        <mc:AlternateContent>
-          <mc:Choice xmlns:ma="http://schemas.microsoft.com/office/mac/drawingml/2008/main" Requires="ma">
+        <mc:AlternateContent xmlns:mc="http://schemas.openxmlformats.org/markup-compatibility/2006">
+          <mc:Choice xmlns:ma="http://schemas.microsoft.com/office/mac/drawingml/2008/main" xmlns:mv="urn:schemas-microsoft-com:mac:vml" xmlns="" Requires="ma">
             <p:blipFill>
               <a:blip r:embed="rId5"/>
               <a:stretch>
@@ -11552,8 +11151,8 @@
           </p:cNvPicPr>
           <p:nvPr/>
         </p:nvPicPr>
-        <mc:AlternateContent>
-          <mc:Choice xmlns:ma="http://schemas.microsoft.com/office/mac/drawingml/2008/main" Requires="ma">
+        <mc:AlternateContent xmlns:mc="http://schemas.openxmlformats.org/markup-compatibility/2006">
+          <mc:Choice xmlns:ma="http://schemas.microsoft.com/office/mac/drawingml/2008/main" xmlns:mv="urn:schemas-microsoft-com:mac:vml" xmlns="" Requires="ma">
             <p:blipFill>
               <a:blip r:embed="rId7"/>
               <a:stretch>
@@ -11595,8 +11194,8 @@
           </p:cNvPicPr>
           <p:nvPr/>
         </p:nvPicPr>
-        <mc:AlternateContent>
-          <mc:Choice xmlns:ma="http://schemas.microsoft.com/office/mac/drawingml/2008/main" Requires="ma">
+        <mc:AlternateContent xmlns:mc="http://schemas.openxmlformats.org/markup-compatibility/2006">
+          <mc:Choice xmlns:ma="http://schemas.microsoft.com/office/mac/drawingml/2008/main" xmlns:mv="urn:schemas-microsoft-com:mac:vml" xmlns="" Requires="ma">
             <p:blipFill>
               <a:blip r:embed="rId9"/>
               <a:stretch>
@@ -11635,18 +11234,11 @@
   <p:clrMapOvr>
     <a:masterClrMapping/>
   </p:clrMapOvr>
-  <p:timing>
-    <p:tnLst>
-      <p:par>
-        <p:cTn id="1" dur="indefinite" restart="never" nodeType="tmRoot"/>
-      </p:par>
-    </p:tnLst>
-  </p:timing>
 </p:sld>
 </file>
 
 <file path=ppt/slides/slide24.xml><?xml version="1.0" encoding="utf-8"?>
-<p:sld xmlns:a="http://schemas.openxmlformats.org/drawingml/2006/main" xmlns:r="http://schemas.openxmlformats.org/officeDocument/2006/relationships" xmlns:mc="http://schemas.openxmlformats.org/markup-compatibility/2006" xmlns:mv="urn:schemas-microsoft-com:mac:vml" xmlns:p="http://schemas.openxmlformats.org/presentationml/2006/main" mc:Ignorable="mv" mc:PreserveAttributes="mv:*">
+<p:sld xmlns:a="http://schemas.openxmlformats.org/drawingml/2006/main" xmlns:r="http://schemas.openxmlformats.org/officeDocument/2006/relationships" xmlns:p="http://schemas.openxmlformats.org/presentationml/2006/main">
   <p:cSld>
     <p:spTree>
       <p:nvGrpSpPr>
@@ -11680,7 +11272,7 @@
           <a:lstStyle/>
           <a:p>
             <a:r>
-              <a:rPr lang="en-US" dirty="0" smtClean="0">
+              <a:rPr lang="en-US" dirty="0">
                 <a:solidFill>
                   <a:schemeClr val="tx2">
                     <a:lumMod val="60000"/>
@@ -11691,7 +11283,7 @@
               <a:t>VAR Example 2</a:t>
             </a:r>
             <a:br>
-              <a:rPr lang="en-US" dirty="0" smtClean="0">
+              <a:rPr lang="en-US" dirty="0">
                 <a:solidFill>
                   <a:schemeClr val="tx2">
                     <a:lumMod val="60000"/>
@@ -11701,7 +11293,7 @@
               </a:rPr>
             </a:br>
             <a:r>
-              <a:rPr lang="en-US" dirty="0" smtClean="0">
+              <a:rPr lang="en-US" dirty="0">
                 <a:solidFill>
                   <a:schemeClr val="tx2">
                     <a:lumMod val="60000"/>
@@ -11825,18 +11417,11 @@
   <p:clrMapOvr>
     <a:masterClrMapping/>
   </p:clrMapOvr>
-  <p:timing>
-    <p:tnLst>
-      <p:par>
-        <p:cTn id="1" dur="indefinite" restart="never" nodeType="tmRoot"/>
-      </p:par>
-    </p:tnLst>
-  </p:timing>
 </p:sld>
 </file>
 
 <file path=ppt/slides/slide25.xml><?xml version="1.0" encoding="utf-8"?>
-<p:sld xmlns:a="http://schemas.openxmlformats.org/drawingml/2006/main" xmlns:r="http://schemas.openxmlformats.org/officeDocument/2006/relationships" xmlns:mc="http://schemas.openxmlformats.org/markup-compatibility/2006" xmlns:mv="urn:schemas-microsoft-com:mac:vml" xmlns:p="http://schemas.openxmlformats.org/presentationml/2006/main" mc:Ignorable="mv" mc:PreserveAttributes="mv:*">
+<p:sld xmlns:a="http://schemas.openxmlformats.org/drawingml/2006/main" xmlns:r="http://schemas.openxmlformats.org/officeDocument/2006/relationships" xmlns:p="http://schemas.openxmlformats.org/presentationml/2006/main">
   <p:cSld>
     <p:spTree>
       <p:nvGrpSpPr>
@@ -11868,7 +11453,7 @@
           <a:lstStyle/>
           <a:p>
             <a:r>
-              <a:rPr lang="en-US" dirty="0" smtClean="0">
+              <a:rPr lang="en-US" dirty="0">
                 <a:solidFill>
                   <a:schemeClr val="tx2">
                     <a:lumMod val="60000"/>
@@ -11900,7 +11485,7 @@
           <a:lstStyle/>
           <a:p>
             <a:r>
-              <a:rPr lang="en-US" dirty="0" smtClean="0"/>
+              <a:rPr lang="en-US" dirty="0"/>
               <a:t>Readings about today’s class: </a:t>
             </a:r>
           </a:p>
@@ -11909,11 +11494,11 @@
               <a:buNone/>
             </a:pPr>
             <a:r>
-              <a:rPr lang="en-US" dirty="0" smtClean="0"/>
+              <a:rPr lang="en-US" dirty="0"/>
               <a:t>    </a:t>
             </a:r>
             <a:r>
-              <a:rPr lang="en-US" dirty="0" smtClean="0">
+              <a:rPr lang="en-US" dirty="0">
                 <a:solidFill>
                   <a:schemeClr val="tx1">
                     <a:lumMod val="65000"/>
@@ -11924,7 +11509,7 @@
               <a:t>Chapter 11</a:t>
             </a:r>
             <a:r>
-              <a:rPr lang="en-US" baseline="30000" dirty="0" smtClean="0">
+              <a:rPr lang="en-US" baseline="30000" dirty="0">
                 <a:solidFill>
                   <a:schemeClr val="tx1">
                     <a:lumMod val="65000"/>
@@ -11935,7 +11520,7 @@
               <a:t>a</a:t>
             </a:r>
             <a:r>
-              <a:rPr lang="en-US" dirty="0" smtClean="0">
+              <a:rPr lang="en-US" dirty="0">
                 <a:solidFill>
                   <a:schemeClr val="tx1">
                     <a:lumMod val="65000"/>
@@ -11946,7 +11531,7 @@
               <a:t>, 11</a:t>
             </a:r>
             <a:r>
-              <a:rPr lang="en-US" baseline="30000" dirty="0" smtClean="0">
+              <a:rPr lang="en-US" baseline="30000" dirty="0">
                 <a:solidFill>
                   <a:schemeClr val="tx1">
                     <a:lumMod val="65000"/>
@@ -11962,7 +11547,7 @@
               <a:buNone/>
             </a:pPr>
             <a:r>
-              <a:rPr lang="en-US" dirty="0" smtClean="0">
+              <a:rPr lang="en-US" dirty="0">
                 <a:solidFill>
                   <a:schemeClr val="tx1">
                     <a:lumMod val="65000"/>
@@ -11972,7 +11557,7 @@
               </a:rPr>
               <a:t>    </a:t>
             </a:r>
-            <a:endParaRPr lang="en-US" sz="2162" dirty="0" smtClean="0">
+            <a:endParaRPr lang="en-US" sz="2162" dirty="0">
               <a:solidFill>
                 <a:schemeClr val="tx1">
                   <a:lumMod val="65000"/>
@@ -11985,7 +11570,7 @@
           </a:p>
           <a:p>
             <a:r>
-              <a:rPr lang="en-US" dirty="0" smtClean="0"/>
+              <a:rPr lang="en-US" dirty="0"/>
               <a:t>Review Exercises / Problems: </a:t>
             </a:r>
           </a:p>
@@ -11994,11 +11579,11 @@
               <a:buNone/>
             </a:pPr>
             <a:r>
-              <a:rPr lang="en-US" dirty="0" smtClean="0"/>
+              <a:rPr lang="en-US" dirty="0"/>
               <a:t>   </a:t>
             </a:r>
             <a:r>
-              <a:rPr lang="en-US" dirty="0" smtClean="0">
+              <a:rPr lang="en-US" dirty="0">
                 <a:solidFill>
                   <a:schemeClr val="tx1">
                     <a:lumMod val="65000"/>
@@ -12009,7 +11594,7 @@
               <a:t>Chapter 11</a:t>
             </a:r>
             <a:r>
-              <a:rPr lang="en-US" baseline="30000" dirty="0" smtClean="0">
+              <a:rPr lang="en-US" baseline="30000" dirty="0">
                 <a:solidFill>
                   <a:schemeClr val="tx1">
                     <a:lumMod val="65000"/>
@@ -12020,7 +11605,7 @@
               <a:t>b</a:t>
             </a:r>
             <a:r>
-              <a:rPr lang="en-US" dirty="0" smtClean="0">
+              <a:rPr lang="en-US" dirty="0">
                 <a:solidFill>
                   <a:schemeClr val="tx1">
                     <a:lumMod val="65000"/>
@@ -12036,7 +11621,7 @@
               <a:buNone/>
             </a:pPr>
             <a:r>
-              <a:rPr lang="en-US" dirty="0" smtClean="0">
+              <a:rPr lang="en-US" dirty="0">
                 <a:solidFill>
                   <a:schemeClr val="tx1">
                     <a:lumMod val="65000"/>
@@ -12046,11 +11631,11 @@
               </a:rPr>
               <a:t>   </a:t>
             </a:r>
-            <a:endParaRPr lang="en-US" dirty="0" smtClean="0"/>
-          </a:p>
-          <a:p>
-            <a:r>
-              <a:rPr lang="en-US" dirty="0" smtClean="0"/>
+            <a:endParaRPr lang="en-US" dirty="0"/>
+          </a:p>
+          <a:p>
+            <a:r>
+              <a:rPr lang="en-US" dirty="0"/>
               <a:t>Readings for next class: </a:t>
             </a:r>
           </a:p>
@@ -12059,11 +11644,11 @@
               <a:buNone/>
             </a:pPr>
             <a:r>
-              <a:rPr lang="en-US" dirty="0" smtClean="0"/>
+              <a:rPr lang="en-US" dirty="0"/>
               <a:t>    </a:t>
             </a:r>
             <a:r>
-              <a:rPr lang="en-US" dirty="0" smtClean="0">
+              <a:rPr lang="en-US" dirty="0">
                 <a:solidFill>
                   <a:schemeClr val="tx1">
                     <a:lumMod val="65000"/>
@@ -12074,7 +11659,7 @@
               <a:t>Chapter 12</a:t>
             </a:r>
             <a:r>
-              <a:rPr lang="en-US" baseline="30000" dirty="0" smtClean="0">
+              <a:rPr lang="en-US" baseline="30000" dirty="0">
                 <a:solidFill>
                   <a:schemeClr val="tx1">
                     <a:lumMod val="65000"/>
@@ -12085,7 +11670,7 @@
               <a:t>a</a:t>
             </a:r>
             <a:r>
-              <a:rPr lang="en-US" dirty="0" smtClean="0">
+              <a:rPr lang="en-US" dirty="0">
                 <a:solidFill>
                   <a:schemeClr val="tx1">
                     <a:lumMod val="65000"/>
@@ -12096,7 +11681,7 @@
               <a:t>, 12</a:t>
             </a:r>
             <a:r>
-              <a:rPr lang="en-US" baseline="30000" dirty="0" smtClean="0">
+              <a:rPr lang="en-US" baseline="30000" dirty="0">
                 <a:solidFill>
                   <a:schemeClr val="tx1">
                     <a:lumMod val="65000"/>
@@ -12106,14 +11691,6 @@
               </a:rPr>
               <a:t>b</a:t>
             </a:r>
-            <a:endParaRPr lang="en-US" baseline="30000" dirty="0">
-              <a:solidFill>
-                <a:schemeClr val="tx1">
-                  <a:lumMod val="65000"/>
-                  <a:lumOff val="35000"/>
-                </a:schemeClr>
-              </a:solidFill>
-            </a:endParaRPr>
           </a:p>
         </p:txBody>
       </p:sp>
@@ -12146,18 +11723,11 @@
   <p:clrMapOvr>
     <a:masterClrMapping/>
   </p:clrMapOvr>
-  <p:timing>
-    <p:tnLst>
-      <p:par>
-        <p:cTn id="1" dur="indefinite" restart="never" nodeType="tmRoot"/>
-      </p:par>
-    </p:tnLst>
-  </p:timing>
 </p:sld>
 </file>
 
 <file path=ppt/slides/slide3.xml><?xml version="1.0" encoding="utf-8"?>
-<p:sld xmlns:a="http://schemas.openxmlformats.org/drawingml/2006/main" xmlns:r="http://schemas.openxmlformats.org/officeDocument/2006/relationships" xmlns:mc="http://schemas.openxmlformats.org/markup-compatibility/2006" xmlns:mv="urn:schemas-microsoft-com:mac:vml" xmlns:p="http://schemas.openxmlformats.org/presentationml/2006/main" mc:Ignorable="mv" mc:PreserveAttributes="mv:*">
+<p:sld xmlns:a="http://schemas.openxmlformats.org/drawingml/2006/main" xmlns:r="http://schemas.openxmlformats.org/officeDocument/2006/relationships" xmlns:p="http://schemas.openxmlformats.org/presentationml/2006/main">
   <p:cSld>
     <p:spTree>
       <p:nvGrpSpPr>
@@ -12189,7 +11759,7 @@
           <a:lstStyle/>
           <a:p>
             <a:r>
-              <a:rPr lang="en-US" dirty="0" err="1" smtClean="0">
+              <a:rPr lang="en-US" dirty="0" err="1">
                 <a:solidFill>
                   <a:schemeClr val="tx2">
                     <a:lumMod val="60000"/>
@@ -12200,7 +11770,7 @@
               <a:t>VAR(p</a:t>
             </a:r>
             <a:r>
-              <a:rPr lang="en-US" dirty="0" smtClean="0">
+              <a:rPr lang="en-US" dirty="0">
                 <a:solidFill>
                   <a:schemeClr val="tx2">
                     <a:lumMod val="60000"/>
@@ -12210,14 +11780,6 @@
               </a:rPr>
               <a:t>) Algorithm</a:t>
             </a:r>
-            <a:endParaRPr lang="en-US" dirty="0">
-              <a:solidFill>
-                <a:schemeClr val="tx2">
-                  <a:lumMod val="60000"/>
-                  <a:lumOff val="40000"/>
-                </a:schemeClr>
-              </a:solidFill>
-            </a:endParaRPr>
           </a:p>
         </p:txBody>
       </p:sp>
@@ -12239,7 +11801,7 @@
           <a:lstStyle/>
           <a:p>
             <a:r>
-              <a:rPr lang="en-US" dirty="0" smtClean="0">
+              <a:rPr lang="en-US" dirty="0">
                 <a:solidFill>
                   <a:schemeClr val="accent6">
                     <a:lumMod val="75000"/>
@@ -12249,7 +11811,7 @@
               <a:t>Q</a:t>
             </a:r>
             <a:r>
-              <a:rPr lang="en-US" dirty="0" smtClean="0">
+              <a:rPr lang="en-US" dirty="0">
                 <a:solidFill>
                   <a:schemeClr val="tx1">
                     <a:lumMod val="65000"/>
@@ -12260,7 +11822,7 @@
               <a:t>: How to determine the order </a:t>
             </a:r>
             <a:r>
-              <a:rPr lang="en-US" dirty="0" err="1" smtClean="0">
+              <a:rPr lang="en-US" dirty="0" err="1">
                 <a:solidFill>
                   <a:schemeClr val="tx1">
                     <a:lumMod val="65000"/>
@@ -12271,7 +11833,7 @@
               <a:t>p</a:t>
             </a:r>
             <a:r>
-              <a:rPr lang="en-US" dirty="0" smtClean="0">
+              <a:rPr lang="en-US" dirty="0">
                 <a:solidFill>
                   <a:schemeClr val="tx1">
                     <a:lumMod val="65000"/>
@@ -12284,7 +11846,7 @@
           </a:p>
           <a:p>
             <a:r>
-              <a:rPr lang="en-US" dirty="0" smtClean="0">
+              <a:rPr lang="en-US" dirty="0">
                 <a:solidFill>
                   <a:srgbClr val="E46C0A"/>
                 </a:solidFill>
@@ -12292,7 +11854,7 @@
               <a:t>Solution</a:t>
             </a:r>
             <a:r>
-              <a:rPr lang="en-US" dirty="0" smtClean="0">
+              <a:rPr lang="en-US" dirty="0">
                 <a:solidFill>
                   <a:schemeClr val="tx1">
                     <a:lumMod val="65000"/>
@@ -12306,7 +11868,7 @@
           <a:p>
             <a:pPr lvl="1"/>
             <a:r>
-              <a:rPr lang="en-US" dirty="0" smtClean="0">
+              <a:rPr lang="en-US" dirty="0">
                 <a:solidFill>
                   <a:schemeClr val="tx1">
                     <a:lumMod val="65000"/>
@@ -12317,7 +11879,7 @@
               <a:t>Start with </a:t>
             </a:r>
             <a:r>
-              <a:rPr lang="en-US" dirty="0" err="1" smtClean="0">
+              <a:rPr lang="en-US" dirty="0" err="1">
                 <a:solidFill>
                   <a:schemeClr val="tx1">
                     <a:lumMod val="65000"/>
@@ -12328,7 +11890,7 @@
               <a:t>p</a:t>
             </a:r>
             <a:r>
-              <a:rPr lang="en-US" dirty="0" smtClean="0">
+              <a:rPr lang="en-US" dirty="0">
                 <a:solidFill>
                   <a:schemeClr val="tx1">
                     <a:lumMod val="65000"/>
@@ -12342,7 +11904,7 @@
           <a:p>
             <a:pPr lvl="1"/>
             <a:r>
-              <a:rPr lang="en-US" dirty="0" smtClean="0">
+              <a:rPr lang="en-US" dirty="0">
                 <a:solidFill>
                   <a:schemeClr val="tx1">
                     <a:lumMod val="65000"/>
@@ -12353,7 +11915,7 @@
               <a:t>Continue with </a:t>
             </a:r>
             <a:r>
-              <a:rPr lang="en-US" dirty="0" err="1" smtClean="0">
+              <a:rPr lang="en-US" dirty="0" err="1">
                 <a:solidFill>
                   <a:schemeClr val="tx1">
                     <a:lumMod val="65000"/>
@@ -12364,7 +11926,7 @@
               <a:t>p</a:t>
             </a:r>
             <a:r>
-              <a:rPr lang="en-US" dirty="0" smtClean="0">
+              <a:rPr lang="en-US" dirty="0">
                 <a:solidFill>
                   <a:schemeClr val="tx1">
                     <a:lumMod val="65000"/>
@@ -12372,10 +11934,13 @@
                   </a:schemeClr>
                 </a:solidFill>
               </a:rPr>
-              <a:t>=2, and keep the </a:t>
-            </a:r>
-            <a:r>
-              <a:rPr lang="en-US" dirty="0" smtClean="0">
+              <a:t>=2, and keep the one with lowest AIC and BIC </a:t>
+            </a:r>
+          </a:p>
+          <a:p>
+            <a:pPr lvl="1"/>
+            <a:r>
+              <a:rPr lang="en-US" dirty="0">
                 <a:solidFill>
                   <a:schemeClr val="tx1">
                     <a:lumMod val="65000"/>
@@ -12383,21 +11948,10 @@
                   </a:schemeClr>
                 </a:solidFill>
               </a:rPr>
-              <a:t>one with lowest AIC and BIC </a:t>
-            </a:r>
-            <a:endParaRPr lang="en-US" dirty="0" smtClean="0">
-              <a:solidFill>
-                <a:schemeClr val="tx1">
-                  <a:lumMod val="65000"/>
-                  <a:lumOff val="35000"/>
-                </a:schemeClr>
-              </a:solidFill>
-            </a:endParaRPr>
-          </a:p>
-          <a:p>
-            <a:pPr lvl="1"/>
-            <a:r>
-              <a:rPr lang="en-US" dirty="0" smtClean="0">
+              <a:t>Continue with </a:t>
+            </a:r>
+            <a:r>
+              <a:rPr lang="en-US" dirty="0" err="1">
                 <a:solidFill>
                   <a:schemeClr val="tx1">
                     <a:lumMod val="65000"/>
@@ -12405,10 +11959,10 @@
                   </a:schemeClr>
                 </a:solidFill>
               </a:rPr>
-              <a:t>Continue with </a:t>
-            </a:r>
-            <a:r>
-              <a:rPr lang="en-US" dirty="0" err="1" smtClean="0">
+              <a:t>p</a:t>
+            </a:r>
+            <a:r>
+              <a:rPr lang="en-US" dirty="0">
                 <a:solidFill>
                   <a:schemeClr val="tx1">
                     <a:lumMod val="65000"/>
@@ -12416,10 +11970,13 @@
                   </a:schemeClr>
                 </a:solidFill>
               </a:rPr>
-              <a:t>p</a:t>
-            </a:r>
-            <a:r>
-              <a:rPr lang="en-US" dirty="0" smtClean="0">
+              <a:t>= 3, 4, …</a:t>
+            </a:r>
+          </a:p>
+          <a:p>
+            <a:pPr lvl="1"/>
+            <a:r>
+              <a:rPr lang="en-US" dirty="0">
                 <a:solidFill>
                   <a:schemeClr val="tx1">
                     <a:lumMod val="65000"/>
@@ -12427,13 +11984,10 @@
                   </a:schemeClr>
                 </a:solidFill>
               </a:rPr>
-              <a:t>= 3, 4, …</a:t>
-            </a:r>
-          </a:p>
-          <a:p>
-            <a:pPr lvl="1"/>
-            <a:r>
-              <a:rPr lang="en-US" dirty="0" smtClean="0">
+              <a:t>After a certain value of </a:t>
+            </a:r>
+            <a:r>
+              <a:rPr lang="en-US" dirty="0" err="1">
                 <a:solidFill>
                   <a:schemeClr val="tx1">
                     <a:lumMod val="65000"/>
@@ -12441,10 +11995,10 @@
                   </a:schemeClr>
                 </a:solidFill>
               </a:rPr>
-              <a:t>After a certain value of </a:t>
-            </a:r>
-            <a:r>
-              <a:rPr lang="en-US" dirty="0" err="1" smtClean="0">
+              <a:t>p</a:t>
+            </a:r>
+            <a:r>
+              <a:rPr lang="en-US" dirty="0">
                 <a:solidFill>
                   <a:schemeClr val="tx1">
                     <a:lumMod val="65000"/>
@@ -12452,27 +12006,8 @@
                   </a:schemeClr>
                 </a:solidFill>
               </a:rPr>
-              <a:t>p</a:t>
-            </a:r>
-            <a:r>
-              <a:rPr lang="en-US" dirty="0" smtClean="0">
-                <a:solidFill>
-                  <a:schemeClr val="tx1">
-                    <a:lumMod val="65000"/>
-                    <a:lumOff val="35000"/>
-                  </a:schemeClr>
-                </a:solidFill>
-              </a:rPr>
               <a:t>, AIC &amp; BIC will worsen, therefore, decide on the model with lowest overall AIC and BIC.</a:t>
             </a:r>
-            <a:endParaRPr lang="en-US" dirty="0">
-              <a:solidFill>
-                <a:schemeClr val="tx1">
-                  <a:lumMod val="65000"/>
-                  <a:lumOff val="35000"/>
-                </a:schemeClr>
-              </a:solidFill>
-            </a:endParaRPr>
           </a:p>
         </p:txBody>
       </p:sp>
@@ -12505,18 +12040,11 @@
   <p:clrMapOvr>
     <a:masterClrMapping/>
   </p:clrMapOvr>
-  <p:timing>
-    <p:tnLst>
-      <p:par>
-        <p:cTn id="1" dur="indefinite" restart="never" nodeType="tmRoot"/>
-      </p:par>
-    </p:tnLst>
-  </p:timing>
 </p:sld>
 </file>
 
 <file path=ppt/slides/slide4.xml><?xml version="1.0" encoding="utf-8"?>
-<p:sld xmlns:a="http://schemas.openxmlformats.org/drawingml/2006/main" xmlns:r="http://schemas.openxmlformats.org/officeDocument/2006/relationships" xmlns:mc="http://schemas.openxmlformats.org/markup-compatibility/2006" xmlns:mv="urn:schemas-microsoft-com:mac:vml" xmlns:p="http://schemas.openxmlformats.org/presentationml/2006/main" mc:Ignorable="mv" mc:PreserveAttributes="mv:*">
+<p:sld xmlns:a="http://schemas.openxmlformats.org/drawingml/2006/main" xmlns:r="http://schemas.openxmlformats.org/officeDocument/2006/relationships" xmlns:p="http://schemas.openxmlformats.org/presentationml/2006/main">
   <p:cSld>
     <p:spTree>
       <p:nvGrpSpPr>
@@ -12550,7 +12078,7 @@
           <a:lstStyle/>
           <a:p>
             <a:r>
-              <a:rPr lang="en-US" dirty="0" smtClean="0">
+              <a:rPr lang="en-US" dirty="0">
                 <a:solidFill>
                   <a:schemeClr val="tx2">
                     <a:lumMod val="60000"/>
@@ -12561,7 +12089,7 @@
               <a:t>VAR Example 1</a:t>
             </a:r>
             <a:br>
-              <a:rPr lang="en-US" dirty="0" smtClean="0">
+              <a:rPr lang="en-US" dirty="0">
                 <a:solidFill>
                   <a:schemeClr val="tx2">
                     <a:lumMod val="60000"/>
@@ -12571,7 +12099,7 @@
               </a:rPr>
             </a:br>
             <a:r>
-              <a:rPr lang="en-US" dirty="0" smtClean="0">
+              <a:rPr lang="en-US" dirty="0">
                 <a:solidFill>
                   <a:schemeClr val="tx2">
                     <a:lumMod val="60000"/>
@@ -12619,8 +12147,8 @@
             <p:ph idx="1"/>
           </p:nvPr>
         </p:nvPicPr>
-        <mc:AlternateContent>
-          <mc:Choice xmlns:ma="http://schemas.microsoft.com/office/mac/drawingml/2008/main" Requires="ma">
+        <mc:AlternateContent xmlns:mc="http://schemas.openxmlformats.org/markup-compatibility/2006">
+          <mc:Choice xmlns:ma="http://schemas.microsoft.com/office/mac/drawingml/2008/main" xmlns:mv="urn:schemas-microsoft-com:mac:vml" xmlns="" Requires="ma">
             <p:blipFill>
               <a:blip r:embed="rId2"/>
               <a:srcRect l="6424" t="19829" r="11266" b="21556"/>
@@ -12683,7 +12211,7 @@
             <a:lstStyle/>
             <a:p>
               <a:r>
-                <a:rPr lang="en-US" dirty="0" smtClean="0">
+                <a:rPr lang="en-US" dirty="0">
                   <a:solidFill>
                     <a:srgbClr val="6A5ACD"/>
                   </a:solidFill>
@@ -12789,18 +12317,13 @@
             <a:lstStyle/>
             <a:p>
               <a:r>
-                <a:rPr lang="en-US" dirty="0" smtClean="0">
+                <a:rPr lang="en-US" dirty="0">
                   <a:solidFill>
                     <a:srgbClr val="B22222"/>
                   </a:solidFill>
                 </a:rPr>
                 <a:t>Expansion</a:t>
               </a:r>
-              <a:endParaRPr lang="en-US" dirty="0">
-                <a:solidFill>
-                  <a:srgbClr val="B22222"/>
-                </a:solidFill>
-              </a:endParaRPr>
             </a:p>
           </p:txBody>
         </p:sp>
@@ -12827,18 +12350,13 @@
             <a:lstStyle/>
             <a:p>
               <a:r>
-                <a:rPr lang="en-US" dirty="0" smtClean="0">
+                <a:rPr lang="en-US" dirty="0">
                   <a:solidFill>
                     <a:srgbClr val="B22222"/>
                   </a:solidFill>
                 </a:rPr>
                 <a:t>Contraction</a:t>
               </a:r>
-              <a:endParaRPr lang="en-US" dirty="0">
-                <a:solidFill>
-                  <a:srgbClr val="B22222"/>
-                </a:solidFill>
-              </a:endParaRPr>
             </a:p>
           </p:txBody>
         </p:sp>
@@ -12927,7 +12445,7 @@
 </file>
 
 <file path=ppt/slides/slide5.xml><?xml version="1.0" encoding="utf-8"?>
-<p:sld xmlns:a="http://schemas.openxmlformats.org/drawingml/2006/main" xmlns:r="http://schemas.openxmlformats.org/officeDocument/2006/relationships" xmlns:mc="http://schemas.openxmlformats.org/markup-compatibility/2006" xmlns:mv="urn:schemas-microsoft-com:mac:vml" xmlns:p="http://schemas.openxmlformats.org/presentationml/2006/main" mc:Ignorable="mv" mc:PreserveAttributes="mv:*">
+<p:sld xmlns:a="http://schemas.openxmlformats.org/drawingml/2006/main" xmlns:r="http://schemas.openxmlformats.org/officeDocument/2006/relationships" xmlns:p="http://schemas.openxmlformats.org/presentationml/2006/main">
   <p:cSld>
     <p:spTree>
       <p:nvGrpSpPr>
@@ -12961,7 +12479,7 @@
           <a:lstStyle/>
           <a:p>
             <a:r>
-              <a:rPr lang="en-US" dirty="0" smtClean="0">
+              <a:rPr lang="en-US" dirty="0">
                 <a:solidFill>
                   <a:schemeClr val="tx2">
                     <a:lumMod val="60000"/>
@@ -12972,7 +12490,7 @@
               <a:t>VAR Example 1</a:t>
             </a:r>
             <a:br>
-              <a:rPr lang="en-US" dirty="0" smtClean="0">
+              <a:rPr lang="en-US" dirty="0">
                 <a:solidFill>
                   <a:schemeClr val="tx2">
                     <a:lumMod val="60000"/>
@@ -12982,7 +12500,7 @@
               </a:rPr>
             </a:br>
             <a:r>
-              <a:rPr lang="en-US" dirty="0" smtClean="0">
+              <a:rPr lang="en-US" dirty="0">
                 <a:solidFill>
                   <a:schemeClr val="tx2">
                     <a:lumMod val="60000"/>
@@ -13030,8 +12548,8 @@
             <p:ph idx="1"/>
           </p:nvPr>
         </p:nvPicPr>
-        <mc:AlternateContent>
-          <mc:Choice xmlns:ma="http://schemas.microsoft.com/office/mac/drawingml/2008/main" Requires="ma">
+        <mc:AlternateContent xmlns:mc="http://schemas.openxmlformats.org/markup-compatibility/2006">
+          <mc:Choice xmlns:ma="http://schemas.microsoft.com/office/mac/drawingml/2008/main" xmlns:mv="urn:schemas-microsoft-com:mac:vml" xmlns="" Requires="ma">
             <p:blipFill>
               <a:blip r:embed="rId2"/>
               <a:srcRect l="4003" t="13594" r="13075" b="21976"/>
@@ -13081,7 +12599,7 @@
           <a:p>
             <a:pPr algn="ctr"/>
             <a:r>
-              <a:rPr lang="en-US" sz="2400" dirty="0" smtClean="0">
+              <a:rPr lang="en-US" sz="2400" dirty="0">
                 <a:solidFill>
                   <a:schemeClr val="accent6">
                     <a:lumMod val="75000"/>
@@ -13091,7 +12609,7 @@
               <a:t>ACF </a:t>
             </a:r>
             <a:r>
-              <a:rPr lang="en-US" sz="2400" dirty="0" err="1" smtClean="0">
+              <a:rPr lang="en-US" sz="2400" dirty="0" err="1">
                 <a:solidFill>
                   <a:schemeClr val="accent6">
                     <a:lumMod val="75000"/>
@@ -13102,7 +12620,7 @@
               <a:t></a:t>
             </a:r>
             <a:r>
-              <a:rPr lang="en-US" sz="2400" dirty="0" smtClean="0">
+              <a:rPr lang="en-US" sz="2400" dirty="0">
                 <a:solidFill>
                   <a:schemeClr val="accent6">
                     <a:lumMod val="75000"/>
@@ -13115,7 +12633,7 @@
           <a:p>
             <a:pPr algn="ctr"/>
             <a:r>
-              <a:rPr lang="en-US" sz="2400" dirty="0" smtClean="0">
+              <a:rPr lang="en-US" sz="2400" dirty="0">
                 <a:solidFill>
                   <a:schemeClr val="accent6">
                     <a:lumMod val="75000"/>
@@ -13124,13 +12642,6 @@
               </a:rPr>
               <a:t> (slowly)</a:t>
             </a:r>
-            <a:endParaRPr lang="en-US" sz="2400" dirty="0">
-              <a:solidFill>
-                <a:schemeClr val="accent6">
-                  <a:lumMod val="75000"/>
-                </a:schemeClr>
-              </a:solidFill>
-            </a:endParaRPr>
           </a:p>
         </p:txBody>
       </p:sp>
@@ -13157,7 +12668,7 @@
           <a:lstStyle/>
           <a:p>
             <a:r>
-              <a:rPr lang="en-US" sz="2400" dirty="0" smtClean="0">
+              <a:rPr lang="en-US" sz="2400" dirty="0">
                 <a:solidFill>
                   <a:schemeClr val="accent6">
                     <a:lumMod val="75000"/>
@@ -13169,7 +12680,7 @@
           </a:p>
           <a:p>
             <a:r>
-              <a:rPr lang="en-US" sz="2400" dirty="0" smtClean="0">
+              <a:rPr lang="en-US" sz="2400" dirty="0">
                 <a:solidFill>
                   <a:schemeClr val="accent6">
                     <a:lumMod val="75000"/>
@@ -13181,7 +12692,7 @@
           </a:p>
           <a:p>
             <a:r>
-              <a:rPr lang="en-US" sz="2400" dirty="0" smtClean="0">
+              <a:rPr lang="en-US" sz="2400" dirty="0">
                 <a:solidFill>
                   <a:schemeClr val="accent6">
                     <a:lumMod val="75000"/>
@@ -13241,18 +12752,11 @@
   <p:clrMapOvr>
     <a:masterClrMapping/>
   </p:clrMapOvr>
-  <p:timing>
-    <p:tnLst>
-      <p:par>
-        <p:cTn id="1" dur="indefinite" restart="never" nodeType="tmRoot"/>
-      </p:par>
-    </p:tnLst>
-  </p:timing>
 </p:sld>
 </file>
 
 <file path=ppt/slides/slide6.xml><?xml version="1.0" encoding="utf-8"?>
-<p:sld xmlns:a="http://schemas.openxmlformats.org/drawingml/2006/main" xmlns:r="http://schemas.openxmlformats.org/officeDocument/2006/relationships" xmlns:mc="http://schemas.openxmlformats.org/markup-compatibility/2006" xmlns:mv="urn:schemas-microsoft-com:mac:vml" xmlns:p="http://schemas.openxmlformats.org/presentationml/2006/main" mc:Ignorable="mv" mc:PreserveAttributes="mv:*">
+<p:sld xmlns:a="http://schemas.openxmlformats.org/drawingml/2006/main" xmlns:r="http://schemas.openxmlformats.org/officeDocument/2006/relationships" xmlns:p="http://schemas.openxmlformats.org/presentationml/2006/main">
   <p:cSld>
     <p:spTree>
       <p:nvGrpSpPr>
@@ -13286,7 +12790,7 @@
           <a:lstStyle/>
           <a:p>
             <a:r>
-              <a:rPr lang="en-US" dirty="0" smtClean="0">
+              <a:rPr lang="en-US" dirty="0">
                 <a:solidFill>
                   <a:schemeClr val="tx2">
                     <a:lumMod val="60000"/>
@@ -13297,7 +12801,7 @@
               <a:t>VAR Example 1</a:t>
             </a:r>
             <a:br>
-              <a:rPr lang="en-US" dirty="0" smtClean="0">
+              <a:rPr lang="en-US" dirty="0">
                 <a:solidFill>
                   <a:schemeClr val="tx2">
                     <a:lumMod val="60000"/>
@@ -13307,7 +12811,7 @@
               </a:rPr>
             </a:br>
             <a:r>
-              <a:rPr lang="en-US" dirty="0" smtClean="0">
+              <a:rPr lang="en-US" dirty="0">
                 <a:solidFill>
                   <a:schemeClr val="tx2">
                     <a:lumMod val="60000"/>
@@ -13369,7 +12873,7 @@
           <a:p>
             <a:pPr algn="ctr"/>
             <a:r>
-              <a:rPr lang="en-US" sz="2400" dirty="0" smtClean="0">
+              <a:rPr lang="en-US" sz="2400" dirty="0">
                 <a:solidFill>
                   <a:schemeClr val="accent6">
                     <a:lumMod val="75000"/>
@@ -13379,7 +12883,7 @@
               <a:t>ACF </a:t>
             </a:r>
             <a:r>
-              <a:rPr lang="en-US" sz="2400" dirty="0" err="1" smtClean="0">
+              <a:rPr lang="en-US" sz="2400" dirty="0" err="1">
                 <a:solidFill>
                   <a:schemeClr val="accent6">
                     <a:lumMod val="75000"/>
@@ -13390,7 +12894,7 @@
               <a:t></a:t>
             </a:r>
             <a:r>
-              <a:rPr lang="en-US" sz="2400" dirty="0" smtClean="0">
+              <a:rPr lang="en-US" sz="2400" dirty="0">
                 <a:solidFill>
                   <a:schemeClr val="accent6">
                     <a:lumMod val="75000"/>
@@ -13403,7 +12907,7 @@
           <a:p>
             <a:pPr algn="ctr"/>
             <a:r>
-              <a:rPr lang="en-US" sz="2400" dirty="0" smtClean="0">
+              <a:rPr lang="en-US" sz="2400" dirty="0">
                 <a:solidFill>
                   <a:schemeClr val="accent6">
                     <a:lumMod val="75000"/>
@@ -13412,13 +12916,6 @@
               </a:rPr>
               <a:t> (slowly)</a:t>
             </a:r>
-            <a:endParaRPr lang="en-US" sz="2400" dirty="0">
-              <a:solidFill>
-                <a:schemeClr val="accent6">
-                  <a:lumMod val="75000"/>
-                </a:schemeClr>
-              </a:solidFill>
-            </a:endParaRPr>
           </a:p>
         </p:txBody>
       </p:sp>
@@ -13445,7 +12942,7 @@
           <a:lstStyle/>
           <a:p>
             <a:r>
-              <a:rPr lang="en-US" sz="2400" dirty="0" smtClean="0">
+              <a:rPr lang="en-US" sz="2400" dirty="0">
                 <a:solidFill>
                   <a:schemeClr val="accent6">
                     <a:lumMod val="75000"/>
@@ -13457,7 +12954,7 @@
           </a:p>
           <a:p>
             <a:r>
-              <a:rPr lang="en-US" sz="2400" dirty="0" smtClean="0">
+              <a:rPr lang="en-US" sz="2400" dirty="0">
                 <a:solidFill>
                   <a:schemeClr val="accent6">
                     <a:lumMod val="75000"/>
@@ -13469,7 +12966,7 @@
           </a:p>
           <a:p>
             <a:r>
-              <a:rPr lang="en-US" sz="2400" dirty="0" smtClean="0">
+              <a:rPr lang="en-US" sz="2400" dirty="0">
                 <a:solidFill>
                   <a:schemeClr val="accent6">
                     <a:lumMod val="75000"/>
@@ -13534,8 +13031,8 @@
             <p:ph idx="1"/>
           </p:nvPr>
         </p:nvPicPr>
-        <mc:AlternateContent>
-          <mc:Choice xmlns:ma="http://schemas.microsoft.com/office/mac/drawingml/2008/main" Requires="ma">
+        <mc:AlternateContent xmlns:mc="http://schemas.openxmlformats.org/markup-compatibility/2006">
+          <mc:Choice xmlns:ma="http://schemas.microsoft.com/office/mac/drawingml/2008/main" xmlns:mv="urn:schemas-microsoft-com:mac:vml" xmlns="" Requires="ma">
             <p:blipFill>
               <a:blip r:embed="rId2"/>
               <a:srcRect l="4810" t="16088" r="10862" b="19720"/>
@@ -13566,18 +13063,11 @@
   <p:clrMapOvr>
     <a:masterClrMapping/>
   </p:clrMapOvr>
-  <p:timing>
-    <p:tnLst>
-      <p:par>
-        <p:cTn id="1" dur="indefinite" restart="never" nodeType="tmRoot"/>
-      </p:par>
-    </p:tnLst>
-  </p:timing>
 </p:sld>
 </file>
 
 <file path=ppt/slides/slide7.xml><?xml version="1.0" encoding="utf-8"?>
-<p:sld xmlns:a="http://schemas.openxmlformats.org/drawingml/2006/main" xmlns:r="http://schemas.openxmlformats.org/officeDocument/2006/relationships" xmlns:mc="http://schemas.openxmlformats.org/markup-compatibility/2006" xmlns:mv="urn:schemas-microsoft-com:mac:vml" xmlns:p="http://schemas.openxmlformats.org/presentationml/2006/main" mc:Ignorable="mv" mc:PreserveAttributes="mv:*">
+<p:sld xmlns:a="http://schemas.openxmlformats.org/drawingml/2006/main" xmlns:r="http://schemas.openxmlformats.org/officeDocument/2006/relationships" xmlns:p="http://schemas.openxmlformats.org/presentationml/2006/main">
   <p:cSld>
     <p:spTree>
       <p:nvGrpSpPr>
@@ -13611,7 +13101,7 @@
           <a:lstStyle/>
           <a:p>
             <a:r>
-              <a:rPr lang="en-US" dirty="0" smtClean="0">
+              <a:rPr lang="en-US" dirty="0">
                 <a:solidFill>
                   <a:schemeClr val="tx2">
                     <a:lumMod val="60000"/>
@@ -13622,7 +13112,7 @@
               <a:t>VAR Example 1</a:t>
             </a:r>
             <a:br>
-              <a:rPr lang="en-US" dirty="0" smtClean="0">
+              <a:rPr lang="en-US" dirty="0">
                 <a:solidFill>
                   <a:schemeClr val="tx2">
                     <a:lumMod val="60000"/>
@@ -13632,7 +13122,7 @@
               </a:rPr>
             </a:br>
             <a:r>
-              <a:rPr lang="en-US" dirty="0" smtClean="0">
+              <a:rPr lang="en-US" dirty="0">
                 <a:solidFill>
                   <a:schemeClr val="tx2">
                     <a:lumMod val="60000"/>
@@ -13656,8 +13146,8 @@
             <p:ph idx="1"/>
           </p:nvPr>
         </p:nvPicPr>
-        <mc:AlternateContent>
-          <mc:Choice xmlns:ma="http://schemas.microsoft.com/office/mac/drawingml/2008/main" Requires="ma">
+        <mc:AlternateContent xmlns:mc="http://schemas.openxmlformats.org/markup-compatibility/2006">
+          <mc:Choice xmlns:ma="http://schemas.microsoft.com/office/mac/drawingml/2008/main" xmlns:mv="urn:schemas-microsoft-com:mac:vml" xmlns="" Requires="ma">
             <p:blipFill>
               <a:blip r:embed="rId2"/>
               <a:srcRect l="4407" t="14217" r="10459" b="21244"/>
@@ -13706,72 +13196,32 @@
           <a:lstStyle/>
           <a:p>
             <a:r>
-              <a:rPr lang="en-US" sz="2200" dirty="0" smtClean="0">
+              <a:rPr lang="en-US" sz="2200" dirty="0">
                 <a:solidFill>
                   <a:srgbClr val="6A5ACD"/>
                 </a:solidFill>
               </a:rPr>
-              <a:t>Completions </a:t>
-            </a:r>
+              <a:t>Completions are maximally </a:t>
+            </a:r>
+          </a:p>
+          <a:p>
             <a:r>
               <a:rPr lang="en-US" sz="2200" dirty="0">
                 <a:solidFill>
                   <a:srgbClr val="6A5ACD"/>
                 </a:solidFill>
               </a:rPr>
-              <a:t>are maximally</a:t>
-            </a:r>
-            <a:r>
-              <a:rPr lang="en-US" sz="2200" dirty="0" smtClean="0">
+              <a:t>correlated with starts </a:t>
+            </a:r>
+          </a:p>
+          <a:p>
+            <a:r>
+              <a:rPr lang="en-US" sz="2200" dirty="0">
                 <a:solidFill>
                   <a:srgbClr val="6A5ACD"/>
                 </a:solidFill>
               </a:rPr>
-              <a:t> </a:t>
-            </a:r>
-          </a:p>
-          <a:p>
-            <a:r>
-              <a:rPr lang="en-US" sz="2200" dirty="0" smtClean="0">
-                <a:solidFill>
-                  <a:srgbClr val="6A5ACD"/>
-                </a:solidFill>
-              </a:rPr>
-              <a:t>correlated </a:t>
-            </a:r>
-            <a:r>
-              <a:rPr lang="en-US" sz="2200" dirty="0">
-                <a:solidFill>
-                  <a:srgbClr val="6A5ACD"/>
-                </a:solidFill>
-              </a:rPr>
-              <a:t>with starts</a:t>
-            </a:r>
-            <a:r>
-              <a:rPr lang="en-US" sz="2200" dirty="0" smtClean="0">
-                <a:solidFill>
-                  <a:srgbClr val="6A5ACD"/>
-                </a:solidFill>
-              </a:rPr>
-              <a:t> </a:t>
-            </a:r>
-          </a:p>
-          <a:p>
-            <a:r>
-              <a:rPr lang="en-US" sz="2200" dirty="0" smtClean="0">
-                <a:solidFill>
-                  <a:srgbClr val="6A5ACD"/>
-                </a:solidFill>
-              </a:rPr>
-              <a:t>lagged </a:t>
-            </a:r>
-            <a:r>
-              <a:rPr lang="en-US" sz="2200" dirty="0">
-                <a:solidFill>
-                  <a:srgbClr val="6A5ACD"/>
-                </a:solidFill>
-              </a:rPr>
-              <a:t>by 6-12 months.</a:t>
+              <a:t>lagged by 6-12 months.</a:t>
             </a:r>
           </a:p>
         </p:txBody>
@@ -13832,7 +13282,7 @@
           <a:lstStyle/>
           <a:p>
             <a:r>
-              <a:rPr lang="en-US" sz="2400" dirty="0" smtClean="0">
+              <a:rPr lang="en-US" sz="2400" dirty="0">
                 <a:solidFill>
                   <a:schemeClr val="accent6">
                     <a:lumMod val="75000"/>
@@ -13842,7 +13292,7 @@
               <a:t>Def</a:t>
             </a:r>
             <a:r>
-              <a:rPr lang="en-US" sz="2400" dirty="0" smtClean="0">
+              <a:rPr lang="en-US" sz="2400" dirty="0">
                 <a:solidFill>
                   <a:schemeClr val="tx1">
                     <a:lumMod val="65000"/>
@@ -13853,7 +13303,7 @@
               <a:t>: </a:t>
             </a:r>
             <a:r>
-              <a:rPr lang="en-US" sz="2400" dirty="0" smtClean="0">
+              <a:rPr lang="en-US" sz="2400" dirty="0">
                 <a:solidFill>
                   <a:srgbClr val="6A5ACD"/>
                 </a:solidFill>
@@ -13863,7 +13313,7 @@
           </a:p>
           <a:p>
             <a:r>
-              <a:rPr lang="en-US" sz="2400" dirty="0" smtClean="0">
+              <a:rPr lang="en-US" sz="2400" dirty="0">
                 <a:solidFill>
                   <a:schemeClr val="tx1">
                     <a:lumMod val="65000"/>
@@ -13876,7 +13326,7 @@
           </a:p>
           <a:p>
             <a:r>
-              <a:rPr lang="en-US" sz="2400" dirty="0" smtClean="0">
+              <a:rPr lang="en-US" sz="2400" dirty="0">
                 <a:solidFill>
                   <a:schemeClr val="tx1">
                     <a:lumMod val="65000"/>
@@ -13886,14 +13336,6 @@
               </a:rPr>
               <a:t>multivariate case</a:t>
             </a:r>
-            <a:endParaRPr lang="en-US" sz="2400" dirty="0">
-              <a:solidFill>
-                <a:schemeClr val="tx1">
-                  <a:lumMod val="65000"/>
-                  <a:lumOff val="35000"/>
-                </a:schemeClr>
-              </a:solidFill>
-            </a:endParaRPr>
           </a:p>
         </p:txBody>
       </p:sp>
@@ -13920,7 +13362,7 @@
           <a:lstStyle/>
           <a:p>
             <a:r>
-              <a:rPr lang="en-US" sz="2400" dirty="0" smtClean="0">
+              <a:rPr lang="en-US" sz="2400" dirty="0">
                 <a:solidFill>
                   <a:schemeClr val="accent6">
                     <a:lumMod val="75000"/>
@@ -13930,7 +13372,7 @@
               <a:t>ρ</a:t>
             </a:r>
             <a:r>
-              <a:rPr lang="en-US" sz="2400" baseline="-25000" dirty="0" smtClean="0">
+              <a:rPr lang="en-US" sz="2400" baseline="-25000" dirty="0">
                 <a:solidFill>
                   <a:schemeClr val="accent6">
                     <a:lumMod val="75000"/>
@@ -13940,7 +13382,7 @@
               <a:t>CC </a:t>
             </a:r>
             <a:r>
-              <a:rPr lang="en-US" sz="2400" dirty="0" smtClean="0">
+              <a:rPr lang="en-US" sz="2400" dirty="0">
                 <a:solidFill>
                   <a:schemeClr val="accent6">
                     <a:lumMod val="75000"/>
@@ -13949,13 +13391,6 @@
               </a:rPr>
               <a:t>≈ 0.90</a:t>
             </a:r>
-            <a:endParaRPr lang="en-US" sz="2400" dirty="0">
-              <a:solidFill>
-                <a:schemeClr val="accent6">
-                  <a:lumMod val="75000"/>
-                </a:schemeClr>
-              </a:solidFill>
-            </a:endParaRPr>
           </a:p>
         </p:txBody>
       </p:sp>
@@ -14015,7 +13450,7 @@
           <a:lstStyle/>
           <a:p>
             <a:r>
-              <a:rPr lang="en-US" sz="2000" dirty="0" smtClean="0">
+              <a:rPr lang="en-US" sz="2000" dirty="0">
                 <a:solidFill>
                   <a:srgbClr val="E46C0A"/>
                 </a:solidFill>
@@ -14023,7 +13458,7 @@
               <a:t>Q</a:t>
             </a:r>
             <a:r>
-              <a:rPr lang="en-US" sz="2000" dirty="0" smtClean="0">
+              <a:rPr lang="en-US" sz="2000" dirty="0">
                 <a:solidFill>
                   <a:schemeClr val="tx1">
                     <a:lumMod val="65000"/>
@@ -14044,27 +13479,8 @@
                   </a:schemeClr>
                 </a:solidFill>
               </a:rPr>
-              <a:t>o</a:t>
-            </a:r>
-            <a:r>
-              <a:rPr lang="en-US" sz="2000" dirty="0" smtClean="0">
-                <a:solidFill>
-                  <a:schemeClr val="tx1">
-                    <a:lumMod val="65000"/>
-                    <a:lumOff val="35000"/>
-                  </a:schemeClr>
-                </a:solidFill>
-              </a:rPr>
-              <a:t>r do starts depend on comps?</a:t>
-            </a:r>
-            <a:endParaRPr lang="en-US" sz="2000" dirty="0">
-              <a:solidFill>
-                <a:schemeClr val="tx1">
-                  <a:lumMod val="65000"/>
-                  <a:lumOff val="35000"/>
-                </a:schemeClr>
-              </a:solidFill>
-            </a:endParaRPr>
+              <a:t>or do starts depend on comps?</a:t>
+            </a:r>
           </a:p>
         </p:txBody>
       </p:sp>
@@ -14097,18 +13513,11 @@
   <p:clrMapOvr>
     <a:masterClrMapping/>
   </p:clrMapOvr>
-  <p:timing>
-    <p:tnLst>
-      <p:par>
-        <p:cTn id="1" dur="indefinite" restart="never" nodeType="tmRoot"/>
-      </p:par>
-    </p:tnLst>
-  </p:timing>
 </p:sld>
 </file>
 
 <file path=ppt/slides/slide8.xml><?xml version="1.0" encoding="utf-8"?>
-<p:sld xmlns:a="http://schemas.openxmlformats.org/drawingml/2006/main" xmlns:r="http://schemas.openxmlformats.org/officeDocument/2006/relationships" xmlns:mc="http://schemas.openxmlformats.org/markup-compatibility/2006" xmlns:mv="urn:schemas-microsoft-com:mac:vml" xmlns:p="http://schemas.openxmlformats.org/presentationml/2006/main" mc:Ignorable="mv" mc:PreserveAttributes="mv:*">
+<p:sld xmlns:a="http://schemas.openxmlformats.org/drawingml/2006/main" xmlns:r="http://schemas.openxmlformats.org/officeDocument/2006/relationships" xmlns:p="http://schemas.openxmlformats.org/presentationml/2006/main">
   <p:cSld>
     <p:spTree>
       <p:nvGrpSpPr>
@@ -14146,16 +13555,16 @@
           </a:bodyPr>
           <a:lstStyle/>
           <a:p>
-            <a:endParaRPr lang="en-US" sz="3600" dirty="0" smtClean="0"/>
+            <a:endParaRPr lang="en-US" sz="3600" dirty="0"/>
           </a:p>
           <a:p>
             <a:pPr>
               <a:buNone/>
             </a:pPr>
-            <a:endParaRPr lang="en-US" sz="3600" dirty="0" smtClean="0"/>
-          </a:p>
-          <a:p>
-            <a:endParaRPr lang="en-US" sz="3600" dirty="0" smtClean="0"/>
+            <a:endParaRPr lang="en-US" sz="3600" dirty="0"/>
+          </a:p>
+          <a:p>
+            <a:endParaRPr lang="en-US" sz="3600" dirty="0"/>
           </a:p>
         </p:txBody>
       </p:sp>
@@ -14231,7 +13640,7 @@
           <a:p>
             <a:pPr algn="ctr"/>
             <a:r>
-              <a:rPr lang="en-US" sz="2800" dirty="0" smtClean="0">
+              <a:rPr lang="en-US" sz="2800" dirty="0">
                 <a:solidFill>
                   <a:srgbClr val="E46C0A"/>
                 </a:solidFill>
@@ -14242,7 +13651,7 @@
           <a:p>
             <a:pPr algn="ctr"/>
             <a:r>
-              <a:rPr lang="en-US" sz="2800" dirty="0" smtClean="0">
+              <a:rPr lang="en-US" sz="2800" dirty="0">
                 <a:solidFill>
                   <a:srgbClr val="E46C0A"/>
                 </a:solidFill>
@@ -14253,18 +13662,13 @@
           <a:p>
             <a:pPr algn="ctr"/>
             <a:r>
-              <a:rPr lang="en-US" sz="2800" dirty="0" smtClean="0">
+              <a:rPr lang="en-US" sz="2800" dirty="0">
                 <a:solidFill>
                   <a:srgbClr val="E46C0A"/>
                 </a:solidFill>
               </a:rPr>
               <a:t>Equation 1:</a:t>
             </a:r>
-            <a:endParaRPr lang="en-US" sz="2800" dirty="0">
-              <a:solidFill>
-                <a:srgbClr val="E46C0A"/>
-              </a:solidFill>
-            </a:endParaRPr>
           </a:p>
         </p:txBody>
       </p:sp>
@@ -14347,50 +13751,42 @@
                   <a:srgbClr val="B22222"/>
                 </a:solidFill>
               </a:rPr>
-              <a:t>s</a:t>
-            </a:r>
-            <a:r>
-              <a:rPr lang="en-US" sz="2800" dirty="0" smtClean="0">
-                <a:solidFill>
-                  <a:srgbClr val="B22222"/>
-                </a:solidFill>
-              </a:rPr>
-              <a:t>tarts</a:t>
-            </a:r>
-            <a:r>
-              <a:rPr lang="en-US" sz="2800" dirty="0" smtClean="0"/>
+              <a:t>starts</a:t>
+            </a:r>
+            <a:r>
+              <a:rPr lang="en-US" sz="2800" dirty="0"/>
               <a:t> = </a:t>
             </a:r>
             <a:r>
-              <a:rPr lang="en-US" sz="2800" dirty="0" err="1" smtClean="0"/>
+              <a:rPr lang="en-US" sz="2800" dirty="0" err="1"/>
               <a:t>c</a:t>
             </a:r>
             <a:r>
-              <a:rPr lang="en-US" sz="2800" dirty="0" smtClean="0"/>
+              <a:rPr lang="en-US" sz="2800" dirty="0"/>
               <a:t> + </a:t>
             </a:r>
             <a:r>
-              <a:rPr lang="en-US" sz="2800" dirty="0" err="1" smtClean="0"/>
+              <a:rPr lang="en-US" sz="2800" dirty="0" err="1"/>
               <a:t>starts</a:t>
             </a:r>
             <a:r>
-              <a:rPr lang="en-US" sz="2800" baseline="-25000" dirty="0" err="1" smtClean="0"/>
+              <a:rPr lang="en-US" sz="2800" baseline="-25000" dirty="0" err="1"/>
               <a:t>t-k</a:t>
             </a:r>
             <a:r>
-              <a:rPr lang="en-US" sz="2800" baseline="-25000" dirty="0" smtClean="0"/>
+              <a:rPr lang="en-US" sz="2800" baseline="-25000" dirty="0"/>
               <a:t> </a:t>
             </a:r>
             <a:r>
-              <a:rPr lang="en-US" sz="2800" dirty="0" smtClean="0"/>
+              <a:rPr lang="en-US" sz="2800" dirty="0"/>
               <a:t>+ </a:t>
             </a:r>
             <a:r>
-              <a:rPr lang="en-US" sz="2800" dirty="0" err="1" smtClean="0"/>
+              <a:rPr lang="en-US" sz="2800" dirty="0" err="1"/>
               <a:t>comps</a:t>
             </a:r>
             <a:r>
-              <a:rPr lang="en-US" sz="2800" baseline="-25000" dirty="0" err="1" smtClean="0"/>
+              <a:rPr lang="en-US" sz="2800" baseline="-25000" dirty="0" err="1"/>
               <a:t>t-k</a:t>
             </a:r>
             <a:endParaRPr lang="en-US" sz="2800" baseline="-25000" dirty="0"/>
@@ -14402,18 +13798,11 @@
   <p:clrMapOvr>
     <a:masterClrMapping/>
   </p:clrMapOvr>
-  <p:timing>
-    <p:tnLst>
-      <p:par>
-        <p:cTn id="1" dur="indefinite" restart="never" nodeType="tmRoot"/>
-      </p:par>
-    </p:tnLst>
-  </p:timing>
 </p:sld>
 </file>
 
 <file path=ppt/slides/slide9.xml><?xml version="1.0" encoding="utf-8"?>
-<p:sld xmlns:a="http://schemas.openxmlformats.org/drawingml/2006/main" xmlns:r="http://schemas.openxmlformats.org/officeDocument/2006/relationships" xmlns:mc="http://schemas.openxmlformats.org/markup-compatibility/2006" xmlns:mv="urn:schemas-microsoft-com:mac:vml" xmlns:p="http://schemas.openxmlformats.org/presentationml/2006/main" mc:Ignorable="mv" mc:PreserveAttributes="mv:*">
+<p:sld xmlns:a="http://schemas.openxmlformats.org/drawingml/2006/main" xmlns:r="http://schemas.openxmlformats.org/officeDocument/2006/relationships" xmlns:p="http://schemas.openxmlformats.org/presentationml/2006/main">
   <p:cSld>
     <p:spTree>
       <p:nvGrpSpPr>
@@ -14475,16 +13864,16 @@
           </a:bodyPr>
           <a:lstStyle/>
           <a:p>
-            <a:endParaRPr lang="en-US" sz="3600" dirty="0" smtClean="0"/>
+            <a:endParaRPr lang="en-US" sz="3600" dirty="0"/>
           </a:p>
           <a:p>
             <a:pPr>
               <a:buNone/>
             </a:pPr>
-            <a:endParaRPr lang="en-US" sz="3600" dirty="0" smtClean="0"/>
-          </a:p>
-          <a:p>
-            <a:endParaRPr lang="en-US" sz="3600" dirty="0" smtClean="0"/>
+            <a:endParaRPr lang="en-US" sz="3600" dirty="0"/>
+          </a:p>
+          <a:p>
+            <a:endParaRPr lang="en-US" sz="3600" dirty="0"/>
           </a:p>
         </p:txBody>
       </p:sp>
@@ -14536,7 +13925,7 @@
           <a:p>
             <a:pPr algn="ctr"/>
             <a:r>
-              <a:rPr lang="en-US" sz="2800" dirty="0" smtClean="0">
+              <a:rPr lang="en-US" sz="2800" dirty="0">
                 <a:solidFill>
                   <a:srgbClr val="E46C0A"/>
                 </a:solidFill>
@@ -14547,7 +13936,7 @@
           <a:p>
             <a:pPr algn="ctr"/>
             <a:r>
-              <a:rPr lang="en-US" sz="2800" dirty="0" smtClean="0">
+              <a:rPr lang="en-US" sz="2800" dirty="0">
                 <a:solidFill>
                   <a:srgbClr val="E46C0A"/>
                 </a:solidFill>
@@ -14558,18 +13947,13 @@
           <a:p>
             <a:pPr algn="ctr"/>
             <a:r>
-              <a:rPr lang="en-US" sz="2800" dirty="0" smtClean="0">
+              <a:rPr lang="en-US" sz="2800" dirty="0">
                 <a:solidFill>
                   <a:srgbClr val="E46C0A"/>
                 </a:solidFill>
               </a:rPr>
               <a:t>Equation 2:</a:t>
             </a:r>
-            <a:endParaRPr lang="en-US" sz="2800" dirty="0">
-              <a:solidFill>
-                <a:srgbClr val="E46C0A"/>
-              </a:solidFill>
-            </a:endParaRPr>
           </a:p>
         </p:txBody>
       </p:sp>
@@ -14647,7 +14031,7 @@
           <a:lstStyle/>
           <a:p>
             <a:r>
-              <a:rPr lang="en-US" sz="2800" dirty="0" smtClean="0">
+              <a:rPr lang="en-US" sz="2800" dirty="0">
                 <a:solidFill>
                   <a:srgbClr val="B22222"/>
                 </a:solidFill>
@@ -14655,39 +14039,39 @@
               <a:t>comps</a:t>
             </a:r>
             <a:r>
-              <a:rPr lang="en-US" sz="2800" dirty="0" smtClean="0"/>
+              <a:rPr lang="en-US" sz="2800" dirty="0"/>
               <a:t> = </a:t>
             </a:r>
             <a:r>
-              <a:rPr lang="en-US" sz="2800" dirty="0" err="1" smtClean="0"/>
+              <a:rPr lang="en-US" sz="2800" dirty="0" err="1"/>
               <a:t>c</a:t>
             </a:r>
             <a:r>
-              <a:rPr lang="en-US" sz="2800" dirty="0" smtClean="0"/>
+              <a:rPr lang="en-US" sz="2800" dirty="0"/>
               <a:t> + </a:t>
             </a:r>
             <a:r>
-              <a:rPr lang="en-US" sz="2800" dirty="0" err="1" smtClean="0"/>
+              <a:rPr lang="en-US" sz="2800" dirty="0" err="1"/>
               <a:t>starts</a:t>
             </a:r>
             <a:r>
-              <a:rPr lang="en-US" sz="2800" baseline="-25000" dirty="0" err="1" smtClean="0"/>
+              <a:rPr lang="en-US" sz="2800" baseline="-25000" dirty="0" err="1"/>
               <a:t>t-k</a:t>
             </a:r>
             <a:r>
-              <a:rPr lang="en-US" sz="2800" baseline="-25000" dirty="0" smtClean="0"/>
+              <a:rPr lang="en-US" sz="2800" baseline="-25000" dirty="0"/>
               <a:t> </a:t>
             </a:r>
             <a:r>
-              <a:rPr lang="en-US" sz="2800" dirty="0" smtClean="0"/>
+              <a:rPr lang="en-US" sz="2800" dirty="0"/>
               <a:t>+ </a:t>
             </a:r>
             <a:r>
-              <a:rPr lang="en-US" sz="2800" dirty="0" err="1" smtClean="0"/>
+              <a:rPr lang="en-US" sz="2800" dirty="0" err="1"/>
               <a:t>comps</a:t>
             </a:r>
             <a:r>
-              <a:rPr lang="en-US" sz="2800" baseline="-25000" dirty="0" err="1" smtClean="0"/>
+              <a:rPr lang="en-US" sz="2800" baseline="-25000" dirty="0" err="1"/>
               <a:t>t-k</a:t>
             </a:r>
             <a:endParaRPr lang="en-US" sz="2800" baseline="-25000" dirty="0"/>
@@ -14717,7 +14101,7 @@
           <a:lstStyle/>
           <a:p>
             <a:r>
-              <a:rPr lang="en-US" sz="3000" dirty="0" smtClean="0">
+              <a:rPr lang="en-US" sz="3000" dirty="0">
                 <a:solidFill>
                   <a:schemeClr val="accent6">
                     <a:lumMod val="75000"/>
@@ -14727,7 +14111,7 @@
               <a:t>A</a:t>
             </a:r>
             <a:r>
-              <a:rPr lang="en-US" sz="3000" dirty="0" smtClean="0">
+              <a:rPr lang="en-US" sz="3000" dirty="0">
                 <a:solidFill>
                   <a:srgbClr val="595959"/>
                 </a:solidFill>
@@ -14737,18 +14121,13 @@
           </a:p>
           <a:p>
             <a:r>
-              <a:rPr lang="en-US" sz="3000" dirty="0" smtClean="0">
+              <a:rPr lang="en-US" sz="3000" dirty="0">
                 <a:solidFill>
                   <a:srgbClr val="595959"/>
                 </a:solidFill>
               </a:rPr>
               <a:t>comps depend on starts</a:t>
             </a:r>
-            <a:endParaRPr lang="en-US" sz="3000" dirty="0">
-              <a:solidFill>
-                <a:srgbClr val="595959"/>
-              </a:solidFill>
-            </a:endParaRPr>
           </a:p>
         </p:txBody>
       </p:sp>
@@ -14780,21 +14159,8 @@
                   <a:srgbClr val="6A5ACD"/>
                 </a:solidFill>
               </a:rPr>
-              <a:t>A</a:t>
-            </a:r>
-            <a:r>
-              <a:rPr lang="en-US" sz="3200" dirty="0" smtClean="0">
-                <a:solidFill>
-                  <a:srgbClr val="6A5ACD"/>
-                </a:solidFill>
-              </a:rPr>
-              <a:t>sk R which one is it?</a:t>
-            </a:r>
-            <a:endParaRPr lang="en-US" sz="3200" dirty="0">
-              <a:solidFill>
-                <a:srgbClr val="6A5ACD"/>
-              </a:solidFill>
-            </a:endParaRPr>
+              <a:t>Ask R which one is it?</a:t>
+            </a:r>
           </a:p>
         </p:txBody>
       </p:sp>
